--- a/présentation/Bloc_04_Projet_ATnT.pptx
+++ b/présentation/Bloc_04_Projet_ATnT.pptx
@@ -6,35 +6,36 @@
     <p:sldMasterId id="2147483660" r:id="rId2"/>
   </p:sldMasterIdLst>
   <p:notesMasterIdLst>
-    <p:notesMasterId r:id="rId12"/>
+    <p:notesMasterId r:id="rId13"/>
   </p:notesMasterIdLst>
   <p:sldIdLst>
     <p:sldId id="256" r:id="rId3"/>
-    <p:sldId id="273" r:id="rId4"/>
-    <p:sldId id="258" r:id="rId5"/>
-    <p:sldId id="274" r:id="rId6"/>
-    <p:sldId id="276" r:id="rId7"/>
-    <p:sldId id="278" r:id="rId8"/>
-    <p:sldId id="277" r:id="rId9"/>
-    <p:sldId id="279" r:id="rId10"/>
-    <p:sldId id="271" r:id="rId11"/>
+    <p:sldId id="272" r:id="rId4"/>
+    <p:sldId id="273" r:id="rId5"/>
+    <p:sldId id="258" r:id="rId6"/>
+    <p:sldId id="274" r:id="rId7"/>
+    <p:sldId id="276" r:id="rId8"/>
+    <p:sldId id="278" r:id="rId9"/>
+    <p:sldId id="277" r:id="rId10"/>
+    <p:sldId id="279" r:id="rId11"/>
+    <p:sldId id="271" r:id="rId12"/>
   </p:sldIdLst>
   <p:sldSz cx="9144000" cy="5143500" type="screen16x9"/>
   <p:notesSz cx="6858000" cy="9144000"/>
   <p:embeddedFontLst>
     <p:embeddedFont>
       <p:font typeface="Inter Medium" panose="020B0604020202020204" charset="0"/>
-      <p:regular r:id="rId13"/>
-      <p:bold r:id="rId14"/>
-      <p:italic r:id="rId15"/>
-      <p:boldItalic r:id="rId16"/>
+      <p:regular r:id="rId14"/>
+      <p:bold r:id="rId15"/>
+      <p:italic r:id="rId16"/>
+      <p:boldItalic r:id="rId17"/>
     </p:embeddedFont>
     <p:embeddedFont>
       <p:font typeface="Inter SemiBold" panose="020B0604020202020204" charset="0"/>
-      <p:regular r:id="rId17"/>
-      <p:bold r:id="rId18"/>
-      <p:italic r:id="rId19"/>
-      <p:boldItalic r:id="rId20"/>
+      <p:regular r:id="rId18"/>
+      <p:bold r:id="rId19"/>
+      <p:italic r:id="rId20"/>
+      <p:boldItalic r:id="rId21"/>
     </p:embeddedFont>
   </p:embeddedFontLst>
   <p:defaultTextStyle>
@@ -277,7 +278,7 @@
 <file path=ppt/revisionInfo.xml><?xml version="1.0" encoding="utf-8"?>
 <p1510:revInfo xmlns:a="http://schemas.openxmlformats.org/drawingml/2006/main" xmlns:r="http://schemas.openxmlformats.org/officeDocument/2006/relationships" xmlns:p1510="http://schemas.microsoft.com/office/powerpoint/2015/10/main">
   <p1510:revLst>
-    <p1510:client id="{0BA7E554-25ED-48BF-A045-72BA8DE0142F}" v="159" dt="2026-02-10T09:27:13.308"/>
+    <p1510:client id="{0BA7E554-25ED-48BF-A045-72BA8DE0142F}" v="160" dt="2026-02-11T17:09:28.400"/>
   </p1510:revLst>
 </p1510:revInfo>
 </file>
@@ -287,7 +288,7 @@
   <pc:docChgLst>
     <pc:chgData name="Jean-Yves Vuillequez" userId="e7fac481abea6bd0" providerId="LiveId" clId="{79E365E8-22BC-4EC2-9606-9A9AC6CD1D22}"/>
     <pc:docChg chg="undo custSel addSld delSld modSld sldOrd addMainMaster delMainMaster">
-      <pc:chgData name="Jean-Yves Vuillequez" userId="e7fac481abea6bd0" providerId="LiveId" clId="{79E365E8-22BC-4EC2-9606-9A9AC6CD1D22}" dt="2026-02-11T09:27:15.144" v="948" actId="14734"/>
+      <pc:chgData name="Jean-Yves Vuillequez" userId="e7fac481abea6bd0" providerId="LiveId" clId="{79E365E8-22BC-4EC2-9606-9A9AC6CD1D22}" dt="2026-02-11T17:16:04.918" v="1065" actId="20577"/>
       <pc:docMkLst>
         <pc:docMk/>
       </pc:docMkLst>
@@ -384,12 +385,28 @@
           <pc:sldMk cId="0" sldId="271"/>
         </pc:sldMkLst>
       </pc:sldChg>
-      <pc:sldChg chg="add del">
-        <pc:chgData name="Jean-Yves Vuillequez" userId="e7fac481abea6bd0" providerId="LiveId" clId="{79E365E8-22BC-4EC2-9606-9A9AC6CD1D22}" dt="2026-02-10T07:49:45.986" v="108" actId="47"/>
+      <pc:sldChg chg="modSp add del mod">
+        <pc:chgData name="Jean-Yves Vuillequez" userId="e7fac481abea6bd0" providerId="LiveId" clId="{79E365E8-22BC-4EC2-9606-9A9AC6CD1D22}" dt="2026-02-11T17:10:41.906" v="961" actId="14100"/>
         <pc:sldMkLst>
           <pc:docMk/>
           <pc:sldMk cId="0" sldId="272"/>
         </pc:sldMkLst>
+        <pc:spChg chg="mod">
+          <ac:chgData name="Jean-Yves Vuillequez" userId="e7fac481abea6bd0" providerId="LiveId" clId="{79E365E8-22BC-4EC2-9606-9A9AC6CD1D22}" dt="2026-02-11T17:10:41.906" v="961" actId="14100"/>
+          <ac:spMkLst>
+            <pc:docMk/>
+            <pc:sldMk cId="0" sldId="272"/>
+            <ac:spMk id="5" creationId="{C9E79F0C-F757-C223-90A8-073753256F1C}"/>
+          </ac:spMkLst>
+        </pc:spChg>
+        <pc:spChg chg="mod">
+          <ac:chgData name="Jean-Yves Vuillequez" userId="e7fac481abea6bd0" providerId="LiveId" clId="{79E365E8-22BC-4EC2-9606-9A9AC6CD1D22}" dt="2026-02-11T17:10:34.721" v="960" actId="20577"/>
+          <ac:spMkLst>
+            <pc:docMk/>
+            <pc:sldMk cId="0" sldId="272"/>
+            <ac:spMk id="6" creationId="{243FF7A6-205C-44FD-4C04-67C8CD0DF557}"/>
+          </ac:spMkLst>
+        </pc:spChg>
       </pc:sldChg>
       <pc:sldChg chg="addSp modSp add">
         <pc:chgData name="Jean-Yves Vuillequez" userId="e7fac481abea6bd0" providerId="LiveId" clId="{79E365E8-22BC-4EC2-9606-9A9AC6CD1D22}" dt="2026-02-10T08:02:57.934" v="206" actId="20577"/>
@@ -479,13 +496,13 @@
         </pc:spChg>
       </pc:sldChg>
       <pc:sldChg chg="modSp add mod">
-        <pc:chgData name="Jean-Yves Vuillequez" userId="e7fac481abea6bd0" providerId="LiveId" clId="{79E365E8-22BC-4EC2-9606-9A9AC6CD1D22}" dt="2026-02-10T08:35:32.591" v="489" actId="20577"/>
+        <pc:chgData name="Jean-Yves Vuillequez" userId="e7fac481abea6bd0" providerId="LiveId" clId="{79E365E8-22BC-4EC2-9606-9A9AC6CD1D22}" dt="2026-02-11T17:16:04.918" v="1065" actId="20577"/>
         <pc:sldMkLst>
           <pc:docMk/>
           <pc:sldMk cId="4090418498" sldId="274"/>
         </pc:sldMkLst>
         <pc:spChg chg="mod">
-          <ac:chgData name="Jean-Yves Vuillequez" userId="e7fac481abea6bd0" providerId="LiveId" clId="{79E365E8-22BC-4EC2-9606-9A9AC6CD1D22}" dt="2026-02-10T08:35:32.591" v="489" actId="20577"/>
+          <ac:chgData name="Jean-Yves Vuillequez" userId="e7fac481abea6bd0" providerId="LiveId" clId="{79E365E8-22BC-4EC2-9606-9A9AC6CD1D22}" dt="2026-02-11T17:16:04.918" v="1065" actId="20577"/>
           <ac:spMkLst>
             <pc:docMk/>
             <pc:sldMk cId="4090418498" sldId="274"/>
@@ -1477,7 +1494,233 @@
 </p:notes>
 </file>
 
+<file path=ppt/notesSlides/notesSlide10.xml><?xml version="1.0" encoding="utf-8"?>
+<p:notes xmlns:a="http://schemas.openxmlformats.org/drawingml/2006/main" xmlns:r="http://schemas.openxmlformats.org/officeDocument/2006/relationships" xmlns:p="http://schemas.openxmlformats.org/presentationml/2006/main" showMasterSp="0" showMasterPhAnim="0">
+  <p:cSld>
+    <p:spTree>
+      <p:nvGrpSpPr>
+        <p:cNvPr id="1" name="Shape 183"/>
+        <p:cNvGrpSpPr/>
+        <p:nvPr/>
+      </p:nvGrpSpPr>
+      <p:grpSpPr>
+        <a:xfrm>
+          <a:off x="0" y="0"/>
+          <a:ext cx="0" cy="0"/>
+          <a:chOff x="0" y="0"/>
+          <a:chExt cx="0" cy="0"/>
+        </a:xfrm>
+      </p:grpSpPr>
+      <p:sp>
+        <p:nvSpPr>
+          <p:cNvPr id="184" name="Google Shape;184;p9:notes"/>
+          <p:cNvSpPr>
+            <a:spLocks noGrp="1" noRot="1" noChangeAspect="1"/>
+          </p:cNvSpPr>
+          <p:nvPr>
+            <p:ph type="sldImg" idx="2"/>
+          </p:nvPr>
+        </p:nvSpPr>
+        <p:spPr>
+          <a:xfrm>
+            <a:off x="381000" y="685800"/>
+            <a:ext cx="6096000" cy="3429000"/>
+          </a:xfrm>
+          <a:custGeom>
+            <a:avLst/>
+            <a:gdLst/>
+            <a:ahLst/>
+            <a:cxnLst/>
+            <a:rect l="l" t="t" r="r" b="b"/>
+            <a:pathLst>
+              <a:path w="120000" h="120000" extrusionOk="0">
+                <a:moveTo>
+                  <a:pt x="0" y="0"/>
+                </a:moveTo>
+                <a:lnTo>
+                  <a:pt x="120000" y="0"/>
+                </a:lnTo>
+                <a:lnTo>
+                  <a:pt x="120000" y="120000"/>
+                </a:lnTo>
+                <a:lnTo>
+                  <a:pt x="0" y="120000"/>
+                </a:lnTo>
+                <a:close/>
+              </a:path>
+            </a:pathLst>
+          </a:custGeom>
+          <a:noFill/>
+          <a:ln w="9525" cap="flat" cmpd="sng">
+            <a:solidFill>
+              <a:srgbClr val="000000"/>
+            </a:solidFill>
+            <a:prstDash val="solid"/>
+            <a:round/>
+            <a:headEnd type="none" w="sm" len="sm"/>
+            <a:tailEnd type="none" w="sm" len="sm"/>
+          </a:ln>
+        </p:spPr>
+      </p:sp>
+      <p:sp>
+        <p:nvSpPr>
+          <p:cNvPr id="185" name="Google Shape;185;p9:notes"/>
+          <p:cNvSpPr txBox="1">
+            <a:spLocks noGrp="1"/>
+          </p:cNvSpPr>
+          <p:nvPr>
+            <p:ph type="body" idx="1"/>
+          </p:nvPr>
+        </p:nvSpPr>
+        <p:spPr>
+          <a:xfrm>
+            <a:off x="685800" y="4343400"/>
+            <a:ext cx="5486400" cy="4114800"/>
+          </a:xfrm>
+          <a:prstGeom prst="rect">
+            <a:avLst/>
+          </a:prstGeom>
+          <a:noFill/>
+          <a:ln>
+            <a:noFill/>
+          </a:ln>
+        </p:spPr>
+        <p:txBody>
+          <a:bodyPr spcFirstLastPara="1" wrap="square" lIns="91425" tIns="91425" rIns="91425" bIns="91425" anchor="t" anchorCtr="0">
+            <a:noAutofit/>
+          </a:bodyPr>
+          <a:lstStyle/>
+          <a:p>
+            <a:pPr marL="0" lvl="0" indent="0" algn="l" rtl="0">
+              <a:lnSpc>
+                <a:spcPct val="100000"/>
+              </a:lnSpc>
+              <a:spcBef>
+                <a:spcPts val="0"/>
+              </a:spcBef>
+              <a:spcAft>
+                <a:spcPts val="0"/>
+              </a:spcAft>
+              <a:buSzPts val="1100"/>
+              <a:buNone/>
+            </a:pPr>
+            <a:endParaRPr/>
+          </a:p>
+        </p:txBody>
+      </p:sp>
+    </p:spTree>
+  </p:cSld>
+  <p:clrMapOvr>
+    <a:masterClrMapping/>
+  </p:clrMapOvr>
+</p:notes>
+</file>
+
 <file path=ppt/notesSlides/notesSlide2.xml><?xml version="1.0" encoding="utf-8"?>
+<p:notes xmlns:a="http://schemas.openxmlformats.org/drawingml/2006/main" xmlns:r="http://schemas.openxmlformats.org/officeDocument/2006/relationships" xmlns:p="http://schemas.openxmlformats.org/presentationml/2006/main" showMasterSp="0" showMasterPhAnim="0">
+  <p:cSld>
+    <p:spTree>
+      <p:nvGrpSpPr>
+        <p:cNvPr id="1" name="Shape 64"/>
+        <p:cNvGrpSpPr/>
+        <p:nvPr/>
+      </p:nvGrpSpPr>
+      <p:grpSpPr>
+        <a:xfrm>
+          <a:off x="0" y="0"/>
+          <a:ext cx="0" cy="0"/>
+          <a:chOff x="0" y="0"/>
+          <a:chExt cx="0" cy="0"/>
+        </a:xfrm>
+      </p:grpSpPr>
+      <p:sp>
+        <p:nvSpPr>
+          <p:cNvPr id="65" name="Google Shape;65;g3bc3b886ea_0_7:notes"/>
+          <p:cNvSpPr>
+            <a:spLocks noGrp="1" noRot="1" noChangeAspect="1"/>
+          </p:cNvSpPr>
+          <p:nvPr>
+            <p:ph type="sldImg" idx="2"/>
+          </p:nvPr>
+        </p:nvSpPr>
+        <p:spPr>
+          <a:xfrm>
+            <a:off x="381000" y="685800"/>
+            <a:ext cx="6096000" cy="3429000"/>
+          </a:xfrm>
+          <a:custGeom>
+            <a:avLst/>
+            <a:gdLst/>
+            <a:ahLst/>
+            <a:cxnLst/>
+            <a:rect l="l" t="t" r="r" b="b"/>
+            <a:pathLst>
+              <a:path w="120000" h="120000" extrusionOk="0">
+                <a:moveTo>
+                  <a:pt x="0" y="0"/>
+                </a:moveTo>
+                <a:lnTo>
+                  <a:pt x="120000" y="0"/>
+                </a:lnTo>
+                <a:lnTo>
+                  <a:pt x="120000" y="120000"/>
+                </a:lnTo>
+                <a:lnTo>
+                  <a:pt x="0" y="120000"/>
+                </a:lnTo>
+                <a:close/>
+              </a:path>
+            </a:pathLst>
+          </a:custGeom>
+        </p:spPr>
+      </p:sp>
+      <p:sp>
+        <p:nvSpPr>
+          <p:cNvPr id="66" name="Google Shape;66;g3bc3b886ea_0_7:notes"/>
+          <p:cNvSpPr txBox="1">
+            <a:spLocks noGrp="1"/>
+          </p:cNvSpPr>
+          <p:nvPr>
+            <p:ph type="body" idx="1"/>
+          </p:nvPr>
+        </p:nvSpPr>
+        <p:spPr>
+          <a:xfrm>
+            <a:off x="685800" y="4343400"/>
+            <a:ext cx="5486400" cy="4114800"/>
+          </a:xfrm>
+          <a:prstGeom prst="rect">
+            <a:avLst/>
+          </a:prstGeom>
+        </p:spPr>
+        <p:txBody>
+          <a:bodyPr spcFirstLastPara="1" wrap="square" lIns="91425" tIns="91425" rIns="91425" bIns="91425" anchor="t" anchorCtr="0">
+            <a:noAutofit/>
+          </a:bodyPr>
+          <a:lstStyle/>
+          <a:p>
+            <a:pPr marL="0" lvl="0" indent="0" algn="l" rtl="0">
+              <a:spcBef>
+                <a:spcPts val="0"/>
+              </a:spcBef>
+              <a:spcAft>
+                <a:spcPts val="0"/>
+              </a:spcAft>
+              <a:buNone/>
+            </a:pPr>
+            <a:endParaRPr dirty="0"/>
+          </a:p>
+        </p:txBody>
+      </p:sp>
+    </p:spTree>
+  </p:cSld>
+  <p:clrMapOvr>
+    <a:masterClrMapping/>
+  </p:clrMapOvr>
+</p:notes>
+</file>
+
+<file path=ppt/notesSlides/notesSlide3.xml><?xml version="1.0" encoding="utf-8"?>
 <p:notes xmlns:a="http://schemas.openxmlformats.org/drawingml/2006/main" xmlns:r="http://schemas.openxmlformats.org/officeDocument/2006/relationships" xmlns:p="http://schemas.openxmlformats.org/presentationml/2006/main" showMasterSp="0" showMasterPhAnim="0">
   <p:cSld>
     <p:spTree>
@@ -1603,7 +1846,7 @@
 </p:notes>
 </file>
 
-<file path=ppt/notesSlides/notesSlide3.xml><?xml version="1.0" encoding="utf-8"?>
+<file path=ppt/notesSlides/notesSlide4.xml><?xml version="1.0" encoding="utf-8"?>
 <p:notes xmlns:a="http://schemas.openxmlformats.org/drawingml/2006/main" xmlns:r="http://schemas.openxmlformats.org/officeDocument/2006/relationships" xmlns:p="http://schemas.openxmlformats.org/presentationml/2006/main" showMasterSp="0" showMasterPhAnim="0">
   <p:cSld>
     <p:spTree>
@@ -1707,7 +1950,7 @@
 </p:notes>
 </file>
 
-<file path=ppt/notesSlides/notesSlide4.xml><?xml version="1.0" encoding="utf-8"?>
+<file path=ppt/notesSlides/notesSlide5.xml><?xml version="1.0" encoding="utf-8"?>
 <p:notes xmlns:a="http://schemas.openxmlformats.org/drawingml/2006/main" xmlns:r="http://schemas.openxmlformats.org/officeDocument/2006/relationships" xmlns:p="http://schemas.openxmlformats.org/presentationml/2006/main" showMasterSp="0" showMasterPhAnim="0">
   <p:cSld>
     <p:spTree>
@@ -1834,7 +2077,7 @@
 </p:notes>
 </file>
 
-<file path=ppt/notesSlides/notesSlide5.xml><?xml version="1.0" encoding="utf-8"?>
+<file path=ppt/notesSlides/notesSlide6.xml><?xml version="1.0" encoding="utf-8"?>
 <p:notes xmlns:a="http://schemas.openxmlformats.org/drawingml/2006/main" xmlns:r="http://schemas.openxmlformats.org/officeDocument/2006/relationships" xmlns:p="http://schemas.openxmlformats.org/presentationml/2006/main" showMasterSp="0" showMasterPhAnim="0">
   <p:cSld>
     <p:spTree>
@@ -1961,7 +2204,7 @@
 </p:notes>
 </file>
 
-<file path=ppt/notesSlides/notesSlide6.xml><?xml version="1.0" encoding="utf-8"?>
+<file path=ppt/notesSlides/notesSlide7.xml><?xml version="1.0" encoding="utf-8"?>
 <p:notes xmlns:a="http://schemas.openxmlformats.org/drawingml/2006/main" xmlns:r="http://schemas.openxmlformats.org/officeDocument/2006/relationships" xmlns:p="http://schemas.openxmlformats.org/presentationml/2006/main" showMasterSp="0" showMasterPhAnim="0">
   <p:cSld>
     <p:spTree>
@@ -2088,7 +2331,7 @@
 </p:notes>
 </file>
 
-<file path=ppt/notesSlides/notesSlide7.xml><?xml version="1.0" encoding="utf-8"?>
+<file path=ppt/notesSlides/notesSlide8.xml><?xml version="1.0" encoding="utf-8"?>
 <p:notes xmlns:a="http://schemas.openxmlformats.org/drawingml/2006/main" xmlns:r="http://schemas.openxmlformats.org/officeDocument/2006/relationships" xmlns:p="http://schemas.openxmlformats.org/presentationml/2006/main" showMasterSp="0" showMasterPhAnim="0">
   <p:cSld>
     <p:spTree>
@@ -2215,7 +2458,7 @@
 </p:notes>
 </file>
 
-<file path=ppt/notesSlides/notesSlide8.xml><?xml version="1.0" encoding="utf-8"?>
+<file path=ppt/notesSlides/notesSlide9.xml><?xml version="1.0" encoding="utf-8"?>
 <p:notes xmlns:a="http://schemas.openxmlformats.org/drawingml/2006/main" xmlns:r="http://schemas.openxmlformats.org/officeDocument/2006/relationships" xmlns:p="http://schemas.openxmlformats.org/presentationml/2006/main" showMasterSp="0" showMasterPhAnim="0">
   <p:cSld>
     <p:spTree>
@@ -2335,128 +2578,6 @@
         <p14:creationId xmlns:p14="http://schemas.microsoft.com/office/powerpoint/2010/main" val="296299150"/>
       </p:ext>
     </p:extLst>
-  </p:cSld>
-  <p:clrMapOvr>
-    <a:masterClrMapping/>
-  </p:clrMapOvr>
-</p:notes>
-</file>
-
-<file path=ppt/notesSlides/notesSlide9.xml><?xml version="1.0" encoding="utf-8"?>
-<p:notes xmlns:a="http://schemas.openxmlformats.org/drawingml/2006/main" xmlns:r="http://schemas.openxmlformats.org/officeDocument/2006/relationships" xmlns:p="http://schemas.openxmlformats.org/presentationml/2006/main" showMasterSp="0" showMasterPhAnim="0">
-  <p:cSld>
-    <p:spTree>
-      <p:nvGrpSpPr>
-        <p:cNvPr id="1" name="Shape 183"/>
-        <p:cNvGrpSpPr/>
-        <p:nvPr/>
-      </p:nvGrpSpPr>
-      <p:grpSpPr>
-        <a:xfrm>
-          <a:off x="0" y="0"/>
-          <a:ext cx="0" cy="0"/>
-          <a:chOff x="0" y="0"/>
-          <a:chExt cx="0" cy="0"/>
-        </a:xfrm>
-      </p:grpSpPr>
-      <p:sp>
-        <p:nvSpPr>
-          <p:cNvPr id="184" name="Google Shape;184;p9:notes"/>
-          <p:cNvSpPr>
-            <a:spLocks noGrp="1" noRot="1" noChangeAspect="1"/>
-          </p:cNvSpPr>
-          <p:nvPr>
-            <p:ph type="sldImg" idx="2"/>
-          </p:nvPr>
-        </p:nvSpPr>
-        <p:spPr>
-          <a:xfrm>
-            <a:off x="381000" y="685800"/>
-            <a:ext cx="6096000" cy="3429000"/>
-          </a:xfrm>
-          <a:custGeom>
-            <a:avLst/>
-            <a:gdLst/>
-            <a:ahLst/>
-            <a:cxnLst/>
-            <a:rect l="l" t="t" r="r" b="b"/>
-            <a:pathLst>
-              <a:path w="120000" h="120000" extrusionOk="0">
-                <a:moveTo>
-                  <a:pt x="0" y="0"/>
-                </a:moveTo>
-                <a:lnTo>
-                  <a:pt x="120000" y="0"/>
-                </a:lnTo>
-                <a:lnTo>
-                  <a:pt x="120000" y="120000"/>
-                </a:lnTo>
-                <a:lnTo>
-                  <a:pt x="0" y="120000"/>
-                </a:lnTo>
-                <a:close/>
-              </a:path>
-            </a:pathLst>
-          </a:custGeom>
-          <a:noFill/>
-          <a:ln w="9525" cap="flat" cmpd="sng">
-            <a:solidFill>
-              <a:srgbClr val="000000"/>
-            </a:solidFill>
-            <a:prstDash val="solid"/>
-            <a:round/>
-            <a:headEnd type="none" w="sm" len="sm"/>
-            <a:tailEnd type="none" w="sm" len="sm"/>
-          </a:ln>
-        </p:spPr>
-      </p:sp>
-      <p:sp>
-        <p:nvSpPr>
-          <p:cNvPr id="185" name="Google Shape;185;p9:notes"/>
-          <p:cNvSpPr txBox="1">
-            <a:spLocks noGrp="1"/>
-          </p:cNvSpPr>
-          <p:nvPr>
-            <p:ph type="body" idx="1"/>
-          </p:nvPr>
-        </p:nvSpPr>
-        <p:spPr>
-          <a:xfrm>
-            <a:off x="685800" y="4343400"/>
-            <a:ext cx="5486400" cy="4114800"/>
-          </a:xfrm>
-          <a:prstGeom prst="rect">
-            <a:avLst/>
-          </a:prstGeom>
-          <a:noFill/>
-          <a:ln>
-            <a:noFill/>
-          </a:ln>
-        </p:spPr>
-        <p:txBody>
-          <a:bodyPr spcFirstLastPara="1" wrap="square" lIns="91425" tIns="91425" rIns="91425" bIns="91425" anchor="t" anchorCtr="0">
-            <a:noAutofit/>
-          </a:bodyPr>
-          <a:lstStyle/>
-          <a:p>
-            <a:pPr marL="0" lvl="0" indent="0" algn="l" rtl="0">
-              <a:lnSpc>
-                <a:spcPct val="100000"/>
-              </a:lnSpc>
-              <a:spcBef>
-                <a:spcPts val="0"/>
-              </a:spcBef>
-              <a:spcAft>
-                <a:spcPts val="0"/>
-              </a:spcAft>
-              <a:buSzPts val="1100"/>
-              <a:buNone/>
-            </a:pPr>
-            <a:endParaRPr/>
-          </a:p>
-        </p:txBody>
-      </p:sp>
-    </p:spTree>
   </p:cSld>
   <p:clrMapOvr>
     <a:masterClrMapping/>
@@ -15593,7 +15714,759 @@
 </p:sld>
 </file>
 
+<file path=ppt/slides/slide10.xml><?xml version="1.0" encoding="utf-8"?>
+<p:sld xmlns:a="http://schemas.openxmlformats.org/drawingml/2006/main" xmlns:r="http://schemas.openxmlformats.org/officeDocument/2006/relationships" xmlns:p="http://schemas.openxmlformats.org/presentationml/2006/main">
+  <p:cSld>
+    <p:bg>
+      <p:bgPr>
+        <a:solidFill>
+          <a:srgbClr val="00DBD0"/>
+        </a:solidFill>
+        <a:effectLst/>
+      </p:bgPr>
+    </p:bg>
+    <p:spTree>
+      <p:nvGrpSpPr>
+        <p:cNvPr id="1" name="Shape 186"/>
+        <p:cNvGrpSpPr/>
+        <p:nvPr/>
+      </p:nvGrpSpPr>
+      <p:grpSpPr>
+        <a:xfrm>
+          <a:off x="0" y="0"/>
+          <a:ext cx="0" cy="0"/>
+          <a:chOff x="0" y="0"/>
+          <a:chExt cx="0" cy="0"/>
+        </a:xfrm>
+      </p:grpSpPr>
+      <p:sp>
+        <p:nvSpPr>
+          <p:cNvPr id="187" name="Google Shape;187;p9"/>
+          <p:cNvSpPr txBox="1">
+            <a:spLocks noGrp="1"/>
+          </p:cNvSpPr>
+          <p:nvPr>
+            <p:ph type="ctrTitle" idx="4294967295"/>
+          </p:nvPr>
+        </p:nvSpPr>
+        <p:spPr>
+          <a:xfrm>
+            <a:off x="1089725" y="1970775"/>
+            <a:ext cx="6393116" cy="698400"/>
+          </a:xfrm>
+          <a:prstGeom prst="rect">
+            <a:avLst/>
+          </a:prstGeom>
+          <a:noFill/>
+          <a:ln>
+            <a:noFill/>
+          </a:ln>
+        </p:spPr>
+        <p:txBody>
+          <a:bodyPr spcFirstLastPara="1" wrap="square" lIns="91425" tIns="91425" rIns="91425" bIns="91425" anchor="t" anchorCtr="0">
+            <a:noAutofit/>
+          </a:bodyPr>
+          <a:lstStyle/>
+          <a:p>
+            <a:pPr marL="0" marR="0" lvl="0" indent="0" algn="l" rtl="0">
+              <a:lnSpc>
+                <a:spcPct val="100000"/>
+              </a:lnSpc>
+              <a:spcBef>
+                <a:spcPts val="0"/>
+              </a:spcBef>
+              <a:spcAft>
+                <a:spcPts val="0"/>
+              </a:spcAft>
+              <a:buClr>
+                <a:schemeClr val="dk1"/>
+              </a:buClr>
+              <a:buSzPts val="2800"/>
+              <a:buFont typeface="Arial"/>
+              <a:buNone/>
+            </a:pPr>
+            <a:r>
+              <a:rPr lang="fr" sz="3600" dirty="0">
+                <a:solidFill>
+                  <a:srgbClr val="0E3449"/>
+                </a:solidFill>
+                <a:latin typeface="Inter SemiBold"/>
+                <a:ea typeface="Inter SemiBold"/>
+                <a:cs typeface="Inter SemiBold"/>
+                <a:sym typeface="Inter SemiBold"/>
+              </a:rPr>
+              <a:t>Merci pour votre attention</a:t>
+            </a:r>
+            <a:br>
+              <a:rPr lang="fr" sz="3600" dirty="0">
+                <a:solidFill>
+                  <a:srgbClr val="0E3449"/>
+                </a:solidFill>
+                <a:latin typeface="Inter SemiBold"/>
+                <a:ea typeface="Inter SemiBold"/>
+                <a:cs typeface="Inter SemiBold"/>
+                <a:sym typeface="Inter SemiBold"/>
+              </a:rPr>
+            </a:br>
+            <a:r>
+              <a:rPr lang="fr" sz="3600" dirty="0">
+                <a:solidFill>
+                  <a:srgbClr val="0E3449"/>
+                </a:solidFill>
+                <a:latin typeface="Inter SemiBold"/>
+                <a:ea typeface="Inter SemiBold"/>
+                <a:cs typeface="Inter SemiBold"/>
+                <a:sym typeface="Inter SemiBold"/>
+              </a:rPr>
+              <a:t>Des</a:t>
+            </a:r>
+            <a:r>
+              <a:rPr lang="fr" sz="3600" b="0" i="0" u="none" strike="noStrike" cap="none" dirty="0">
+                <a:solidFill>
+                  <a:srgbClr val="0E3449"/>
+                </a:solidFill>
+                <a:latin typeface="Inter SemiBold"/>
+                <a:ea typeface="Inter SemiBold"/>
+                <a:cs typeface="Inter SemiBold"/>
+                <a:sym typeface="Inter SemiBold"/>
+              </a:rPr>
+              <a:t> questions ?</a:t>
+            </a:r>
+            <a:endParaRPr sz="3600" b="0" i="0" u="none" strike="noStrike" cap="none" dirty="0">
+              <a:solidFill>
+                <a:srgbClr val="0E3449"/>
+              </a:solidFill>
+              <a:latin typeface="Inter SemiBold"/>
+              <a:ea typeface="Inter SemiBold"/>
+              <a:cs typeface="Inter SemiBold"/>
+              <a:sym typeface="Inter SemiBold"/>
+            </a:endParaRPr>
+          </a:p>
+        </p:txBody>
+      </p:sp>
+      <p:pic>
+        <p:nvPicPr>
+          <p:cNvPr id="188" name="Google Shape;188;p9"/>
+          <p:cNvPicPr preferRelativeResize="0"/>
+          <p:nvPr/>
+        </p:nvPicPr>
+        <p:blipFill rotWithShape="1">
+          <a:blip r:embed="rId3">
+            <a:alphaModFix/>
+          </a:blip>
+          <a:srcRect/>
+          <a:stretch/>
+        </p:blipFill>
+        <p:spPr>
+          <a:xfrm>
+            <a:off x="3918625" y="3006625"/>
+            <a:ext cx="4599299" cy="2136876"/>
+          </a:xfrm>
+          <a:prstGeom prst="rect">
+            <a:avLst/>
+          </a:prstGeom>
+          <a:noFill/>
+          <a:ln>
+            <a:noFill/>
+          </a:ln>
+        </p:spPr>
+      </p:pic>
+      <p:pic>
+        <p:nvPicPr>
+          <p:cNvPr id="189" name="Google Shape;189;p9"/>
+          <p:cNvPicPr preferRelativeResize="0"/>
+          <p:nvPr/>
+        </p:nvPicPr>
+        <p:blipFill rotWithShape="1">
+          <a:blip r:embed="rId4">
+            <a:alphaModFix/>
+          </a:blip>
+          <a:srcRect/>
+          <a:stretch/>
+        </p:blipFill>
+        <p:spPr>
+          <a:xfrm>
+            <a:off x="1232375" y="915775"/>
+            <a:ext cx="797425" cy="839825"/>
+          </a:xfrm>
+          <a:prstGeom prst="rect">
+            <a:avLst/>
+          </a:prstGeom>
+          <a:noFill/>
+          <a:ln>
+            <a:noFill/>
+          </a:ln>
+        </p:spPr>
+      </p:pic>
+    </p:spTree>
+  </p:cSld>
+  <p:clrMapOvr>
+    <a:masterClrMapping/>
+  </p:clrMapOvr>
+</p:sld>
+</file>
+
 <file path=ppt/slides/slide2.xml><?xml version="1.0" encoding="utf-8"?>
+<p:sld xmlns:a="http://schemas.openxmlformats.org/drawingml/2006/main" xmlns:r="http://schemas.openxmlformats.org/officeDocument/2006/relationships" xmlns:p="http://schemas.openxmlformats.org/presentationml/2006/main">
+  <p:cSld>
+    <p:spTree>
+      <p:nvGrpSpPr>
+        <p:cNvPr id="1" name="Shape 67"/>
+        <p:cNvGrpSpPr/>
+        <p:nvPr/>
+      </p:nvGrpSpPr>
+      <p:grpSpPr>
+        <a:xfrm>
+          <a:off x="0" y="0"/>
+          <a:ext cx="0" cy="0"/>
+          <a:chOff x="0" y="0"/>
+          <a:chExt cx="0" cy="0"/>
+        </a:xfrm>
+      </p:grpSpPr>
+      <p:sp>
+        <p:nvSpPr>
+          <p:cNvPr id="68" name="Google Shape;68;p15"/>
+          <p:cNvSpPr txBox="1">
+            <a:spLocks noGrp="1"/>
+          </p:cNvSpPr>
+          <p:nvPr>
+            <p:ph type="ctrTitle" idx="4294967295"/>
+          </p:nvPr>
+        </p:nvSpPr>
+        <p:spPr>
+          <a:xfrm>
+            <a:off x="1192664" y="403309"/>
+            <a:ext cx="7033070" cy="533100"/>
+          </a:xfrm>
+          <a:prstGeom prst="rect">
+            <a:avLst/>
+          </a:prstGeom>
+          <a:noFill/>
+          <a:ln>
+            <a:noFill/>
+          </a:ln>
+        </p:spPr>
+        <p:txBody>
+          <a:bodyPr spcFirstLastPara="1" wrap="square" lIns="91425" tIns="91425" rIns="91425" bIns="91425" anchor="t" anchorCtr="0">
+            <a:noAutofit/>
+          </a:bodyPr>
+          <a:lstStyle/>
+          <a:p>
+            <a:r>
+              <a:rPr lang="fr-FR" sz="2500" dirty="0">
+                <a:solidFill>
+                  <a:srgbClr val="0E3449"/>
+                </a:solidFill>
+                <a:latin typeface="Inter SemiBold"/>
+                <a:ea typeface="Inter SemiBold"/>
+                <a:sym typeface="Inter SemiBold"/>
+              </a:rPr>
+              <a:t>Contexte et enjeu</a:t>
+            </a:r>
+            <a:endParaRPr sz="2500" dirty="0">
+              <a:solidFill>
+                <a:srgbClr val="0E3449"/>
+              </a:solidFill>
+              <a:latin typeface="Inter SemiBold"/>
+              <a:ea typeface="Inter SemiBold"/>
+              <a:sym typeface="Inter SemiBold"/>
+            </a:endParaRPr>
+          </a:p>
+        </p:txBody>
+      </p:sp>
+      <p:pic>
+        <p:nvPicPr>
+          <p:cNvPr id="75" name="Google Shape;75;p15"/>
+          <p:cNvPicPr preferRelativeResize="0"/>
+          <p:nvPr/>
+        </p:nvPicPr>
+        <p:blipFill>
+          <a:blip r:embed="rId3">
+            <a:alphaModFix/>
+          </a:blip>
+          <a:stretch>
+            <a:fillRect/>
+          </a:stretch>
+        </p:blipFill>
+        <p:spPr>
+          <a:xfrm>
+            <a:off x="463375" y="482852"/>
+            <a:ext cx="576900" cy="385904"/>
+          </a:xfrm>
+          <a:prstGeom prst="rect">
+            <a:avLst/>
+          </a:prstGeom>
+          <a:noFill/>
+          <a:ln>
+            <a:noFill/>
+          </a:ln>
+        </p:spPr>
+      </p:pic>
+      <p:sp>
+        <p:nvSpPr>
+          <p:cNvPr id="76" name="Google Shape;76;p15"/>
+          <p:cNvSpPr/>
+          <p:nvPr/>
+        </p:nvSpPr>
+        <p:spPr>
+          <a:xfrm>
+            <a:off x="10225" y="4892025"/>
+            <a:ext cx="9144000" cy="251400"/>
+          </a:xfrm>
+          <a:prstGeom prst="rect">
+            <a:avLst/>
+          </a:prstGeom>
+          <a:solidFill>
+            <a:srgbClr val="C3FFFC"/>
+          </a:solidFill>
+          <a:ln>
+            <a:noFill/>
+          </a:ln>
+        </p:spPr>
+        <p:txBody>
+          <a:bodyPr spcFirstLastPara="1" wrap="square" lIns="91425" tIns="91425" rIns="91425" bIns="91425" anchor="ctr" anchorCtr="0">
+            <a:noAutofit/>
+          </a:bodyPr>
+          <a:lstStyle/>
+          <a:p>
+            <a:pPr marL="0" lvl="0" indent="0" algn="l" rtl="0">
+              <a:spcBef>
+                <a:spcPts val="0"/>
+              </a:spcBef>
+              <a:spcAft>
+                <a:spcPts val="0"/>
+              </a:spcAft>
+              <a:buNone/>
+            </a:pPr>
+            <a:endParaRPr dirty="0"/>
+          </a:p>
+        </p:txBody>
+      </p:sp>
+      <p:sp>
+        <p:nvSpPr>
+          <p:cNvPr id="2" name="Flèche : droite 1">
+            <a:extLst>
+              <a:ext uri="{FF2B5EF4-FFF2-40B4-BE49-F238E27FC236}">
+                <a16:creationId xmlns:a16="http://schemas.microsoft.com/office/drawing/2014/main" id="{86EAA274-6C17-67CB-A10D-51EEF8179EBB}"/>
+              </a:ext>
+            </a:extLst>
+          </p:cNvPr>
+          <p:cNvSpPr/>
+          <p:nvPr/>
+        </p:nvSpPr>
+        <p:spPr>
+          <a:xfrm>
+            <a:off x="617497" y="1132209"/>
+            <a:ext cx="541478" cy="531410"/>
+          </a:xfrm>
+          <a:prstGeom prst="rightArrow">
+            <a:avLst/>
+          </a:prstGeom>
+          <a:solidFill>
+            <a:srgbClr val="FFC000"/>
+          </a:solidFill>
+          <a:ln>
+            <a:noFill/>
+          </a:ln>
+        </p:spPr>
+        <p:style>
+          <a:lnRef idx="2">
+            <a:schemeClr val="accent1">
+              <a:shade val="15000"/>
+            </a:schemeClr>
+          </a:lnRef>
+          <a:fillRef idx="1">
+            <a:schemeClr val="accent1"/>
+          </a:fillRef>
+          <a:effectRef idx="0">
+            <a:schemeClr val="accent1"/>
+          </a:effectRef>
+          <a:fontRef idx="minor">
+            <a:schemeClr val="lt1"/>
+          </a:fontRef>
+        </p:style>
+        <p:txBody>
+          <a:bodyPr rtlCol="0" anchor="ctr"/>
+          <a:lstStyle/>
+          <a:p>
+            <a:pPr algn="ctr"/>
+            <a:endParaRPr lang="fr-FR" sz="1200"/>
+          </a:p>
+        </p:txBody>
+      </p:sp>
+      <p:sp>
+        <p:nvSpPr>
+          <p:cNvPr id="5" name="Google Shape;69;p3">
+            <a:extLst>
+              <a:ext uri="{FF2B5EF4-FFF2-40B4-BE49-F238E27FC236}">
+                <a16:creationId xmlns:a16="http://schemas.microsoft.com/office/drawing/2014/main" id="{C9E79F0C-F757-C223-90A8-073753256F1C}"/>
+              </a:ext>
+            </a:extLst>
+          </p:cNvPr>
+          <p:cNvSpPr/>
+          <p:nvPr/>
+        </p:nvSpPr>
+        <p:spPr>
+          <a:xfrm>
+            <a:off x="1260039" y="1164423"/>
+            <a:ext cx="7266464" cy="1281065"/>
+          </a:xfrm>
+          <a:prstGeom prst="rect">
+            <a:avLst/>
+          </a:prstGeom>
+          <a:solidFill>
+            <a:schemeClr val="accent3">
+              <a:lumMod val="20000"/>
+              <a:lumOff val="80000"/>
+            </a:schemeClr>
+          </a:solidFill>
+          <a:ln>
+            <a:noFill/>
+          </a:ln>
+        </p:spPr>
+        <p:txBody>
+          <a:bodyPr spcFirstLastPara="1" wrap="square" lIns="91425" tIns="45700" rIns="91425" bIns="45700" anchor="ctr" anchorCtr="0">
+            <a:noAutofit/>
+          </a:bodyPr>
+          <a:lstStyle/>
+          <a:p>
+            <a:pPr marL="0" marR="0" lvl="0" indent="0" algn="ctr" rtl="0">
+              <a:lnSpc>
+                <a:spcPct val="100000"/>
+              </a:lnSpc>
+              <a:spcBef>
+                <a:spcPts val="0"/>
+              </a:spcBef>
+              <a:spcAft>
+                <a:spcPts val="0"/>
+              </a:spcAft>
+              <a:buClr>
+                <a:srgbClr val="000000"/>
+              </a:buClr>
+              <a:buSzPts val="1400"/>
+              <a:buFont typeface="Arial"/>
+              <a:buNone/>
+            </a:pPr>
+            <a:endParaRPr sz="1400" b="0" i="0" u="none" strike="noStrike" cap="none">
+              <a:solidFill>
+                <a:schemeClr val="lt1"/>
+              </a:solidFill>
+              <a:latin typeface="Arial"/>
+              <a:ea typeface="Arial"/>
+              <a:cs typeface="Arial"/>
+              <a:sym typeface="Arial"/>
+            </a:endParaRPr>
+          </a:p>
+        </p:txBody>
+      </p:sp>
+      <p:sp>
+        <p:nvSpPr>
+          <p:cNvPr id="6" name="Google Shape;73;p3">
+            <a:extLst>
+              <a:ext uri="{FF2B5EF4-FFF2-40B4-BE49-F238E27FC236}">
+                <a16:creationId xmlns:a16="http://schemas.microsoft.com/office/drawing/2014/main" id="{243FF7A6-205C-44FD-4C04-67C8CD0DF557}"/>
+              </a:ext>
+            </a:extLst>
+          </p:cNvPr>
+          <p:cNvSpPr txBox="1">
+            <a:spLocks/>
+          </p:cNvSpPr>
+          <p:nvPr/>
+        </p:nvSpPr>
+        <p:spPr>
+          <a:xfrm>
+            <a:off x="1260039" y="1164423"/>
+            <a:ext cx="7266464" cy="300667"/>
+          </a:xfrm>
+          <a:prstGeom prst="rect">
+            <a:avLst/>
+          </a:prstGeom>
+          <a:noFill/>
+          <a:ln>
+            <a:noFill/>
+          </a:ln>
+        </p:spPr>
+        <p:txBody>
+          <a:bodyPr spcFirstLastPara="1" wrap="square" lIns="91425" tIns="91425" rIns="91425" bIns="91425" anchor="t" anchorCtr="0">
+            <a:noAutofit/>
+          </a:bodyPr>
+          <a:lstStyle>
+            <a:defPPr marR="0" lvl="0" algn="l" rtl="0">
+              <a:lnSpc>
+                <a:spcPct val="100000"/>
+              </a:lnSpc>
+              <a:spcBef>
+                <a:spcPts val="0"/>
+              </a:spcBef>
+              <a:spcAft>
+                <a:spcPts val="0"/>
+              </a:spcAft>
+            </a:defPPr>
+            <a:lvl1pPr marL="457200" marR="0" lvl="0" indent="-342900" algn="l" rtl="0">
+              <a:lnSpc>
+                <a:spcPct val="115000"/>
+              </a:lnSpc>
+              <a:spcBef>
+                <a:spcPts val="0"/>
+              </a:spcBef>
+              <a:spcAft>
+                <a:spcPts val="0"/>
+              </a:spcAft>
+              <a:buClr>
+                <a:schemeClr val="dk2"/>
+              </a:buClr>
+              <a:buSzPts val="1800"/>
+              <a:buFont typeface="Arial"/>
+              <a:buChar char="●"/>
+              <a:defRPr sz="1800" b="0" i="0" u="none" strike="noStrike" cap="none">
+                <a:solidFill>
+                  <a:schemeClr val="dk2"/>
+                </a:solidFill>
+                <a:latin typeface="Arial"/>
+                <a:ea typeface="Arial"/>
+                <a:cs typeface="Arial"/>
+                <a:sym typeface="Arial"/>
+              </a:defRPr>
+            </a:lvl1pPr>
+            <a:lvl2pPr marL="914400" marR="0" lvl="1" indent="-317500" algn="l" rtl="0">
+              <a:lnSpc>
+                <a:spcPct val="115000"/>
+              </a:lnSpc>
+              <a:spcBef>
+                <a:spcPts val="1600"/>
+              </a:spcBef>
+              <a:spcAft>
+                <a:spcPts val="0"/>
+              </a:spcAft>
+              <a:buClr>
+                <a:schemeClr val="dk2"/>
+              </a:buClr>
+              <a:buSzPts val="1400"/>
+              <a:buFont typeface="Arial"/>
+              <a:buChar char="○"/>
+              <a:defRPr sz="1400" b="0" i="0" u="none" strike="noStrike" cap="none">
+                <a:solidFill>
+                  <a:schemeClr val="dk2"/>
+                </a:solidFill>
+                <a:latin typeface="Arial"/>
+                <a:ea typeface="Arial"/>
+                <a:cs typeface="Arial"/>
+                <a:sym typeface="Arial"/>
+              </a:defRPr>
+            </a:lvl2pPr>
+            <a:lvl3pPr marL="1371600" marR="0" lvl="2" indent="-317500" algn="l" rtl="0">
+              <a:lnSpc>
+                <a:spcPct val="115000"/>
+              </a:lnSpc>
+              <a:spcBef>
+                <a:spcPts val="1600"/>
+              </a:spcBef>
+              <a:spcAft>
+                <a:spcPts val="0"/>
+              </a:spcAft>
+              <a:buClr>
+                <a:schemeClr val="dk2"/>
+              </a:buClr>
+              <a:buSzPts val="1400"/>
+              <a:buFont typeface="Arial"/>
+              <a:buChar char="■"/>
+              <a:defRPr sz="1400" b="0" i="0" u="none" strike="noStrike" cap="none">
+                <a:solidFill>
+                  <a:schemeClr val="dk2"/>
+                </a:solidFill>
+                <a:latin typeface="Arial"/>
+                <a:ea typeface="Arial"/>
+                <a:cs typeface="Arial"/>
+                <a:sym typeface="Arial"/>
+              </a:defRPr>
+            </a:lvl3pPr>
+            <a:lvl4pPr marL="1828800" marR="0" lvl="3" indent="-317500" algn="l" rtl="0">
+              <a:lnSpc>
+                <a:spcPct val="115000"/>
+              </a:lnSpc>
+              <a:spcBef>
+                <a:spcPts val="1600"/>
+              </a:spcBef>
+              <a:spcAft>
+                <a:spcPts val="0"/>
+              </a:spcAft>
+              <a:buClr>
+                <a:schemeClr val="dk2"/>
+              </a:buClr>
+              <a:buSzPts val="1400"/>
+              <a:buFont typeface="Arial"/>
+              <a:buChar char="●"/>
+              <a:defRPr sz="1400" b="0" i="0" u="none" strike="noStrike" cap="none">
+                <a:solidFill>
+                  <a:schemeClr val="dk2"/>
+                </a:solidFill>
+                <a:latin typeface="Arial"/>
+                <a:ea typeface="Arial"/>
+                <a:cs typeface="Arial"/>
+                <a:sym typeface="Arial"/>
+              </a:defRPr>
+            </a:lvl4pPr>
+            <a:lvl5pPr marL="2286000" marR="0" lvl="4" indent="-317500" algn="l" rtl="0">
+              <a:lnSpc>
+                <a:spcPct val="115000"/>
+              </a:lnSpc>
+              <a:spcBef>
+                <a:spcPts val="1600"/>
+              </a:spcBef>
+              <a:spcAft>
+                <a:spcPts val="0"/>
+              </a:spcAft>
+              <a:buClr>
+                <a:schemeClr val="dk2"/>
+              </a:buClr>
+              <a:buSzPts val="1400"/>
+              <a:buFont typeface="Arial"/>
+              <a:buChar char="○"/>
+              <a:defRPr sz="1400" b="0" i="0" u="none" strike="noStrike" cap="none">
+                <a:solidFill>
+                  <a:schemeClr val="dk2"/>
+                </a:solidFill>
+                <a:latin typeface="Arial"/>
+                <a:ea typeface="Arial"/>
+                <a:cs typeface="Arial"/>
+                <a:sym typeface="Arial"/>
+              </a:defRPr>
+            </a:lvl5pPr>
+            <a:lvl6pPr marL="2743200" marR="0" lvl="5" indent="-317500" algn="l" rtl="0">
+              <a:lnSpc>
+                <a:spcPct val="115000"/>
+              </a:lnSpc>
+              <a:spcBef>
+                <a:spcPts val="1600"/>
+              </a:spcBef>
+              <a:spcAft>
+                <a:spcPts val="0"/>
+              </a:spcAft>
+              <a:buClr>
+                <a:schemeClr val="dk2"/>
+              </a:buClr>
+              <a:buSzPts val="1400"/>
+              <a:buFont typeface="Arial"/>
+              <a:buChar char="■"/>
+              <a:defRPr sz="1400" b="0" i="0" u="none" strike="noStrike" cap="none">
+                <a:solidFill>
+                  <a:schemeClr val="dk2"/>
+                </a:solidFill>
+                <a:latin typeface="Arial"/>
+                <a:ea typeface="Arial"/>
+                <a:cs typeface="Arial"/>
+                <a:sym typeface="Arial"/>
+              </a:defRPr>
+            </a:lvl6pPr>
+            <a:lvl7pPr marL="3200400" marR="0" lvl="6" indent="-317500" algn="l" rtl="0">
+              <a:lnSpc>
+                <a:spcPct val="115000"/>
+              </a:lnSpc>
+              <a:spcBef>
+                <a:spcPts val="1600"/>
+              </a:spcBef>
+              <a:spcAft>
+                <a:spcPts val="0"/>
+              </a:spcAft>
+              <a:buClr>
+                <a:schemeClr val="dk2"/>
+              </a:buClr>
+              <a:buSzPts val="1400"/>
+              <a:buFont typeface="Arial"/>
+              <a:buChar char="●"/>
+              <a:defRPr sz="1400" b="0" i="0" u="none" strike="noStrike" cap="none">
+                <a:solidFill>
+                  <a:schemeClr val="dk2"/>
+                </a:solidFill>
+                <a:latin typeface="Arial"/>
+                <a:ea typeface="Arial"/>
+                <a:cs typeface="Arial"/>
+                <a:sym typeface="Arial"/>
+              </a:defRPr>
+            </a:lvl7pPr>
+            <a:lvl8pPr marL="3657600" marR="0" lvl="7" indent="-317500" algn="l" rtl="0">
+              <a:lnSpc>
+                <a:spcPct val="115000"/>
+              </a:lnSpc>
+              <a:spcBef>
+                <a:spcPts val="1600"/>
+              </a:spcBef>
+              <a:spcAft>
+                <a:spcPts val="0"/>
+              </a:spcAft>
+              <a:buClr>
+                <a:schemeClr val="dk2"/>
+              </a:buClr>
+              <a:buSzPts val="1400"/>
+              <a:buFont typeface="Arial"/>
+              <a:buChar char="○"/>
+              <a:defRPr sz="1400" b="0" i="0" u="none" strike="noStrike" cap="none">
+                <a:solidFill>
+                  <a:schemeClr val="dk2"/>
+                </a:solidFill>
+                <a:latin typeface="Arial"/>
+                <a:ea typeface="Arial"/>
+                <a:cs typeface="Arial"/>
+                <a:sym typeface="Arial"/>
+              </a:defRPr>
+            </a:lvl8pPr>
+            <a:lvl9pPr marL="4114800" marR="0" lvl="8" indent="-317500" algn="l" rtl="0">
+              <a:lnSpc>
+                <a:spcPct val="115000"/>
+              </a:lnSpc>
+              <a:spcBef>
+                <a:spcPts val="1600"/>
+              </a:spcBef>
+              <a:spcAft>
+                <a:spcPts val="1600"/>
+              </a:spcAft>
+              <a:buClr>
+                <a:schemeClr val="dk2"/>
+              </a:buClr>
+              <a:buSzPts val="1400"/>
+              <a:buFont typeface="Arial"/>
+              <a:buChar char="■"/>
+              <a:defRPr sz="1400" b="0" i="0" u="none" strike="noStrike" cap="none">
+                <a:solidFill>
+                  <a:schemeClr val="dk2"/>
+                </a:solidFill>
+                <a:latin typeface="Arial"/>
+                <a:ea typeface="Arial"/>
+                <a:cs typeface="Arial"/>
+                <a:sym typeface="Arial"/>
+              </a:defRPr>
+            </a:lvl9pPr>
+          </a:lstStyle>
+          <a:p>
+            <a:pPr marL="114300" indent="0">
+              <a:buSzPct val="100000"/>
+              <a:buNone/>
+            </a:pPr>
+            <a:r>
+              <a:rPr lang="fr-FR" sz="1400" b="1" dirty="0"/>
+              <a:t>Objectif : </a:t>
+            </a:r>
+          </a:p>
+          <a:p>
+            <a:pPr>
+              <a:buSzPct val="100000"/>
+            </a:pPr>
+            <a:r>
+              <a:rPr lang="fr-FR" sz="1400" dirty="0"/>
+              <a:t>Mettre en place un classificateur de SMS capable de détecter automatiquement les messages spam afin de réduire les arnaques, protéger les utilisateurs et améliorer l’expérience « messagerie ».</a:t>
+            </a:r>
+          </a:p>
+        </p:txBody>
+      </p:sp>
+    </p:spTree>
+  </p:cSld>
+  <p:clrMapOvr>
+    <a:masterClrMapping/>
+  </p:clrMapOvr>
+</p:sld>
+</file>
+
+<file path=ppt/slides/slide3.xml><?xml version="1.0" encoding="utf-8"?>
 <p:sld xmlns:a="http://schemas.openxmlformats.org/drawingml/2006/main" xmlns:r="http://schemas.openxmlformats.org/officeDocument/2006/relationships" xmlns:p="http://schemas.openxmlformats.org/presentationml/2006/main">
   <p:cSld>
     <p:spTree>
@@ -18076,7 +18949,7 @@
 </p:sld>
 </file>
 
-<file path=ppt/slides/slide3.xml><?xml version="1.0" encoding="utf-8"?>
+<file path=ppt/slides/slide4.xml><?xml version="1.0" encoding="utf-8"?>
 <p:sld xmlns:a="http://schemas.openxmlformats.org/drawingml/2006/main" xmlns:r="http://schemas.openxmlformats.org/officeDocument/2006/relationships" xmlns:p="http://schemas.openxmlformats.org/presentationml/2006/main">
   <p:cSld>
     <p:spTree>
@@ -18701,7 +19574,7 @@
 </p:sld>
 </file>
 
-<file path=ppt/slides/slide4.xml><?xml version="1.0" encoding="utf-8"?>
+<file path=ppt/slides/slide5.xml><?xml version="1.0" encoding="utf-8"?>
 <p:sld xmlns:a="http://schemas.openxmlformats.org/drawingml/2006/main" xmlns:r="http://schemas.openxmlformats.org/officeDocument/2006/relationships" xmlns:p="http://schemas.openxmlformats.org/presentationml/2006/main">
   <p:cSld>
     <p:spTree>
@@ -19262,8 +20135,13 @@
             </a:pPr>
             <a:r>
               <a:rPr lang="fr-FR" sz="1000" dirty="0"/>
-              <a:t>Il existe une classification bien marquée entre Ham et Spam</a:t>
+              <a:t>Il existe une classification bien marquée entre Ham et Spam avec des champs lexicaux </a:t>
             </a:r>
+            <a:r>
+              <a:rPr lang="fr-FR" sz="1000"/>
+              <a:t>très identifiables</a:t>
+            </a:r>
+            <a:endParaRPr lang="fr-FR" sz="1000" dirty="0"/>
           </a:p>
         </p:txBody>
       </p:sp>
@@ -19350,7 +20228,7 @@
 </p:sld>
 </file>
 
-<file path=ppt/slides/slide5.xml><?xml version="1.0" encoding="utf-8"?>
+<file path=ppt/slides/slide6.xml><?xml version="1.0" encoding="utf-8"?>
 <p:sld xmlns:a="http://schemas.openxmlformats.org/drawingml/2006/main" xmlns:r="http://schemas.openxmlformats.org/officeDocument/2006/relationships" xmlns:p="http://schemas.openxmlformats.org/presentationml/2006/main">
   <p:cSld>
     <p:spTree>
@@ -20439,7 +21317,7 @@
 </p:sld>
 </file>
 
-<file path=ppt/slides/slide6.xml><?xml version="1.0" encoding="utf-8"?>
+<file path=ppt/slides/slide7.xml><?xml version="1.0" encoding="utf-8"?>
 <p:sld xmlns:a="http://schemas.openxmlformats.org/drawingml/2006/main" xmlns:r="http://schemas.openxmlformats.org/officeDocument/2006/relationships" xmlns:p="http://schemas.openxmlformats.org/presentationml/2006/main">
   <p:cSld>
     <p:spTree>
@@ -21042,7 +21920,7 @@
 </p:sld>
 </file>
 
-<file path=ppt/slides/slide7.xml><?xml version="1.0" encoding="utf-8"?>
+<file path=ppt/slides/slide8.xml><?xml version="1.0" encoding="utf-8"?>
 <p:sld xmlns:a="http://schemas.openxmlformats.org/drawingml/2006/main" xmlns:r="http://schemas.openxmlformats.org/officeDocument/2006/relationships" xmlns:p="http://schemas.openxmlformats.org/presentationml/2006/main">
   <p:cSld>
     <p:bg>
@@ -21696,7 +22574,7 @@
 </p:sld>
 </file>
 
-<file path=ppt/slides/slide8.xml><?xml version="1.0" encoding="utf-8"?>
+<file path=ppt/slides/slide9.xml><?xml version="1.0" encoding="utf-8"?>
 <p:sld xmlns:a="http://schemas.openxmlformats.org/drawingml/2006/main" xmlns:r="http://schemas.openxmlformats.org/officeDocument/2006/relationships" xmlns:p="http://schemas.openxmlformats.org/presentationml/2006/main">
   <p:cSld>
     <p:spTree>
@@ -22304,198 +23182,6 @@
         <p14:creationId xmlns:p14="http://schemas.microsoft.com/office/powerpoint/2010/main" val="2338964080"/>
       </p:ext>
     </p:extLst>
-  </p:cSld>
-  <p:clrMapOvr>
-    <a:masterClrMapping/>
-  </p:clrMapOvr>
-</p:sld>
-</file>
-
-<file path=ppt/slides/slide9.xml><?xml version="1.0" encoding="utf-8"?>
-<p:sld xmlns:a="http://schemas.openxmlformats.org/drawingml/2006/main" xmlns:r="http://schemas.openxmlformats.org/officeDocument/2006/relationships" xmlns:p="http://schemas.openxmlformats.org/presentationml/2006/main">
-  <p:cSld>
-    <p:bg>
-      <p:bgPr>
-        <a:solidFill>
-          <a:srgbClr val="00DBD0"/>
-        </a:solidFill>
-        <a:effectLst/>
-      </p:bgPr>
-    </p:bg>
-    <p:spTree>
-      <p:nvGrpSpPr>
-        <p:cNvPr id="1" name="Shape 186"/>
-        <p:cNvGrpSpPr/>
-        <p:nvPr/>
-      </p:nvGrpSpPr>
-      <p:grpSpPr>
-        <a:xfrm>
-          <a:off x="0" y="0"/>
-          <a:ext cx="0" cy="0"/>
-          <a:chOff x="0" y="0"/>
-          <a:chExt cx="0" cy="0"/>
-        </a:xfrm>
-      </p:grpSpPr>
-      <p:sp>
-        <p:nvSpPr>
-          <p:cNvPr id="187" name="Google Shape;187;p9"/>
-          <p:cNvSpPr txBox="1">
-            <a:spLocks noGrp="1"/>
-          </p:cNvSpPr>
-          <p:nvPr>
-            <p:ph type="ctrTitle" idx="4294967295"/>
-          </p:nvPr>
-        </p:nvSpPr>
-        <p:spPr>
-          <a:xfrm>
-            <a:off x="1089725" y="1970775"/>
-            <a:ext cx="6393116" cy="698400"/>
-          </a:xfrm>
-          <a:prstGeom prst="rect">
-            <a:avLst/>
-          </a:prstGeom>
-          <a:noFill/>
-          <a:ln>
-            <a:noFill/>
-          </a:ln>
-        </p:spPr>
-        <p:txBody>
-          <a:bodyPr spcFirstLastPara="1" wrap="square" lIns="91425" tIns="91425" rIns="91425" bIns="91425" anchor="t" anchorCtr="0">
-            <a:noAutofit/>
-          </a:bodyPr>
-          <a:lstStyle/>
-          <a:p>
-            <a:pPr marL="0" marR="0" lvl="0" indent="0" algn="l" rtl="0">
-              <a:lnSpc>
-                <a:spcPct val="100000"/>
-              </a:lnSpc>
-              <a:spcBef>
-                <a:spcPts val="0"/>
-              </a:spcBef>
-              <a:spcAft>
-                <a:spcPts val="0"/>
-              </a:spcAft>
-              <a:buClr>
-                <a:schemeClr val="dk1"/>
-              </a:buClr>
-              <a:buSzPts val="2800"/>
-              <a:buFont typeface="Arial"/>
-              <a:buNone/>
-            </a:pPr>
-            <a:r>
-              <a:rPr lang="fr" sz="3600" dirty="0">
-                <a:solidFill>
-                  <a:srgbClr val="0E3449"/>
-                </a:solidFill>
-                <a:latin typeface="Inter SemiBold"/>
-                <a:ea typeface="Inter SemiBold"/>
-                <a:cs typeface="Inter SemiBold"/>
-                <a:sym typeface="Inter SemiBold"/>
-              </a:rPr>
-              <a:t>Merci pour votre attention</a:t>
-            </a:r>
-            <a:br>
-              <a:rPr lang="fr" sz="3600" dirty="0">
-                <a:solidFill>
-                  <a:srgbClr val="0E3449"/>
-                </a:solidFill>
-                <a:latin typeface="Inter SemiBold"/>
-                <a:ea typeface="Inter SemiBold"/>
-                <a:cs typeface="Inter SemiBold"/>
-                <a:sym typeface="Inter SemiBold"/>
-              </a:rPr>
-            </a:br>
-            <a:r>
-              <a:rPr lang="fr" sz="3600" dirty="0">
-                <a:solidFill>
-                  <a:srgbClr val="0E3449"/>
-                </a:solidFill>
-                <a:latin typeface="Inter SemiBold"/>
-                <a:ea typeface="Inter SemiBold"/>
-                <a:cs typeface="Inter SemiBold"/>
-                <a:sym typeface="Inter SemiBold"/>
-              </a:rPr>
-              <a:t>Des</a:t>
-            </a:r>
-            <a:r>
-              <a:rPr lang="fr" sz="3600" b="0" i="0" u="none" strike="noStrike" cap="none" dirty="0">
-                <a:solidFill>
-                  <a:srgbClr val="0E3449"/>
-                </a:solidFill>
-                <a:latin typeface="Inter SemiBold"/>
-                <a:ea typeface="Inter SemiBold"/>
-                <a:cs typeface="Inter SemiBold"/>
-                <a:sym typeface="Inter SemiBold"/>
-              </a:rPr>
-              <a:t> questions ?</a:t>
-            </a:r>
-            <a:endParaRPr sz="3600" b="0" i="0" u="none" strike="noStrike" cap="none" dirty="0">
-              <a:solidFill>
-                <a:srgbClr val="0E3449"/>
-              </a:solidFill>
-              <a:latin typeface="Inter SemiBold"/>
-              <a:ea typeface="Inter SemiBold"/>
-              <a:cs typeface="Inter SemiBold"/>
-              <a:sym typeface="Inter SemiBold"/>
-            </a:endParaRPr>
-          </a:p>
-        </p:txBody>
-      </p:sp>
-      <p:pic>
-        <p:nvPicPr>
-          <p:cNvPr id="188" name="Google Shape;188;p9"/>
-          <p:cNvPicPr preferRelativeResize="0"/>
-          <p:nvPr/>
-        </p:nvPicPr>
-        <p:blipFill rotWithShape="1">
-          <a:blip r:embed="rId3">
-            <a:alphaModFix/>
-          </a:blip>
-          <a:srcRect/>
-          <a:stretch/>
-        </p:blipFill>
-        <p:spPr>
-          <a:xfrm>
-            <a:off x="3918625" y="3006625"/>
-            <a:ext cx="4599299" cy="2136876"/>
-          </a:xfrm>
-          <a:prstGeom prst="rect">
-            <a:avLst/>
-          </a:prstGeom>
-          <a:noFill/>
-          <a:ln>
-            <a:noFill/>
-          </a:ln>
-        </p:spPr>
-      </p:pic>
-      <p:pic>
-        <p:nvPicPr>
-          <p:cNvPr id="189" name="Google Shape;189;p9"/>
-          <p:cNvPicPr preferRelativeResize="0"/>
-          <p:nvPr/>
-        </p:nvPicPr>
-        <p:blipFill rotWithShape="1">
-          <a:blip r:embed="rId4">
-            <a:alphaModFix/>
-          </a:blip>
-          <a:srcRect/>
-          <a:stretch/>
-        </p:blipFill>
-        <p:spPr>
-          <a:xfrm>
-            <a:off x="1232375" y="915775"/>
-            <a:ext cx="797425" cy="839825"/>
-          </a:xfrm>
-          <a:prstGeom prst="rect">
-            <a:avLst/>
-          </a:prstGeom>
-          <a:noFill/>
-          <a:ln>
-            <a:noFill/>
-          </a:ln>
-        </p:spPr>
-      </p:pic>
-    </p:spTree>
   </p:cSld>
   <p:clrMapOvr>
     <a:masterClrMapping/>

--- a/présentation/Bloc_04_Projet_ATnT.pptx
+++ b/présentation/Bloc_04_Projet_ATnT.pptx
@@ -278,7 +278,7 @@
 <file path=ppt/revisionInfo.xml><?xml version="1.0" encoding="utf-8"?>
 <p1510:revInfo xmlns:a="http://schemas.openxmlformats.org/drawingml/2006/main" xmlns:r="http://schemas.openxmlformats.org/officeDocument/2006/relationships" xmlns:p1510="http://schemas.microsoft.com/office/powerpoint/2015/10/main">
   <p1510:revLst>
-    <p1510:client id="{0BA7E554-25ED-48BF-A045-72BA8DE0142F}" v="160" dt="2026-02-11T17:09:28.400"/>
+    <p1510:client id="{0BA7E554-25ED-48BF-A045-72BA8DE0142F}" v="197" dt="2026-02-15T12:02:02.417"/>
   </p1510:revLst>
 </p1510:revInfo>
 </file>
@@ -288,7 +288,7 @@
   <pc:docChgLst>
     <pc:chgData name="Jean-Yves Vuillequez" userId="e7fac481abea6bd0" providerId="LiveId" clId="{79E365E8-22BC-4EC2-9606-9A9AC6CD1D22}"/>
     <pc:docChg chg="undo custSel addSld delSld modSld sldOrd addMainMaster delMainMaster">
-      <pc:chgData name="Jean-Yves Vuillequez" userId="e7fac481abea6bd0" providerId="LiveId" clId="{79E365E8-22BC-4EC2-9606-9A9AC6CD1D22}" dt="2026-02-11T17:16:04.918" v="1065" actId="20577"/>
+      <pc:chgData name="Jean-Yves Vuillequez" userId="e7fac481abea6bd0" providerId="LiveId" clId="{79E365E8-22BC-4EC2-9606-9A9AC6CD1D22}" dt="2026-02-15T12:02:16.834" v="1458" actId="20577"/>
       <pc:docMkLst>
         <pc:docMk/>
       </pc:docMkLst>
@@ -324,13 +324,13 @@
         </pc:spChg>
       </pc:sldChg>
       <pc:sldChg chg="addSp delSp modSp mod addAnim delAnim modNotesTx">
-        <pc:chgData name="Jean-Yves Vuillequez" userId="e7fac481abea6bd0" providerId="LiveId" clId="{79E365E8-22BC-4EC2-9606-9A9AC6CD1D22}" dt="2026-02-10T08:28:13.253" v="290" actId="113"/>
+        <pc:chgData name="Jean-Yves Vuillequez" userId="e7fac481abea6bd0" providerId="LiveId" clId="{79E365E8-22BC-4EC2-9606-9A9AC6CD1D22}" dt="2026-02-15T11:05:28.574" v="1223" actId="113"/>
         <pc:sldMkLst>
           <pc:docMk/>
           <pc:sldMk cId="0" sldId="258"/>
         </pc:sldMkLst>
         <pc:spChg chg="mod">
-          <ac:chgData name="Jean-Yves Vuillequez" userId="e7fac481abea6bd0" providerId="LiveId" clId="{79E365E8-22BC-4EC2-9606-9A9AC6CD1D22}" dt="2026-02-10T08:28:13.253" v="290" actId="113"/>
+          <ac:chgData name="Jean-Yves Vuillequez" userId="e7fac481abea6bd0" providerId="LiveId" clId="{79E365E8-22BC-4EC2-9606-9A9AC6CD1D22}" dt="2026-02-15T11:05:28.574" v="1223" actId="113"/>
           <ac:spMkLst>
             <pc:docMk/>
             <pc:sldMk cId="0" sldId="258"/>
@@ -345,22 +345,6 @@
             <ac:spMk id="68" creationId="{00000000-0000-0000-0000-000000000000}"/>
           </ac:spMkLst>
         </pc:spChg>
-        <pc:picChg chg="add del mod">
-          <ac:chgData name="Jean-Yves Vuillequez" userId="e7fac481abea6bd0" providerId="LiveId" clId="{79E365E8-22BC-4EC2-9606-9A9AC6CD1D22}" dt="2026-02-10T08:19:34.056" v="233" actId="478"/>
-          <ac:picMkLst>
-            <pc:docMk/>
-            <pc:sldMk cId="0" sldId="258"/>
-            <ac:picMk id="5" creationId="{18392754-0481-3150-F3DC-159C73BE1F7B}"/>
-          </ac:picMkLst>
-        </pc:picChg>
-        <pc:picChg chg="add del mod">
-          <ac:chgData name="Jean-Yves Vuillequez" userId="e7fac481abea6bd0" providerId="LiveId" clId="{79E365E8-22BC-4EC2-9606-9A9AC6CD1D22}" dt="2026-02-10T08:19:34.056" v="233" actId="478"/>
-          <ac:picMkLst>
-            <pc:docMk/>
-            <pc:sldMk cId="0" sldId="258"/>
-            <ac:picMk id="7" creationId="{2FB683F0-5709-922C-D15B-C2DCC542FD84}"/>
-          </ac:picMkLst>
-        </pc:picChg>
         <pc:picChg chg="add mod">
           <ac:chgData name="Jean-Yves Vuillequez" userId="e7fac481abea6bd0" providerId="LiveId" clId="{79E365E8-22BC-4EC2-9606-9A9AC6CD1D22}" dt="2026-02-10T08:21:33.959" v="248" actId="108"/>
           <ac:picMkLst>
@@ -386,7 +370,7 @@
         </pc:sldMkLst>
       </pc:sldChg>
       <pc:sldChg chg="modSp add del mod">
-        <pc:chgData name="Jean-Yves Vuillequez" userId="e7fac481abea6bd0" providerId="LiveId" clId="{79E365E8-22BC-4EC2-9606-9A9AC6CD1D22}" dt="2026-02-11T17:10:41.906" v="961" actId="14100"/>
+        <pc:chgData name="Jean-Yves Vuillequez" userId="e7fac481abea6bd0" providerId="LiveId" clId="{79E365E8-22BC-4EC2-9606-9A9AC6CD1D22}" dt="2026-02-15T11:22:38.208" v="1305" actId="20577"/>
         <pc:sldMkLst>
           <pc:docMk/>
           <pc:sldMk cId="0" sldId="272"/>
@@ -400,7 +384,7 @@
           </ac:spMkLst>
         </pc:spChg>
         <pc:spChg chg="mod">
-          <ac:chgData name="Jean-Yves Vuillequez" userId="e7fac481abea6bd0" providerId="LiveId" clId="{79E365E8-22BC-4EC2-9606-9A9AC6CD1D22}" dt="2026-02-11T17:10:34.721" v="960" actId="20577"/>
+          <ac:chgData name="Jean-Yves Vuillequez" userId="e7fac481abea6bd0" providerId="LiveId" clId="{79E365E8-22BC-4EC2-9606-9A9AC6CD1D22}" dt="2026-02-15T11:22:38.208" v="1305" actId="20577"/>
           <ac:spMkLst>
             <pc:docMk/>
             <pc:sldMk cId="0" sldId="272"/>
@@ -408,20 +392,12 @@
           </ac:spMkLst>
         </pc:spChg>
       </pc:sldChg>
-      <pc:sldChg chg="addSp modSp add">
-        <pc:chgData name="Jean-Yves Vuillequez" userId="e7fac481abea6bd0" providerId="LiveId" clId="{79E365E8-22BC-4EC2-9606-9A9AC6CD1D22}" dt="2026-02-10T08:02:57.934" v="206" actId="20577"/>
+      <pc:sldChg chg="addSp modSp add modNotesTx">
+        <pc:chgData name="Jean-Yves Vuillequez" userId="e7fac481abea6bd0" providerId="LiveId" clId="{79E365E8-22BC-4EC2-9606-9A9AC6CD1D22}" dt="2026-02-15T11:00:40.273" v="1220" actId="20577"/>
         <pc:sldMkLst>
           <pc:docMk/>
           <pc:sldMk cId="0" sldId="273"/>
         </pc:sldMkLst>
-        <pc:spChg chg="add">
-          <ac:chgData name="Jean-Yves Vuillequez" userId="e7fac481abea6bd0" providerId="LiveId" clId="{79E365E8-22BC-4EC2-9606-9A9AC6CD1D22}" dt="2026-02-10T07:55:40.901" v="176"/>
-          <ac:spMkLst>
-            <pc:docMk/>
-            <pc:sldMk cId="0" sldId="273"/>
-            <ac:spMk id="2" creationId="{D817F32B-7B2A-7C1E-8A20-FF89520E3702}"/>
-          </ac:spMkLst>
-        </pc:spChg>
         <pc:spChg chg="mod">
           <ac:chgData name="Jean-Yves Vuillequez" userId="e7fac481abea6bd0" providerId="LiveId" clId="{79E365E8-22BC-4EC2-9606-9A9AC6CD1D22}" dt="2026-02-10T07:55:14.969" v="174"/>
           <ac:spMkLst>
@@ -444,14 +420,6 @@
             <pc:docMk/>
             <pc:sldMk cId="0" sldId="273"/>
             <ac:spMk id="7" creationId="{36B0EDF8-324A-AE11-8539-C4438745B23E}"/>
-          </ac:spMkLst>
-        </pc:spChg>
-        <pc:spChg chg="add">
-          <ac:chgData name="Jean-Yves Vuillequez" userId="e7fac481abea6bd0" providerId="LiveId" clId="{79E365E8-22BC-4EC2-9606-9A9AC6CD1D22}" dt="2026-02-10T08:02:47.091" v="203"/>
-          <ac:spMkLst>
-            <pc:docMk/>
-            <pc:sldMk cId="0" sldId="273"/>
-            <ac:spMk id="8" creationId="{E62B99F9-AAB7-673D-D19A-DDC178136432}"/>
           </ac:spMkLst>
         </pc:spChg>
         <pc:spChg chg="mod">
@@ -518,57 +486,34 @@
           </ac:spMkLst>
         </pc:spChg>
       </pc:sldChg>
-      <pc:sldChg chg="modSp add del mod">
-        <pc:chgData name="Jean-Yves Vuillequez" userId="e7fac481abea6bd0" providerId="LiveId" clId="{79E365E8-22BC-4EC2-9606-9A9AC6CD1D22}" dt="2026-02-10T08:58:45.847" v="619" actId="47"/>
-        <pc:sldMkLst>
-          <pc:docMk/>
-          <pc:sldMk cId="350096336" sldId="275"/>
-        </pc:sldMkLst>
-        <pc:spChg chg="mod">
-          <ac:chgData name="Jean-Yves Vuillequez" userId="e7fac481abea6bd0" providerId="LiveId" clId="{79E365E8-22BC-4EC2-9606-9A9AC6CD1D22}" dt="2026-02-10T08:57:48.839" v="618" actId="20577"/>
-          <ac:spMkLst>
-            <pc:docMk/>
-            <pc:sldMk cId="350096336" sldId="275"/>
-            <ac:spMk id="68" creationId="{DF28081E-4100-19B0-5D66-6E64344E5A7F}"/>
-          </ac:spMkLst>
-        </pc:spChg>
-      </pc:sldChg>
-      <pc:sldChg chg="addSp delSp modSp add mod">
-        <pc:chgData name="Jean-Yves Vuillequez" userId="e7fac481abea6bd0" providerId="LiveId" clId="{79E365E8-22BC-4EC2-9606-9A9AC6CD1D22}" dt="2026-02-11T09:27:15.144" v="948" actId="14734"/>
+      <pc:sldChg chg="addSp delSp modSp add mod modNotesTx">
+        <pc:chgData name="Jean-Yves Vuillequez" userId="e7fac481abea6bd0" providerId="LiveId" clId="{79E365E8-22BC-4EC2-9606-9A9AC6CD1D22}" dt="2026-02-15T11:59:34.367" v="1432" actId="207"/>
         <pc:sldMkLst>
           <pc:docMk/>
           <pc:sldMk cId="2166643445" sldId="276"/>
         </pc:sldMkLst>
+        <pc:spChg chg="add mod">
+          <ac:chgData name="Jean-Yves Vuillequez" userId="e7fac481abea6bd0" providerId="LiveId" clId="{79E365E8-22BC-4EC2-9606-9A9AC6CD1D22}" dt="2026-02-15T10:30:31.351" v="1078" actId="1076"/>
+          <ac:spMkLst>
+            <pc:docMk/>
+            <pc:sldMk cId="2166643445" sldId="276"/>
+            <ac:spMk id="2" creationId="{259E98B1-D687-B332-D81D-1624394662FE}"/>
+          </ac:spMkLst>
+        </pc:spChg>
+        <pc:spChg chg="add mod">
+          <ac:chgData name="Jean-Yves Vuillequez" userId="e7fac481abea6bd0" providerId="LiveId" clId="{79E365E8-22BC-4EC2-9606-9A9AC6CD1D22}" dt="2026-02-15T11:15:45.923" v="1274" actId="20577"/>
+          <ac:spMkLst>
+            <pc:docMk/>
+            <pc:sldMk cId="2166643445" sldId="276"/>
+            <ac:spMk id="4" creationId="{01FBBF87-6124-DC11-E02E-14B877A09313}"/>
+          </ac:spMkLst>
+        </pc:spChg>
         <pc:spChg chg="add mod">
           <ac:chgData name="Jean-Yves Vuillequez" userId="e7fac481abea6bd0" providerId="LiveId" clId="{79E365E8-22BC-4EC2-9606-9A9AC6CD1D22}" dt="2026-02-10T09:02:52.677" v="675" actId="1076"/>
           <ac:spMkLst>
             <pc:docMk/>
             <pc:sldMk cId="2166643445" sldId="276"/>
             <ac:spMk id="5" creationId="{71ED98FC-215C-1694-C93E-4C95CC9CDBAD}"/>
-          </ac:spMkLst>
-        </pc:spChg>
-        <pc:spChg chg="add mod">
-          <ac:chgData name="Jean-Yves Vuillequez" userId="e7fac481abea6bd0" providerId="LiveId" clId="{79E365E8-22BC-4EC2-9606-9A9AC6CD1D22}" dt="2026-02-10T08:59:02.770" v="623" actId="1076"/>
-          <ac:spMkLst>
-            <pc:docMk/>
-            <pc:sldMk cId="2166643445" sldId="276"/>
-            <ac:spMk id="6" creationId="{6749A21A-EA27-DDC2-CABD-AB80A529D7D2}"/>
-          </ac:spMkLst>
-        </pc:spChg>
-        <pc:spChg chg="add mod">
-          <ac:chgData name="Jean-Yves Vuillequez" userId="e7fac481abea6bd0" providerId="LiveId" clId="{79E365E8-22BC-4EC2-9606-9A9AC6CD1D22}" dt="2026-02-10T08:59:02.770" v="623" actId="1076"/>
-          <ac:spMkLst>
-            <pc:docMk/>
-            <pc:sldMk cId="2166643445" sldId="276"/>
-            <ac:spMk id="7" creationId="{64A29455-DBB6-BFE8-7F96-DABE98DFF624}"/>
-          </ac:spMkLst>
-        </pc:spChg>
-        <pc:spChg chg="del mod">
-          <ac:chgData name="Jean-Yves Vuillequez" userId="e7fac481abea6bd0" providerId="LiveId" clId="{79E365E8-22BC-4EC2-9606-9A9AC6CD1D22}" dt="2026-02-10T08:51:39.069" v="600" actId="478"/>
-          <ac:spMkLst>
-            <pc:docMk/>
-            <pc:sldMk cId="2166643445" sldId="276"/>
-            <ac:spMk id="11" creationId="{CCAFC56B-0391-D0D0-91A1-80E39855DACA}"/>
           </ac:spMkLst>
         </pc:spChg>
         <pc:spChg chg="mod">
@@ -579,16 +524,8 @@
             <ac:spMk id="68" creationId="{3E1FE9AF-F8BF-6D41-7238-1CD8C87E5960}"/>
           </ac:spMkLst>
         </pc:spChg>
-        <pc:graphicFrameChg chg="add del mod">
-          <ac:chgData name="Jean-Yves Vuillequez" userId="e7fac481abea6bd0" providerId="LiveId" clId="{79E365E8-22BC-4EC2-9606-9A9AC6CD1D22}" dt="2026-02-10T08:52:25.726" v="609" actId="478"/>
-          <ac:graphicFrameMkLst>
-            <pc:docMk/>
-            <pc:sldMk cId="2166643445" sldId="276"/>
-            <ac:graphicFrameMk id="2" creationId="{6714E29E-50CB-E8B9-4121-C08EB499732F}"/>
-          </ac:graphicFrameMkLst>
-        </pc:graphicFrameChg>
         <pc:graphicFrameChg chg="mod modGraphic">
-          <ac:chgData name="Jean-Yves Vuillequez" userId="e7fac481abea6bd0" providerId="LiveId" clId="{79E365E8-22BC-4EC2-9606-9A9AC6CD1D22}" dt="2026-02-11T09:27:15.144" v="948" actId="14734"/>
+          <ac:chgData name="Jean-Yves Vuillequez" userId="e7fac481abea6bd0" providerId="LiveId" clId="{79E365E8-22BC-4EC2-9606-9A9AC6CD1D22}" dt="2026-02-15T11:59:34.367" v="1432" actId="207"/>
           <ac:graphicFrameMkLst>
             <pc:docMk/>
             <pc:sldMk cId="2166643445" sldId="276"/>
@@ -597,7 +534,7 @@
         </pc:graphicFrameChg>
       </pc:sldChg>
       <pc:sldChg chg="addSp delSp modSp add mod setBg">
-        <pc:chgData name="Jean-Yves Vuillequez" userId="e7fac481abea6bd0" providerId="LiveId" clId="{79E365E8-22BC-4EC2-9606-9A9AC6CD1D22}" dt="2026-02-10T09:25:44.688" v="935" actId="1076"/>
+        <pc:chgData name="Jean-Yves Vuillequez" userId="e7fac481abea6bd0" providerId="LiveId" clId="{79E365E8-22BC-4EC2-9606-9A9AC6CD1D22}" dt="2026-02-15T11:52:16.219" v="1417" actId="1076"/>
         <pc:sldMkLst>
           <pc:docMk/>
           <pc:sldMk cId="2079084738" sldId="277"/>
@@ -618,14 +555,6 @@
             <ac:spMk id="4" creationId="{3678729D-2AEB-2E03-B530-1B9AACA68733}"/>
           </ac:spMkLst>
         </pc:spChg>
-        <pc:spChg chg="del">
-          <ac:chgData name="Jean-Yves Vuillequez" userId="e7fac481abea6bd0" providerId="LiveId" clId="{79E365E8-22BC-4EC2-9606-9A9AC6CD1D22}" dt="2026-02-10T09:02:15.091" v="665" actId="478"/>
-          <ac:spMkLst>
-            <pc:docMk/>
-            <pc:sldMk cId="2079084738" sldId="277"/>
-            <ac:spMk id="5" creationId="{09461F8F-DEDD-219C-D00E-6DA4075F9644}"/>
-          </ac:spMkLst>
-        </pc:spChg>
         <pc:spChg chg="mod">
           <ac:chgData name="Jean-Yves Vuillequez" userId="e7fac481abea6bd0" providerId="LiveId" clId="{79E365E8-22BC-4EC2-9606-9A9AC6CD1D22}" dt="2026-02-10T09:02:40.601" v="670" actId="20577"/>
           <ac:spMkLst>
@@ -634,78 +563,14 @@
             <ac:spMk id="68" creationId="{6A0D4F66-7521-A67E-AF1C-E52F1A7DDF29}"/>
           </ac:spMkLst>
         </pc:spChg>
-        <pc:graphicFrameChg chg="del">
-          <ac:chgData name="Jean-Yves Vuillequez" userId="e7fac481abea6bd0" providerId="LiveId" clId="{79E365E8-22BC-4EC2-9606-9A9AC6CD1D22}" dt="2026-02-10T09:02:15.091" v="665" actId="478"/>
+        <pc:graphicFrameChg chg="add mod">
+          <ac:chgData name="Jean-Yves Vuillequez" userId="e7fac481abea6bd0" providerId="LiveId" clId="{79E365E8-22BC-4EC2-9606-9A9AC6CD1D22}" dt="2026-02-15T11:52:04.423" v="1413" actId="1076"/>
           <ac:graphicFrameMkLst>
             <pc:docMk/>
             <pc:sldMk cId="2079084738" sldId="277"/>
-            <ac:graphicFrameMk id="3" creationId="{B4831952-49D1-13C4-CF66-48AF649B5E03}"/>
+            <ac:graphicFrameMk id="3" creationId="{41825DFE-1393-23AD-E74E-9758F8CD14CA}"/>
           </ac:graphicFrameMkLst>
         </pc:graphicFrameChg>
-        <pc:picChg chg="add del mod">
-          <ac:chgData name="Jean-Yves Vuillequez" userId="e7fac481abea6bd0" providerId="LiveId" clId="{79E365E8-22BC-4EC2-9606-9A9AC6CD1D22}" dt="2026-02-10T09:13:36.884" v="784" actId="478"/>
-          <ac:picMkLst>
-            <pc:docMk/>
-            <pc:sldMk cId="2079084738" sldId="277"/>
-            <ac:picMk id="7" creationId="{A9F45348-3B9D-BBD5-4A2A-A91F4A4A4B94}"/>
-          </ac:picMkLst>
-        </pc:picChg>
-        <pc:picChg chg="add del mod">
-          <ac:chgData name="Jean-Yves Vuillequez" userId="e7fac481abea6bd0" providerId="LiveId" clId="{79E365E8-22BC-4EC2-9606-9A9AC6CD1D22}" dt="2026-02-10T09:05:51.838" v="711" actId="478"/>
-          <ac:picMkLst>
-            <pc:docMk/>
-            <pc:sldMk cId="2079084738" sldId="277"/>
-            <ac:picMk id="8" creationId="{04492826-B002-B6E5-0BAE-E751949BDBF5}"/>
-          </ac:picMkLst>
-        </pc:picChg>
-        <pc:picChg chg="add del mod">
-          <ac:chgData name="Jean-Yves Vuillequez" userId="e7fac481abea6bd0" providerId="LiveId" clId="{79E365E8-22BC-4EC2-9606-9A9AC6CD1D22}" dt="2026-02-10T09:05:51.838" v="711" actId="478"/>
-          <ac:picMkLst>
-            <pc:docMk/>
-            <pc:sldMk cId="2079084738" sldId="277"/>
-            <ac:picMk id="9" creationId="{65CE14B0-C445-D0C9-CEA8-2C5499551EAA}"/>
-          </ac:picMkLst>
-        </pc:picChg>
-        <pc:picChg chg="add del mod">
-          <ac:chgData name="Jean-Yves Vuillequez" userId="e7fac481abea6bd0" providerId="LiveId" clId="{79E365E8-22BC-4EC2-9606-9A9AC6CD1D22}" dt="2026-02-10T09:05:51.838" v="711" actId="478"/>
-          <ac:picMkLst>
-            <pc:docMk/>
-            <pc:sldMk cId="2079084738" sldId="277"/>
-            <ac:picMk id="10" creationId="{BB222684-3ACF-88BB-1647-0D0595C92DF9}"/>
-          </ac:picMkLst>
-        </pc:picChg>
-        <pc:picChg chg="add del mod">
-          <ac:chgData name="Jean-Yves Vuillequez" userId="e7fac481abea6bd0" providerId="LiveId" clId="{79E365E8-22BC-4EC2-9606-9A9AC6CD1D22}" dt="2026-02-10T09:07:36.152" v="723" actId="478"/>
-          <ac:picMkLst>
-            <pc:docMk/>
-            <pc:sldMk cId="2079084738" sldId="277"/>
-            <ac:picMk id="11" creationId="{FA790E90-0C46-7D60-CCB3-C5E4DAFD9928}"/>
-          </ac:picMkLst>
-        </pc:picChg>
-        <pc:picChg chg="add del mod">
-          <ac:chgData name="Jean-Yves Vuillequez" userId="e7fac481abea6bd0" providerId="LiveId" clId="{79E365E8-22BC-4EC2-9606-9A9AC6CD1D22}" dt="2026-02-10T09:07:52.703" v="729" actId="478"/>
-          <ac:picMkLst>
-            <pc:docMk/>
-            <pc:sldMk cId="2079084738" sldId="277"/>
-            <ac:picMk id="12" creationId="{4F3DC437-2B8B-F30A-E6E4-F52A0F1898C0}"/>
-          </ac:picMkLst>
-        </pc:picChg>
-        <pc:picChg chg="add del mod">
-          <ac:chgData name="Jean-Yves Vuillequez" userId="e7fac481abea6bd0" providerId="LiveId" clId="{79E365E8-22BC-4EC2-9606-9A9AC6CD1D22}" dt="2026-02-10T09:07:52.703" v="729" actId="478"/>
-          <ac:picMkLst>
-            <pc:docMk/>
-            <pc:sldMk cId="2079084738" sldId="277"/>
-            <ac:picMk id="13" creationId="{4F40663C-B308-04B3-5DDC-60F462364D00}"/>
-          </ac:picMkLst>
-        </pc:picChg>
-        <pc:picChg chg="add del mod">
-          <ac:chgData name="Jean-Yves Vuillequez" userId="e7fac481abea6bd0" providerId="LiveId" clId="{79E365E8-22BC-4EC2-9606-9A9AC6CD1D22}" dt="2026-02-10T09:07:28.321" v="717" actId="478"/>
-          <ac:picMkLst>
-            <pc:docMk/>
-            <pc:sldMk cId="2079084738" sldId="277"/>
-            <ac:picMk id="15" creationId="{FB1F532C-28E2-3A9F-2579-5CFEDC2E2989}"/>
-          </ac:picMkLst>
-        </pc:picChg>
         <pc:picChg chg="add mod">
           <ac:chgData name="Jean-Yves Vuillequez" userId="e7fac481abea6bd0" providerId="LiveId" clId="{79E365E8-22BC-4EC2-9606-9A9AC6CD1D22}" dt="2026-02-10T09:14:27.074" v="813" actId="1076"/>
           <ac:picMkLst>
@@ -715,24 +580,16 @@
           </ac:picMkLst>
         </pc:picChg>
         <pc:picChg chg="add mod">
-          <ac:chgData name="Jean-Yves Vuillequez" userId="e7fac481abea6bd0" providerId="LiveId" clId="{79E365E8-22BC-4EC2-9606-9A9AC6CD1D22}" dt="2026-02-10T09:14:27.074" v="813" actId="1076"/>
+          <ac:chgData name="Jean-Yves Vuillequez" userId="e7fac481abea6bd0" providerId="LiveId" clId="{79E365E8-22BC-4EC2-9606-9A9AC6CD1D22}" dt="2026-02-15T11:52:16.219" v="1417" actId="1076"/>
           <ac:picMkLst>
             <pc:docMk/>
             <pc:sldMk cId="2079084738" sldId="277"/>
             <ac:picMk id="19" creationId="{D02A2CC4-335B-EB07-1426-E4B10E952B68}"/>
           </ac:picMkLst>
         </pc:picChg>
-        <pc:picChg chg="add del mod">
-          <ac:chgData name="Jean-Yves Vuillequez" userId="e7fac481abea6bd0" providerId="LiveId" clId="{79E365E8-22BC-4EC2-9606-9A9AC6CD1D22}" dt="2026-02-10T09:14:12.647" v="808" actId="478"/>
-          <ac:picMkLst>
-            <pc:docMk/>
-            <pc:sldMk cId="2079084738" sldId="277"/>
-            <ac:picMk id="21" creationId="{B8D706B0-A0F5-19C8-5C90-7DF3B73CEBA1}"/>
-          </ac:picMkLst>
-        </pc:picChg>
       </pc:sldChg>
-      <pc:sldChg chg="delSp modSp add mod ord setBg">
-        <pc:chgData name="Jean-Yves Vuillequez" userId="e7fac481abea6bd0" providerId="LiveId" clId="{79E365E8-22BC-4EC2-9606-9A9AC6CD1D22}" dt="2026-02-10T09:25:48.054" v="936" actId="1076"/>
+      <pc:sldChg chg="addSp delSp modSp add mod ord setBg">
+        <pc:chgData name="Jean-Yves Vuillequez" userId="e7fac481abea6bd0" providerId="LiveId" clId="{79E365E8-22BC-4EC2-9606-9A9AC6CD1D22}" dt="2026-02-15T12:02:16.834" v="1458" actId="20577"/>
         <pc:sldMkLst>
           <pc:docMk/>
           <pc:sldMk cId="1922370420" sldId="278"/>
@@ -746,48 +603,48 @@
           </ac:spMkLst>
         </pc:spChg>
         <pc:spChg chg="mod">
-          <ac:chgData name="Jean-Yves Vuillequez" userId="e7fac481abea6bd0" providerId="LiveId" clId="{79E365E8-22BC-4EC2-9606-9A9AC6CD1D22}" dt="2026-02-10T09:25:48.054" v="936" actId="1076"/>
+          <ac:chgData name="Jean-Yves Vuillequez" userId="e7fac481abea6bd0" providerId="LiveId" clId="{79E365E8-22BC-4EC2-9606-9A9AC6CD1D22}" dt="2026-02-15T12:02:16.834" v="1458" actId="20577"/>
           <ac:spMkLst>
             <pc:docMk/>
             <pc:sldMk cId="1922370420" sldId="278"/>
             <ac:spMk id="4" creationId="{B6592448-08F6-0DF1-B512-FA5FD6D01E7E}"/>
           </ac:spMkLst>
         </pc:spChg>
-        <pc:picChg chg="mod">
-          <ac:chgData name="Jean-Yves Vuillequez" userId="e7fac481abea6bd0" providerId="LiveId" clId="{79E365E8-22BC-4EC2-9606-9A9AC6CD1D22}" dt="2026-02-10T09:13:29.892" v="781" actId="1076"/>
+        <pc:graphicFrameChg chg="add mod modGraphic">
+          <ac:chgData name="Jean-Yves Vuillequez" userId="e7fac481abea6bd0" providerId="LiveId" clId="{79E365E8-22BC-4EC2-9606-9A9AC6CD1D22}" dt="2026-02-15T11:51:38.250" v="1407" actId="1076"/>
+          <ac:graphicFrameMkLst>
+            <pc:docMk/>
+            <pc:sldMk cId="1922370420" sldId="278"/>
+            <ac:graphicFrameMk id="3" creationId="{F4E95566-8BFE-5A11-1F62-D43BF86E879E}"/>
+          </ac:graphicFrameMkLst>
+        </pc:graphicFrameChg>
+        <pc:picChg chg="add del mod">
+          <ac:chgData name="Jean-Yves Vuillequez" userId="e7fac481abea6bd0" providerId="LiveId" clId="{79E365E8-22BC-4EC2-9606-9A9AC6CD1D22}" dt="2026-02-15T11:58:44.396" v="1427" actId="21"/>
+          <ac:picMkLst>
+            <pc:docMk/>
+            <pc:sldMk cId="1922370420" sldId="278"/>
+            <ac:picMk id="6" creationId="{50E2FA7C-3F5F-A3EB-E52F-32E48B49D13C}"/>
+          </ac:picMkLst>
+        </pc:picChg>
+        <pc:picChg chg="del mod">
+          <ac:chgData name="Jean-Yves Vuillequez" userId="e7fac481abea6bd0" providerId="LiveId" clId="{79E365E8-22BC-4EC2-9606-9A9AC6CD1D22}" dt="2026-02-15T11:58:45.395" v="1428" actId="478"/>
           <ac:picMkLst>
             <pc:docMk/>
             <pc:sldMk cId="1922370420" sldId="278"/>
             <ac:picMk id="7" creationId="{5C5B1327-0FCD-ABCC-91B5-AACECD6F9B13}"/>
           </ac:picMkLst>
         </pc:picChg>
-        <pc:picChg chg="del">
-          <ac:chgData name="Jean-Yves Vuillequez" userId="e7fac481abea6bd0" providerId="LiveId" clId="{79E365E8-22BC-4EC2-9606-9A9AC6CD1D22}" dt="2026-02-10T09:13:18.713" v="771" actId="478"/>
+        <pc:picChg chg="add mod">
+          <ac:chgData name="Jean-Yves Vuillequez" userId="e7fac481abea6bd0" providerId="LiveId" clId="{79E365E8-22BC-4EC2-9606-9A9AC6CD1D22}" dt="2026-02-15T11:58:52.456" v="1430" actId="108"/>
           <ac:picMkLst>
             <pc:docMk/>
             <pc:sldMk cId="1922370420" sldId="278"/>
-            <ac:picMk id="17" creationId="{AF728836-AB8F-7963-54C5-9806699CF08A}"/>
-          </ac:picMkLst>
-        </pc:picChg>
-        <pc:picChg chg="del">
-          <ac:chgData name="Jean-Yves Vuillequez" userId="e7fac481abea6bd0" providerId="LiveId" clId="{79E365E8-22BC-4EC2-9606-9A9AC6CD1D22}" dt="2026-02-10T09:13:18.713" v="771" actId="478"/>
-          <ac:picMkLst>
-            <pc:docMk/>
-            <pc:sldMk cId="1922370420" sldId="278"/>
-            <ac:picMk id="19" creationId="{57DAB617-D616-9776-70A1-17CC13DFC667}"/>
-          </ac:picMkLst>
-        </pc:picChg>
-        <pc:picChg chg="del">
-          <ac:chgData name="Jean-Yves Vuillequez" userId="e7fac481abea6bd0" providerId="LiveId" clId="{79E365E8-22BC-4EC2-9606-9A9AC6CD1D22}" dt="2026-02-10T09:13:18.713" v="771" actId="478"/>
-          <ac:picMkLst>
-            <pc:docMk/>
-            <pc:sldMk cId="1922370420" sldId="278"/>
-            <ac:picMk id="21" creationId="{38C146A6-21DE-7B5E-6CEF-A9B22B88B92B}"/>
+            <ac:picMk id="8" creationId="{50E2FA7C-3F5F-A3EB-E52F-32E48B49D13C}"/>
           </ac:picMkLst>
         </pc:picChg>
       </pc:sldChg>
       <pc:sldChg chg="addSp delSp modSp add mod setBg">
-        <pc:chgData name="Jean-Yves Vuillequez" userId="e7fac481abea6bd0" providerId="LiveId" clId="{79E365E8-22BC-4EC2-9606-9A9AC6CD1D22}" dt="2026-02-10T09:31:10.312" v="946" actId="113"/>
+        <pc:chgData name="Jean-Yves Vuillequez" userId="e7fac481abea6bd0" providerId="LiveId" clId="{79E365E8-22BC-4EC2-9606-9A9AC6CD1D22}" dt="2026-02-15T11:52:21.599" v="1418"/>
         <pc:sldMkLst>
           <pc:docMk/>
           <pc:sldMk cId="2338964080" sldId="279"/>
@@ -808,44 +665,20 @@
             <ac:spMk id="4" creationId="{77A25A17-F834-199E-D55C-4057E6BFD333}"/>
           </ac:spMkLst>
         </pc:spChg>
-        <pc:picChg chg="add del mod">
-          <ac:chgData name="Jean-Yves Vuillequez" userId="e7fac481abea6bd0" providerId="LiveId" clId="{79E365E8-22BC-4EC2-9606-9A9AC6CD1D22}" dt="2026-02-10T09:15:15.788" v="822" actId="478"/>
-          <ac:picMkLst>
+        <pc:graphicFrameChg chg="add mod">
+          <ac:chgData name="Jean-Yves Vuillequez" userId="e7fac481abea6bd0" providerId="LiveId" clId="{79E365E8-22BC-4EC2-9606-9A9AC6CD1D22}" dt="2026-02-15T11:52:21.599" v="1418"/>
+          <ac:graphicFrameMkLst>
             <pc:docMk/>
             <pc:sldMk cId="2338964080" sldId="279"/>
-            <ac:picMk id="3" creationId="{D6396143-8071-D7E7-8BCD-084AE3E40039}"/>
-          </ac:picMkLst>
-        </pc:picChg>
+            <ac:graphicFrameMk id="3" creationId="{CCCC2AE3-0207-0866-5564-4C4B4629A0DD}"/>
+          </ac:graphicFrameMkLst>
+        </pc:graphicFrameChg>
         <pc:picChg chg="add mod">
           <ac:chgData name="Jean-Yves Vuillequez" userId="e7fac481abea6bd0" providerId="LiveId" clId="{79E365E8-22BC-4EC2-9606-9A9AC6CD1D22}" dt="2026-02-10T09:15:16.729" v="823"/>
           <ac:picMkLst>
             <pc:docMk/>
             <pc:sldMk cId="2338964080" sldId="279"/>
             <ac:picMk id="5" creationId="{B6ECCE46-EF01-AD2B-1834-3F6E2C385427}"/>
-          </ac:picMkLst>
-        </pc:picChg>
-        <pc:picChg chg="del">
-          <ac:chgData name="Jean-Yves Vuillequez" userId="e7fac481abea6bd0" providerId="LiveId" clId="{79E365E8-22BC-4EC2-9606-9A9AC6CD1D22}" dt="2026-02-10T09:14:53.912" v="814" actId="478"/>
-          <ac:picMkLst>
-            <pc:docMk/>
-            <pc:sldMk cId="2338964080" sldId="279"/>
-            <ac:picMk id="17" creationId="{C6EF285C-5B5A-6970-FB5F-01944092FE78}"/>
-          </ac:picMkLst>
-        </pc:picChg>
-        <pc:picChg chg="del">
-          <ac:chgData name="Jean-Yves Vuillequez" userId="e7fac481abea6bd0" providerId="LiveId" clId="{79E365E8-22BC-4EC2-9606-9A9AC6CD1D22}" dt="2026-02-10T09:14:53.912" v="814" actId="478"/>
-          <ac:picMkLst>
-            <pc:docMk/>
-            <pc:sldMk cId="2338964080" sldId="279"/>
-            <ac:picMk id="19" creationId="{B9F3476F-CEB5-B067-A0B4-9461FC03B7D7}"/>
-          </ac:picMkLst>
-        </pc:picChg>
-        <pc:picChg chg="del mod">
-          <ac:chgData name="Jean-Yves Vuillequez" userId="e7fac481abea6bd0" providerId="LiveId" clId="{79E365E8-22BC-4EC2-9606-9A9AC6CD1D22}" dt="2026-02-10T09:15:14.424" v="821" actId="21"/>
-          <ac:picMkLst>
-            <pc:docMk/>
-            <pc:sldMk cId="2338964080" sldId="279"/>
-            <ac:picMk id="21" creationId="{B6ECCE46-EF01-AD2B-1834-3F6E2C385427}"/>
           </ac:picMkLst>
         </pc:picChg>
       </pc:sldChg>
@@ -1832,7 +1665,104 @@
             </a:pPr>
             <a:r>
               <a:rPr lang="fr-FR" dirty="0"/>
-              <a:t>La méthodologie = logique progressive : transformer le texte en représentation sémantique, structurer le catalogue par clustering pour la recommandation, puis utiliser le topic modeling pour analyser les thèmes transverses.</a:t>
+              <a:t>Compréhension du </a:t>
+            </a:r>
+            <a:r>
+              <a:rPr lang="fr-FR" dirty="0" err="1"/>
+              <a:t>dataset</a:t>
+            </a:r>
+            <a:r>
+              <a:rPr lang="fr-FR" dirty="0"/>
+              <a:t> : analyse du déséquilibre, signal lexical et contraintes</a:t>
+            </a:r>
+          </a:p>
+          <a:p>
+            <a:pPr marL="0" lvl="0" indent="0" algn="l" rtl="0">
+              <a:lnSpc>
+                <a:spcPct val="115000"/>
+              </a:lnSpc>
+              <a:spcBef>
+                <a:spcPts val="0"/>
+              </a:spcBef>
+              <a:spcAft>
+                <a:spcPts val="0"/>
+              </a:spcAft>
+              <a:buSzPts val="1100"/>
+              <a:buNone/>
+            </a:pPr>
+            <a:r>
+              <a:rPr lang="fr-FR" dirty="0" err="1"/>
+              <a:t>Préprocessing</a:t>
+            </a:r>
+            <a:r>
+              <a:rPr lang="fr-FR" dirty="0"/>
+              <a:t> NLP : nettoyage, tokenisation, TF-IDF vs encodage séquentiel (</a:t>
+            </a:r>
+            <a:r>
+              <a:rPr lang="fr-FR" dirty="0" err="1"/>
+              <a:t>embeddings</a:t>
+            </a:r>
+            <a:r>
+              <a:rPr lang="fr-FR" dirty="0"/>
+              <a:t>)</a:t>
+            </a:r>
+          </a:p>
+          <a:p>
+            <a:pPr marL="0" lvl="0" indent="0" algn="l" rtl="0">
+              <a:lnSpc>
+                <a:spcPct val="115000"/>
+              </a:lnSpc>
+              <a:spcBef>
+                <a:spcPts val="0"/>
+              </a:spcBef>
+              <a:spcAft>
+                <a:spcPts val="0"/>
+              </a:spcAft>
+              <a:buSzPts val="1100"/>
+              <a:buNone/>
+            </a:pPr>
+            <a:r>
+              <a:rPr lang="fr-FR" dirty="0" err="1"/>
+              <a:t>Baselines</a:t>
+            </a:r>
+            <a:r>
+              <a:rPr lang="fr-FR" dirty="0"/>
+              <a:t> classiques : Naïf + TF-IDF/</a:t>
+            </a:r>
+            <a:r>
+              <a:rPr lang="fr-FR" dirty="0" err="1"/>
+              <a:t>LogReg</a:t>
+            </a:r>
+            <a:r>
+              <a:rPr lang="fr-FR" dirty="0"/>
+              <a:t> comme point de référence (F1, PR-AUC)</a:t>
+            </a:r>
+          </a:p>
+          <a:p>
+            <a:pPr marL="0" lvl="0" indent="0" algn="l" rtl="0">
+              <a:lnSpc>
+                <a:spcPct val="115000"/>
+              </a:lnSpc>
+              <a:spcBef>
+                <a:spcPts val="0"/>
+              </a:spcBef>
+              <a:spcAft>
+                <a:spcPts val="0"/>
+              </a:spcAft>
+              <a:buSzPts val="1100"/>
+              <a:buNone/>
+            </a:pPr>
+            <a:r>
+              <a:rPr lang="fr-FR" dirty="0"/>
+              <a:t>Montée en complexité : CNN/GRU (motifs &amp; séquence) → </a:t>
+            </a:r>
+            <a:r>
+              <a:rPr lang="fr-FR" dirty="0" err="1"/>
+              <a:t>DistilBERT</a:t>
+            </a:r>
+            <a:r>
+              <a:rPr lang="fr-FR" dirty="0"/>
+              <a:t> (contexte global)</a:t>
             </a:r>
             <a:endParaRPr dirty="0"/>
           </a:p>
@@ -2177,6 +2107,319 @@
             <a:noAutofit/>
           </a:bodyPr>
           <a:lstStyle/>
+          <a:p>
+            <a:pPr marL="158750" indent="0">
+              <a:buNone/>
+            </a:pPr>
+            <a:r>
+              <a:rPr lang="fr-FR" dirty="0"/>
+              <a:t>TF-IDF transforme un texte en </a:t>
+            </a:r>
+            <a:r>
+              <a:rPr lang="fr-FR" b="1" dirty="0"/>
+              <a:t>vecteur pondéré</a:t>
+            </a:r>
+            <a:r>
+              <a:rPr lang="fr-FR" dirty="0"/>
+              <a:t> en donnant plus d’importance aux mots :</a:t>
+            </a:r>
+          </a:p>
+          <a:p>
+            <a:pPr marL="457200" indent="-298450"/>
+            <a:r>
+              <a:rPr lang="fr-FR" dirty="0"/>
+              <a:t>fréquents </a:t>
+            </a:r>
+            <a:r>
+              <a:rPr lang="fr-FR" b="1" dirty="0"/>
+              <a:t>dans le document</a:t>
+            </a:r>
+            <a:endParaRPr lang="fr-FR" dirty="0"/>
+          </a:p>
+          <a:p>
+            <a:pPr marL="457200" indent="-298450"/>
+            <a:r>
+              <a:rPr lang="fr-FR" dirty="0"/>
+              <a:t>mais rares </a:t>
+            </a:r>
+            <a:r>
+              <a:rPr lang="fr-FR" b="1" dirty="0"/>
+              <a:t>dans l’ensemble du corpus</a:t>
+            </a:r>
+            <a:endParaRPr lang="fr-FR" dirty="0"/>
+          </a:p>
+          <a:p>
+            <a:pPr marL="158750" indent="0">
+              <a:buNone/>
+            </a:pPr>
+            <a:endParaRPr lang="fr-FR" dirty="0">
+              <a:sym typeface="Wingdings" panose="05000000000000000000" pitchFamily="2" charset="2"/>
+            </a:endParaRPr>
+          </a:p>
+          <a:p>
+            <a:pPr marL="158750" indent="0">
+              <a:buNone/>
+            </a:pPr>
+            <a:r>
+              <a:rPr lang="fr-FR" dirty="0">
+                <a:sym typeface="Wingdings" panose="05000000000000000000" pitchFamily="2" charset="2"/>
+              </a:rPr>
+              <a:t> </a:t>
+            </a:r>
+            <a:r>
+              <a:rPr lang="fr-FR" dirty="0"/>
+              <a:t>TF-IDF permet à </a:t>
+            </a:r>
+            <a:r>
+              <a:rPr lang="fr-FR" dirty="0" err="1"/>
+              <a:t>Logistic</a:t>
+            </a:r>
+            <a:r>
+              <a:rPr lang="fr-FR" dirty="0"/>
+              <a:t> </a:t>
+            </a:r>
+            <a:r>
+              <a:rPr lang="fr-FR" dirty="0" err="1"/>
+              <a:t>Regression</a:t>
+            </a:r>
+            <a:r>
+              <a:rPr lang="fr-FR" dirty="0"/>
+              <a:t> de dire : “Si le vecteur contient fortement ‘free’, la probabilité spam augmente.”</a:t>
+            </a:r>
+          </a:p>
+          <a:p>
+            <a:pPr marL="0" lvl="0" indent="0" algn="l" rtl="0">
+              <a:spcBef>
+                <a:spcPts val="0"/>
+              </a:spcBef>
+              <a:spcAft>
+                <a:spcPts val="0"/>
+              </a:spcAft>
+              <a:buNone/>
+            </a:pPr>
+            <a:endParaRPr lang="fr-FR" dirty="0"/>
+          </a:p>
+          <a:p>
+            <a:pPr marL="0" lvl="0" indent="0" algn="l" rtl="0">
+              <a:spcBef>
+                <a:spcPts val="0"/>
+              </a:spcBef>
+              <a:spcAft>
+                <a:spcPts val="0"/>
+              </a:spcAft>
+              <a:buNone/>
+            </a:pPr>
+            <a:r>
+              <a:rPr lang="fr-FR" dirty="0"/>
+              <a:t>CNN (</a:t>
+            </a:r>
+            <a:r>
+              <a:rPr lang="fr-FR" dirty="0" err="1"/>
+              <a:t>Convolutional</a:t>
+            </a:r>
+            <a:r>
+              <a:rPr lang="fr-FR" dirty="0"/>
+              <a:t> Neural Network) détecte des </a:t>
+            </a:r>
+            <a:r>
+              <a:rPr lang="fr-FR" b="1" dirty="0"/>
+              <a:t>motifs locaux</a:t>
+            </a:r>
+            <a:r>
+              <a:rPr lang="fr-FR" dirty="0"/>
+              <a:t> dans une séquence de mots : </a:t>
+            </a:r>
+          </a:p>
+          <a:p>
+            <a:r>
+              <a:rPr lang="fr-FR" dirty="0" err="1"/>
+              <a:t>Embedding</a:t>
+            </a:r>
+            <a:r>
+              <a:rPr lang="fr-FR" dirty="0"/>
+              <a:t> → transforme chaque mot en vecteur dense</a:t>
+            </a:r>
+          </a:p>
+          <a:p>
+            <a:r>
+              <a:rPr lang="fr-FR" dirty="0"/>
+              <a:t>Convolution → filtre glissant</a:t>
+            </a:r>
+          </a:p>
+          <a:p>
+            <a:r>
+              <a:rPr lang="fr-FR" dirty="0"/>
+              <a:t>Max </a:t>
+            </a:r>
+            <a:r>
+              <a:rPr lang="fr-FR" dirty="0" err="1"/>
+              <a:t>pooling</a:t>
+            </a:r>
+            <a:r>
+              <a:rPr lang="fr-FR" dirty="0"/>
+              <a:t> → garde le motif le plus fort</a:t>
+            </a:r>
+          </a:p>
+          <a:p>
+            <a:r>
+              <a:rPr lang="fr-FR" dirty="0"/>
+              <a:t>Couche linéaire → classification</a:t>
+            </a:r>
+          </a:p>
+          <a:p>
+            <a:pPr marL="0" lvl="0" indent="0" algn="l" rtl="0">
+              <a:spcBef>
+                <a:spcPts val="0"/>
+              </a:spcBef>
+              <a:spcAft>
+                <a:spcPts val="0"/>
+              </a:spcAft>
+              <a:buNone/>
+            </a:pPr>
+            <a:endParaRPr lang="fr-FR" dirty="0"/>
+          </a:p>
+          <a:p>
+            <a:pPr marL="0" lvl="0" indent="0" algn="l" rtl="0">
+              <a:spcBef>
+                <a:spcPts val="0"/>
+              </a:spcBef>
+              <a:spcAft>
+                <a:spcPts val="0"/>
+              </a:spcAft>
+              <a:buNone/>
+            </a:pPr>
+            <a:endParaRPr lang="fr-FR" dirty="0"/>
+          </a:p>
+          <a:p>
+            <a:pPr marL="0" lvl="0" indent="0" algn="l" rtl="0">
+              <a:spcBef>
+                <a:spcPts val="0"/>
+              </a:spcBef>
+              <a:spcAft>
+                <a:spcPts val="0"/>
+              </a:spcAft>
+              <a:buNone/>
+            </a:pPr>
+            <a:r>
+              <a:rPr lang="fr-FR" dirty="0"/>
+              <a:t>RNN (GRU) lit le texte </a:t>
+            </a:r>
+            <a:r>
+              <a:rPr lang="fr-FR" b="1" dirty="0"/>
+              <a:t>mot après mot</a:t>
+            </a:r>
+            <a:r>
+              <a:rPr lang="fr-FR" dirty="0"/>
+              <a:t>, en gardant une mémoire de ce qui précède (contexte sémantique)</a:t>
+            </a:r>
+          </a:p>
+          <a:p>
+            <a:pPr marL="0" lvl="0" indent="0" algn="l" rtl="0">
+              <a:spcBef>
+                <a:spcPts val="0"/>
+              </a:spcBef>
+              <a:spcAft>
+                <a:spcPts val="0"/>
+              </a:spcAft>
+              <a:buNone/>
+            </a:pPr>
+            <a:endParaRPr lang="fr-FR" dirty="0"/>
+          </a:p>
+          <a:p>
+            <a:pPr marL="158750" indent="0">
+              <a:buNone/>
+            </a:pPr>
+            <a:r>
+              <a:rPr lang="fr-FR" dirty="0" err="1"/>
+              <a:t>DistilBERT</a:t>
+            </a:r>
+            <a:r>
+              <a:rPr lang="fr-FR" dirty="0"/>
+              <a:t> adapté parce que :</a:t>
+            </a:r>
+          </a:p>
+          <a:p>
+            <a:pPr marL="457200" indent="-298450">
+              <a:buFont typeface="Arial" panose="020B0604020202020204" pitchFamily="34" charset="0"/>
+              <a:buChar char="•"/>
+            </a:pPr>
+            <a:r>
+              <a:rPr lang="fr-FR" dirty="0"/>
+              <a:t>Il comprend le </a:t>
+            </a:r>
+            <a:r>
+              <a:rPr lang="fr-FR" b="1" dirty="0"/>
+              <a:t>contexte complet de la phrase</a:t>
+            </a:r>
+            <a:endParaRPr lang="fr-FR" dirty="0"/>
+          </a:p>
+          <a:p>
+            <a:pPr marL="457200" indent="-298450">
+              <a:buFont typeface="Arial" panose="020B0604020202020204" pitchFamily="34" charset="0"/>
+              <a:buChar char="•"/>
+            </a:pPr>
+            <a:r>
+              <a:rPr lang="fr-FR" dirty="0"/>
+              <a:t>Il capte les </a:t>
+            </a:r>
+            <a:r>
+              <a:rPr lang="fr-FR" b="1" dirty="0"/>
+              <a:t>relations longues distances</a:t>
+            </a:r>
+            <a:endParaRPr lang="fr-FR" dirty="0"/>
+          </a:p>
+          <a:p>
+            <a:pPr marL="457200" indent="-298450">
+              <a:buFont typeface="Arial" panose="020B0604020202020204" pitchFamily="34" charset="0"/>
+              <a:buChar char="•"/>
+            </a:pPr>
+            <a:r>
+              <a:rPr lang="fr-FR" dirty="0"/>
+              <a:t>Il gère les subtilités (ex : “not free” vs “free”)</a:t>
+            </a:r>
+          </a:p>
+          <a:p>
+            <a:pPr marL="158750" indent="0">
+              <a:buNone/>
+            </a:pPr>
+            <a:endParaRPr lang="fr-FR" dirty="0"/>
+          </a:p>
+          <a:p>
+            <a:pPr marL="158750" indent="0">
+              <a:buNone/>
+            </a:pPr>
+            <a:r>
+              <a:rPr lang="fr-FR" dirty="0"/>
+              <a:t>Contrairement à :</a:t>
+            </a:r>
+          </a:p>
+          <a:p>
+            <a:pPr marL="158750" indent="0">
+              <a:buNone/>
+            </a:pPr>
+            <a:r>
+              <a:rPr lang="fr-FR" dirty="0"/>
+              <a:t>TF-IDF → pas de contexte</a:t>
+            </a:r>
+          </a:p>
+          <a:p>
+            <a:pPr marL="158750" indent="0">
+              <a:buNone/>
+            </a:pPr>
+            <a:r>
+              <a:rPr lang="fr-FR" dirty="0"/>
+              <a:t>CNN → motifs locaux</a:t>
+            </a:r>
+          </a:p>
+          <a:p>
+            <a:pPr marL="158750" indent="0">
+              <a:buNone/>
+            </a:pPr>
+            <a:r>
+              <a:rPr lang="fr-FR" dirty="0"/>
+              <a:t>RNN → séquentiel mais moins riche</a:t>
+            </a:r>
+          </a:p>
           <a:p>
             <a:pPr marL="0" lvl="0" indent="0" algn="l" rtl="0">
               <a:spcBef>
@@ -16453,7 +16696,15 @@
             </a:pPr>
             <a:r>
               <a:rPr lang="fr-FR" sz="1400" dirty="0"/>
-              <a:t>Mettre en place un classificateur de SMS capable de détecter automatiquement les messages spam afin de réduire les arnaques, protéger les utilisateurs et améliorer l’expérience « messagerie ».</a:t>
+              <a:t>Mettre en place un classificateur de SMS capable de détecter automatiquement les messages spam afin de réduire le risque </a:t>
+            </a:r>
+            <a:r>
+              <a:rPr lang="fr-FR" sz="1400" b="1" dirty="0"/>
+              <a:t>sans bloquer les messages légitimes</a:t>
+            </a:r>
+            <a:r>
+              <a:rPr lang="fr-FR" sz="1400" dirty="0"/>
+              <a:t>.</a:t>
             </a:r>
           </a:p>
         </p:txBody>
@@ -19491,7 +19742,15 @@
             </a:pPr>
             <a:r>
               <a:rPr lang="fr-FR" sz="1000" dirty="0"/>
-              <a:t>Le contenu textuel porte un signal sémantique discriminant exploitable par les modèles NLP</a:t>
+              <a:t>Le vocabulaire des spams est </a:t>
+            </a:r>
+            <a:r>
+              <a:rPr lang="fr-FR" sz="1000" b="1" dirty="0"/>
+              <a:t>différent</a:t>
+            </a:r>
+            <a:r>
+              <a:rPr lang="fr-FR" sz="1000" dirty="0"/>
+              <a:t> de celui des messages normaux, ce qui permet au modèle d’apprendre à les distinguer</a:t>
             </a:r>
           </a:p>
         </p:txBody>
@@ -20414,7 +20673,7 @@
           <p:nvPr>
             <p:extLst>
               <p:ext uri="{D42A27DB-BD31-4B8C-83A1-F6EECF244321}">
-                <p14:modId xmlns:p14="http://schemas.microsoft.com/office/powerpoint/2010/main" val="1302816234"/>
+                <p14:modId xmlns:p14="http://schemas.microsoft.com/office/powerpoint/2010/main" val="2241450264"/>
               </p:ext>
             </p:extLst>
           </p:nvPr>
@@ -20690,9 +20949,9 @@
                         <a:buNone/>
                       </a:pPr>
                       <a:r>
-                        <a:rPr lang="fr-FR" sz="1200" b="0" dirty="0">
+                        <a:rPr lang="fr-FR" sz="1200" b="1" dirty="0">
                           <a:solidFill>
-                            <a:schemeClr val="tx1"/>
+                            <a:srgbClr val="00B050"/>
                           </a:solidFill>
                         </a:rPr>
                         <a:t>0.958</a:t>
@@ -20710,9 +20969,9 @@
                         <a:buNone/>
                       </a:pPr>
                       <a:r>
-                        <a:rPr lang="fr-FR" sz="1200" b="0" dirty="0">
+                        <a:rPr lang="fr-FR" sz="1200" b="1" dirty="0">
                           <a:solidFill>
-                            <a:schemeClr val="tx1"/>
+                            <a:srgbClr val="00B050"/>
                           </a:solidFill>
                         </a:rPr>
                         <a:t>0.920</a:t>
@@ -20730,9 +20989,9 @@
                         <a:buNone/>
                       </a:pPr>
                       <a:r>
-                        <a:rPr lang="fr-FR" sz="1200" b="0" dirty="0">
+                        <a:rPr lang="fr-FR" sz="1200" b="1" dirty="0">
                           <a:solidFill>
-                            <a:schemeClr val="tx1"/>
+                            <a:srgbClr val="00B050"/>
                           </a:solidFill>
                         </a:rPr>
                         <a:t>0.938</a:t>
@@ -20750,9 +21009,9 @@
                         <a:buNone/>
                       </a:pPr>
                       <a:r>
-                        <a:rPr lang="fr-FR" sz="1200" b="0" dirty="0">
+                        <a:rPr lang="fr-FR" sz="1200" b="1" dirty="0">
                           <a:solidFill>
-                            <a:schemeClr val="tx1"/>
+                            <a:srgbClr val="00B050"/>
                           </a:solidFill>
                         </a:rPr>
                         <a:t>0.974</a:t>
@@ -20887,7 +21146,7 @@
                       </a:pPr>
                       <a:r>
                         <a:rPr lang="fr-FR" sz="1200" dirty="0"/>
-                        <a:t>Capture de motifs locaux, perf proche </a:t>
+                        <a:t>Capture de motifs locaux, perfs proches de la </a:t>
                       </a:r>
                       <a:r>
                         <a:rPr lang="fr-FR" sz="1200" dirty="0" err="1"/>
@@ -21304,6 +21563,355 @@
           </a:p>
         </p:txBody>
       </p:sp>
+      <p:sp>
+        <p:nvSpPr>
+          <p:cNvPr id="2" name="Flèche : droite 1">
+            <a:extLst>
+              <a:ext uri="{FF2B5EF4-FFF2-40B4-BE49-F238E27FC236}">
+                <a16:creationId xmlns:a16="http://schemas.microsoft.com/office/drawing/2014/main" id="{259E98B1-D687-B332-D81D-1624394662FE}"/>
+              </a:ext>
+            </a:extLst>
+          </p:cNvPr>
+          <p:cNvSpPr/>
+          <p:nvPr/>
+        </p:nvSpPr>
+        <p:spPr>
+          <a:xfrm>
+            <a:off x="463374" y="4366223"/>
+            <a:ext cx="308246" cy="302515"/>
+          </a:xfrm>
+          <a:prstGeom prst="rightArrow">
+            <a:avLst/>
+          </a:prstGeom>
+          <a:solidFill>
+            <a:srgbClr val="FFC000"/>
+          </a:solidFill>
+          <a:ln>
+            <a:noFill/>
+          </a:ln>
+        </p:spPr>
+        <p:style>
+          <a:lnRef idx="2">
+            <a:schemeClr val="accent1">
+              <a:shade val="15000"/>
+            </a:schemeClr>
+          </a:lnRef>
+          <a:fillRef idx="1">
+            <a:schemeClr val="accent1"/>
+          </a:fillRef>
+          <a:effectRef idx="0">
+            <a:schemeClr val="accent1"/>
+          </a:effectRef>
+          <a:fontRef idx="minor">
+            <a:schemeClr val="lt1"/>
+          </a:fontRef>
+        </p:style>
+        <p:txBody>
+          <a:bodyPr rtlCol="0" anchor="ctr"/>
+          <a:lstStyle/>
+          <a:p>
+            <a:pPr algn="ctr"/>
+            <a:endParaRPr lang="fr-FR" sz="1200"/>
+          </a:p>
+        </p:txBody>
+      </p:sp>
+      <p:sp>
+        <p:nvSpPr>
+          <p:cNvPr id="4" name="Google Shape;73;p3">
+            <a:extLst>
+              <a:ext uri="{FF2B5EF4-FFF2-40B4-BE49-F238E27FC236}">
+                <a16:creationId xmlns:a16="http://schemas.microsoft.com/office/drawing/2014/main" id="{01FBBF87-6124-DC11-E02E-14B877A09313}"/>
+              </a:ext>
+            </a:extLst>
+          </p:cNvPr>
+          <p:cNvSpPr txBox="1">
+            <a:spLocks/>
+          </p:cNvSpPr>
+          <p:nvPr/>
+        </p:nvSpPr>
+        <p:spPr>
+          <a:xfrm>
+            <a:off x="617497" y="4338717"/>
+            <a:ext cx="7266464" cy="300667"/>
+          </a:xfrm>
+          <a:prstGeom prst="rect">
+            <a:avLst/>
+          </a:prstGeom>
+          <a:noFill/>
+          <a:ln>
+            <a:noFill/>
+          </a:ln>
+        </p:spPr>
+        <p:txBody>
+          <a:bodyPr spcFirstLastPara="1" wrap="square" lIns="91425" tIns="91425" rIns="91425" bIns="91425" anchor="t" anchorCtr="0">
+            <a:noAutofit/>
+          </a:bodyPr>
+          <a:lstStyle>
+            <a:defPPr marR="0" lvl="0" algn="l" rtl="0">
+              <a:lnSpc>
+                <a:spcPct val="100000"/>
+              </a:lnSpc>
+              <a:spcBef>
+                <a:spcPts val="0"/>
+              </a:spcBef>
+              <a:spcAft>
+                <a:spcPts val="0"/>
+              </a:spcAft>
+            </a:defPPr>
+            <a:lvl1pPr marL="457200" marR="0" lvl="0" indent="-342900" algn="l" rtl="0">
+              <a:lnSpc>
+                <a:spcPct val="115000"/>
+              </a:lnSpc>
+              <a:spcBef>
+                <a:spcPts val="0"/>
+              </a:spcBef>
+              <a:spcAft>
+                <a:spcPts val="0"/>
+              </a:spcAft>
+              <a:buClr>
+                <a:schemeClr val="dk2"/>
+              </a:buClr>
+              <a:buSzPts val="1800"/>
+              <a:buFont typeface="Arial"/>
+              <a:buChar char="●"/>
+              <a:defRPr sz="1800" b="0" i="0" u="none" strike="noStrike" cap="none">
+                <a:solidFill>
+                  <a:schemeClr val="dk2"/>
+                </a:solidFill>
+                <a:latin typeface="Arial"/>
+                <a:ea typeface="Arial"/>
+                <a:cs typeface="Arial"/>
+                <a:sym typeface="Arial"/>
+              </a:defRPr>
+            </a:lvl1pPr>
+            <a:lvl2pPr marL="914400" marR="0" lvl="1" indent="-317500" algn="l" rtl="0">
+              <a:lnSpc>
+                <a:spcPct val="115000"/>
+              </a:lnSpc>
+              <a:spcBef>
+                <a:spcPts val="1600"/>
+              </a:spcBef>
+              <a:spcAft>
+                <a:spcPts val="0"/>
+              </a:spcAft>
+              <a:buClr>
+                <a:schemeClr val="dk2"/>
+              </a:buClr>
+              <a:buSzPts val="1400"/>
+              <a:buFont typeface="Arial"/>
+              <a:buChar char="○"/>
+              <a:defRPr sz="1400" b="0" i="0" u="none" strike="noStrike" cap="none">
+                <a:solidFill>
+                  <a:schemeClr val="dk2"/>
+                </a:solidFill>
+                <a:latin typeface="Arial"/>
+                <a:ea typeface="Arial"/>
+                <a:cs typeface="Arial"/>
+                <a:sym typeface="Arial"/>
+              </a:defRPr>
+            </a:lvl2pPr>
+            <a:lvl3pPr marL="1371600" marR="0" lvl="2" indent="-317500" algn="l" rtl="0">
+              <a:lnSpc>
+                <a:spcPct val="115000"/>
+              </a:lnSpc>
+              <a:spcBef>
+                <a:spcPts val="1600"/>
+              </a:spcBef>
+              <a:spcAft>
+                <a:spcPts val="0"/>
+              </a:spcAft>
+              <a:buClr>
+                <a:schemeClr val="dk2"/>
+              </a:buClr>
+              <a:buSzPts val="1400"/>
+              <a:buFont typeface="Arial"/>
+              <a:buChar char="■"/>
+              <a:defRPr sz="1400" b="0" i="0" u="none" strike="noStrike" cap="none">
+                <a:solidFill>
+                  <a:schemeClr val="dk2"/>
+                </a:solidFill>
+                <a:latin typeface="Arial"/>
+                <a:ea typeface="Arial"/>
+                <a:cs typeface="Arial"/>
+                <a:sym typeface="Arial"/>
+              </a:defRPr>
+            </a:lvl3pPr>
+            <a:lvl4pPr marL="1828800" marR="0" lvl="3" indent="-317500" algn="l" rtl="0">
+              <a:lnSpc>
+                <a:spcPct val="115000"/>
+              </a:lnSpc>
+              <a:spcBef>
+                <a:spcPts val="1600"/>
+              </a:spcBef>
+              <a:spcAft>
+                <a:spcPts val="0"/>
+              </a:spcAft>
+              <a:buClr>
+                <a:schemeClr val="dk2"/>
+              </a:buClr>
+              <a:buSzPts val="1400"/>
+              <a:buFont typeface="Arial"/>
+              <a:buChar char="●"/>
+              <a:defRPr sz="1400" b="0" i="0" u="none" strike="noStrike" cap="none">
+                <a:solidFill>
+                  <a:schemeClr val="dk2"/>
+                </a:solidFill>
+                <a:latin typeface="Arial"/>
+                <a:ea typeface="Arial"/>
+                <a:cs typeface="Arial"/>
+                <a:sym typeface="Arial"/>
+              </a:defRPr>
+            </a:lvl4pPr>
+            <a:lvl5pPr marL="2286000" marR="0" lvl="4" indent="-317500" algn="l" rtl="0">
+              <a:lnSpc>
+                <a:spcPct val="115000"/>
+              </a:lnSpc>
+              <a:spcBef>
+                <a:spcPts val="1600"/>
+              </a:spcBef>
+              <a:spcAft>
+                <a:spcPts val="0"/>
+              </a:spcAft>
+              <a:buClr>
+                <a:schemeClr val="dk2"/>
+              </a:buClr>
+              <a:buSzPts val="1400"/>
+              <a:buFont typeface="Arial"/>
+              <a:buChar char="○"/>
+              <a:defRPr sz="1400" b="0" i="0" u="none" strike="noStrike" cap="none">
+                <a:solidFill>
+                  <a:schemeClr val="dk2"/>
+                </a:solidFill>
+                <a:latin typeface="Arial"/>
+                <a:ea typeface="Arial"/>
+                <a:cs typeface="Arial"/>
+                <a:sym typeface="Arial"/>
+              </a:defRPr>
+            </a:lvl5pPr>
+            <a:lvl6pPr marL="2743200" marR="0" lvl="5" indent="-317500" algn="l" rtl="0">
+              <a:lnSpc>
+                <a:spcPct val="115000"/>
+              </a:lnSpc>
+              <a:spcBef>
+                <a:spcPts val="1600"/>
+              </a:spcBef>
+              <a:spcAft>
+                <a:spcPts val="0"/>
+              </a:spcAft>
+              <a:buClr>
+                <a:schemeClr val="dk2"/>
+              </a:buClr>
+              <a:buSzPts val="1400"/>
+              <a:buFont typeface="Arial"/>
+              <a:buChar char="■"/>
+              <a:defRPr sz="1400" b="0" i="0" u="none" strike="noStrike" cap="none">
+                <a:solidFill>
+                  <a:schemeClr val="dk2"/>
+                </a:solidFill>
+                <a:latin typeface="Arial"/>
+                <a:ea typeface="Arial"/>
+                <a:cs typeface="Arial"/>
+                <a:sym typeface="Arial"/>
+              </a:defRPr>
+            </a:lvl6pPr>
+            <a:lvl7pPr marL="3200400" marR="0" lvl="6" indent="-317500" algn="l" rtl="0">
+              <a:lnSpc>
+                <a:spcPct val="115000"/>
+              </a:lnSpc>
+              <a:spcBef>
+                <a:spcPts val="1600"/>
+              </a:spcBef>
+              <a:spcAft>
+                <a:spcPts val="0"/>
+              </a:spcAft>
+              <a:buClr>
+                <a:schemeClr val="dk2"/>
+              </a:buClr>
+              <a:buSzPts val="1400"/>
+              <a:buFont typeface="Arial"/>
+              <a:buChar char="●"/>
+              <a:defRPr sz="1400" b="0" i="0" u="none" strike="noStrike" cap="none">
+                <a:solidFill>
+                  <a:schemeClr val="dk2"/>
+                </a:solidFill>
+                <a:latin typeface="Arial"/>
+                <a:ea typeface="Arial"/>
+                <a:cs typeface="Arial"/>
+                <a:sym typeface="Arial"/>
+              </a:defRPr>
+            </a:lvl7pPr>
+            <a:lvl8pPr marL="3657600" marR="0" lvl="7" indent="-317500" algn="l" rtl="0">
+              <a:lnSpc>
+                <a:spcPct val="115000"/>
+              </a:lnSpc>
+              <a:spcBef>
+                <a:spcPts val="1600"/>
+              </a:spcBef>
+              <a:spcAft>
+                <a:spcPts val="0"/>
+              </a:spcAft>
+              <a:buClr>
+                <a:schemeClr val="dk2"/>
+              </a:buClr>
+              <a:buSzPts val="1400"/>
+              <a:buFont typeface="Arial"/>
+              <a:buChar char="○"/>
+              <a:defRPr sz="1400" b="0" i="0" u="none" strike="noStrike" cap="none">
+                <a:solidFill>
+                  <a:schemeClr val="dk2"/>
+                </a:solidFill>
+                <a:latin typeface="Arial"/>
+                <a:ea typeface="Arial"/>
+                <a:cs typeface="Arial"/>
+                <a:sym typeface="Arial"/>
+              </a:defRPr>
+            </a:lvl8pPr>
+            <a:lvl9pPr marL="4114800" marR="0" lvl="8" indent="-317500" algn="l" rtl="0">
+              <a:lnSpc>
+                <a:spcPct val="115000"/>
+              </a:lnSpc>
+              <a:spcBef>
+                <a:spcPts val="1600"/>
+              </a:spcBef>
+              <a:spcAft>
+                <a:spcPts val="1600"/>
+              </a:spcAft>
+              <a:buClr>
+                <a:schemeClr val="dk2"/>
+              </a:buClr>
+              <a:buSzPts val="1400"/>
+              <a:buFont typeface="Arial"/>
+              <a:buChar char="■"/>
+              <a:defRPr sz="1400" b="0" i="0" u="none" strike="noStrike" cap="none">
+                <a:solidFill>
+                  <a:schemeClr val="dk2"/>
+                </a:solidFill>
+                <a:latin typeface="Arial"/>
+                <a:ea typeface="Arial"/>
+                <a:cs typeface="Arial"/>
+                <a:sym typeface="Arial"/>
+              </a:defRPr>
+            </a:lvl9pPr>
+          </a:lstStyle>
+          <a:p>
+            <a:pPr marL="114300" indent="0">
+              <a:buSzPct val="100000"/>
+              <a:buNone/>
+            </a:pPr>
+            <a:r>
+              <a:rPr lang="fr-FR" sz="1050" dirty="0"/>
+              <a:t>Résultats en phase avec « l’état de l’art » : </a:t>
+            </a:r>
+            <a:r>
+              <a:rPr lang="fr-FR" sz="1050" dirty="0">
+                <a:hlinkClick r:id="rId4"/>
+              </a:rPr>
+              <a:t>Paper_129-Optimized_SMS_Spam_Detection.pdf </a:t>
+            </a:r>
+            <a:endParaRPr lang="fr-FR" sz="1050" dirty="0"/>
+          </a:p>
+        </p:txBody>
+      </p:sp>
     </p:spTree>
     <p:extLst>
       <p:ext uri="{BB962C8B-B14F-4D97-AF65-F5344CB8AC3E}">
@@ -21837,15 +22445,7 @@
             </a:pPr>
             <a:r>
               <a:rPr lang="fr-FR" sz="1000" dirty="0"/>
-              <a:t>Bon compromis global, mais </a:t>
-            </a:r>
-            <a:r>
-              <a:rPr lang="fr-FR" sz="1000" b="1" dirty="0"/>
-              <a:t>beaucoup de faux négatifs </a:t>
-            </a:r>
-            <a:r>
-              <a:rPr lang="fr-FR" sz="1000" dirty="0"/>
-              <a:t>: une partie significative des spams n’est pas détectée.</a:t>
+              <a:t>Très bon compromis précision / rappel : faible taux de faux positifs (6) et de faux négatifs (12)</a:t>
             </a:r>
           </a:p>
           <a:p>
@@ -21854,30 +22454,657 @@
             </a:pPr>
             <a:r>
               <a:rPr lang="fr-FR" sz="1000" dirty="0"/>
-              <a:t>Sert de référence solide pour évaluer les gains du </a:t>
+              <a:t>Baseline robuste et déjà performante pour un modèle linéaire</a:t>
+            </a:r>
+          </a:p>
+          <a:p>
+            <a:pPr>
+              <a:buSzPct val="100000"/>
+            </a:pPr>
+            <a:r>
+              <a:rPr lang="fr-FR" sz="1000" dirty="0"/>
+              <a:t>Sert de référence solide pour mesurer l’apport </a:t>
             </a:r>
             <a:r>
-              <a:rPr lang="fr-FR" sz="1000" dirty="0" err="1"/>
-              <a:t>deep</a:t>
+              <a:rPr lang="fr-FR" sz="1000"/>
+              <a:t>de modèles plus </a:t>
             </a:r>
             <a:r>
               <a:rPr lang="fr-FR" sz="1000" dirty="0"/>
-              <a:t> </a:t>
+              <a:t>complexes</a:t>
             </a:r>
-            <a:r>
-              <a:rPr lang="fr-FR" sz="1000" dirty="0" err="1"/>
-              <a:t>learning</a:t>
-            </a:r>
-            <a:endParaRPr lang="fr-FR" sz="1000" dirty="0"/>
           </a:p>
         </p:txBody>
       </p:sp>
+      <p:graphicFrame>
+        <p:nvGraphicFramePr>
+          <p:cNvPr id="3" name="Tableau 2">
+            <a:extLst>
+              <a:ext uri="{FF2B5EF4-FFF2-40B4-BE49-F238E27FC236}">
+                <a16:creationId xmlns:a16="http://schemas.microsoft.com/office/drawing/2014/main" id="{F4E95566-8BFE-5A11-1F62-D43BF86E879E}"/>
+              </a:ext>
+            </a:extLst>
+          </p:cNvPr>
+          <p:cNvGraphicFramePr>
+            <a:graphicFrameLocks noGrp="1"/>
+          </p:cNvGraphicFramePr>
+          <p:nvPr>
+            <p:extLst>
+              <p:ext uri="{D42A27DB-BD31-4B8C-83A1-F6EECF244321}">
+                <p14:modId xmlns:p14="http://schemas.microsoft.com/office/powerpoint/2010/main" val="2038154747"/>
+              </p:ext>
+            </p:extLst>
+          </p:nvPr>
+        </p:nvGraphicFramePr>
+        <p:xfrm>
+          <a:off x="7561576" y="248022"/>
+          <a:ext cx="1436509" cy="594360"/>
+        </p:xfrm>
+        <a:graphic>
+          <a:graphicData uri="http://schemas.openxmlformats.org/drawingml/2006/table">
+            <a:tbl>
+              <a:tblPr firstRow="1" bandRow="1">
+                <a:tableStyleId>{2D5ABB26-0587-4C30-8999-92F81FD0307C}</a:tableStyleId>
+              </a:tblPr>
+              <a:tblGrid>
+                <a:gridCol w="463357">
+                  <a:extLst>
+                    <a:ext uri="{9D8B030D-6E8A-4147-A177-3AD203B41FA5}">
+                      <a16:colId xmlns:a16="http://schemas.microsoft.com/office/drawing/2014/main" val="3709268859"/>
+                    </a:ext>
+                  </a:extLst>
+                </a:gridCol>
+                <a:gridCol w="494316">
+                  <a:extLst>
+                    <a:ext uri="{9D8B030D-6E8A-4147-A177-3AD203B41FA5}">
+                      <a16:colId xmlns:a16="http://schemas.microsoft.com/office/drawing/2014/main" val="1756377821"/>
+                    </a:ext>
+                  </a:extLst>
+                </a:gridCol>
+                <a:gridCol w="478836">
+                  <a:extLst>
+                    <a:ext uri="{9D8B030D-6E8A-4147-A177-3AD203B41FA5}">
+                      <a16:colId xmlns:a16="http://schemas.microsoft.com/office/drawing/2014/main" val="610665761"/>
+                    </a:ext>
+                  </a:extLst>
+                </a:gridCol>
+              </a:tblGrid>
+              <a:tr h="166099">
+                <a:tc>
+                  <a:txBody>
+                    <a:bodyPr/>
+                    <a:lstStyle/>
+                    <a:p>
+                      <a:endParaRPr lang="fr-FR" sz="700" dirty="0"/>
+                    </a:p>
+                  </a:txBody>
+                  <a:tcPr>
+                    <a:lnL w="9525" cap="flat" cmpd="sng" algn="ctr">
+                      <a:solidFill>
+                        <a:schemeClr val="bg1">
+                          <a:lumMod val="85000"/>
+                        </a:schemeClr>
+                      </a:solidFill>
+                      <a:prstDash val="solid"/>
+                      <a:round/>
+                      <a:headEnd type="none" w="med" len="med"/>
+                      <a:tailEnd type="none" w="med" len="med"/>
+                    </a:lnL>
+                    <a:lnR w="9525" cap="flat" cmpd="sng" algn="ctr">
+                      <a:solidFill>
+                        <a:schemeClr val="bg1">
+                          <a:lumMod val="85000"/>
+                        </a:schemeClr>
+                      </a:solidFill>
+                      <a:prstDash val="solid"/>
+                      <a:round/>
+                      <a:headEnd type="none" w="med" len="med"/>
+                      <a:tailEnd type="none" w="med" len="med"/>
+                    </a:lnR>
+                    <a:lnT w="9525" cap="flat" cmpd="sng" algn="ctr">
+                      <a:solidFill>
+                        <a:schemeClr val="bg1">
+                          <a:lumMod val="85000"/>
+                        </a:schemeClr>
+                      </a:solidFill>
+                      <a:prstDash val="solid"/>
+                      <a:round/>
+                      <a:headEnd type="none" w="med" len="med"/>
+                      <a:tailEnd type="none" w="med" len="med"/>
+                    </a:lnT>
+                    <a:lnB w="9525" cap="flat" cmpd="sng" algn="ctr">
+                      <a:solidFill>
+                        <a:schemeClr val="bg1">
+                          <a:lumMod val="85000"/>
+                        </a:schemeClr>
+                      </a:solidFill>
+                      <a:prstDash val="solid"/>
+                      <a:round/>
+                      <a:headEnd type="none" w="med" len="med"/>
+                      <a:tailEnd type="none" w="med" len="med"/>
+                    </a:lnB>
+                  </a:tcPr>
+                </a:tc>
+                <a:tc>
+                  <a:txBody>
+                    <a:bodyPr/>
+                    <a:lstStyle/>
+                    <a:p>
+                      <a:r>
+                        <a:rPr lang="fr-FR" sz="700" b="1" dirty="0"/>
+                        <a:t>Ham</a:t>
+                      </a:r>
+                    </a:p>
+                  </a:txBody>
+                  <a:tcPr>
+                    <a:lnL w="9525" cap="flat" cmpd="sng" algn="ctr">
+                      <a:solidFill>
+                        <a:schemeClr val="bg1">
+                          <a:lumMod val="85000"/>
+                        </a:schemeClr>
+                      </a:solidFill>
+                      <a:prstDash val="solid"/>
+                      <a:round/>
+                      <a:headEnd type="none" w="med" len="med"/>
+                      <a:tailEnd type="none" w="med" len="med"/>
+                    </a:lnL>
+                    <a:lnR w="9525" cap="flat" cmpd="sng" algn="ctr">
+                      <a:solidFill>
+                        <a:schemeClr val="bg1">
+                          <a:lumMod val="85000"/>
+                        </a:schemeClr>
+                      </a:solidFill>
+                      <a:prstDash val="solid"/>
+                      <a:round/>
+                      <a:headEnd type="none" w="med" len="med"/>
+                      <a:tailEnd type="none" w="med" len="med"/>
+                    </a:lnR>
+                    <a:lnT w="9525" cap="flat" cmpd="sng" algn="ctr">
+                      <a:solidFill>
+                        <a:schemeClr val="bg1">
+                          <a:lumMod val="85000"/>
+                        </a:schemeClr>
+                      </a:solidFill>
+                      <a:prstDash val="solid"/>
+                      <a:round/>
+                      <a:headEnd type="none" w="med" len="med"/>
+                      <a:tailEnd type="none" w="med" len="med"/>
+                    </a:lnT>
+                    <a:lnB w="9525" cap="flat" cmpd="sng" algn="ctr">
+                      <a:solidFill>
+                        <a:schemeClr val="bg1">
+                          <a:lumMod val="85000"/>
+                        </a:schemeClr>
+                      </a:solidFill>
+                      <a:prstDash val="solid"/>
+                      <a:round/>
+                      <a:headEnd type="none" w="med" len="med"/>
+                      <a:tailEnd type="none" w="med" len="med"/>
+                    </a:lnB>
+                  </a:tcPr>
+                </a:tc>
+                <a:tc>
+                  <a:txBody>
+                    <a:bodyPr/>
+                    <a:lstStyle/>
+                    <a:p>
+                      <a:r>
+                        <a:rPr lang="fr-FR" sz="700" b="1" dirty="0"/>
+                        <a:t>Spam</a:t>
+                      </a:r>
+                    </a:p>
+                  </a:txBody>
+                  <a:tcPr>
+                    <a:lnL w="9525" cap="flat" cmpd="sng" algn="ctr">
+                      <a:solidFill>
+                        <a:schemeClr val="bg1">
+                          <a:lumMod val="85000"/>
+                        </a:schemeClr>
+                      </a:solidFill>
+                      <a:prstDash val="solid"/>
+                      <a:round/>
+                      <a:headEnd type="none" w="med" len="med"/>
+                      <a:tailEnd type="none" w="med" len="med"/>
+                    </a:lnL>
+                    <a:lnR w="9525" cap="flat" cmpd="sng" algn="ctr">
+                      <a:solidFill>
+                        <a:schemeClr val="bg1">
+                          <a:lumMod val="85000"/>
+                        </a:schemeClr>
+                      </a:solidFill>
+                      <a:prstDash val="solid"/>
+                      <a:round/>
+                      <a:headEnd type="none" w="med" len="med"/>
+                      <a:tailEnd type="none" w="med" len="med"/>
+                    </a:lnR>
+                    <a:lnT w="9525" cap="flat" cmpd="sng" algn="ctr">
+                      <a:solidFill>
+                        <a:schemeClr val="bg1">
+                          <a:lumMod val="85000"/>
+                        </a:schemeClr>
+                      </a:solidFill>
+                      <a:prstDash val="solid"/>
+                      <a:round/>
+                      <a:headEnd type="none" w="med" len="med"/>
+                      <a:tailEnd type="none" w="med" len="med"/>
+                    </a:lnT>
+                    <a:lnB w="9525" cap="flat" cmpd="sng" algn="ctr">
+                      <a:solidFill>
+                        <a:schemeClr val="bg1">
+                          <a:lumMod val="85000"/>
+                        </a:schemeClr>
+                      </a:solidFill>
+                      <a:prstDash val="solid"/>
+                      <a:round/>
+                      <a:headEnd type="none" w="med" len="med"/>
+                      <a:tailEnd type="none" w="med" len="med"/>
+                    </a:lnB>
+                  </a:tcPr>
+                </a:tc>
+                <a:extLst>
+                  <a:ext uri="{0D108BD9-81ED-4DB2-BD59-A6C34878D82A}">
+                    <a16:rowId xmlns:a16="http://schemas.microsoft.com/office/drawing/2014/main" val="390117572"/>
+                  </a:ext>
+                </a:extLst>
+              </a:tr>
+              <a:tr h="183500">
+                <a:tc>
+                  <a:txBody>
+                    <a:bodyPr/>
+                    <a:lstStyle/>
+                    <a:p>
+                      <a:pPr>
+                        <a:buNone/>
+                      </a:pPr>
+                      <a:r>
+                        <a:rPr lang="fr-FR" sz="700" b="1" dirty="0" err="1"/>
+                        <a:t>True</a:t>
+                      </a:r>
+                      <a:r>
+                        <a:rPr lang="fr-FR" sz="700" b="1" dirty="0"/>
+                        <a:t> 0</a:t>
+                      </a:r>
+                    </a:p>
+                  </a:txBody>
+                  <a:tcPr anchor="ctr">
+                    <a:lnL w="9525" cap="flat" cmpd="sng" algn="ctr">
+                      <a:solidFill>
+                        <a:schemeClr val="bg1">
+                          <a:lumMod val="85000"/>
+                        </a:schemeClr>
+                      </a:solidFill>
+                      <a:prstDash val="solid"/>
+                      <a:round/>
+                      <a:headEnd type="none" w="med" len="med"/>
+                      <a:tailEnd type="none" w="med" len="med"/>
+                    </a:lnL>
+                    <a:lnR w="9525" cap="flat" cmpd="sng" algn="ctr">
+                      <a:solidFill>
+                        <a:schemeClr val="bg1">
+                          <a:lumMod val="85000"/>
+                        </a:schemeClr>
+                      </a:solidFill>
+                      <a:prstDash val="solid"/>
+                      <a:round/>
+                      <a:headEnd type="none" w="med" len="med"/>
+                      <a:tailEnd type="none" w="med" len="med"/>
+                    </a:lnR>
+                    <a:lnT w="9525" cap="flat" cmpd="sng" algn="ctr">
+                      <a:solidFill>
+                        <a:schemeClr val="bg1">
+                          <a:lumMod val="85000"/>
+                        </a:schemeClr>
+                      </a:solidFill>
+                      <a:prstDash val="solid"/>
+                      <a:round/>
+                      <a:headEnd type="none" w="med" len="med"/>
+                      <a:tailEnd type="none" w="med" len="med"/>
+                    </a:lnT>
+                    <a:lnB w="9525" cap="flat" cmpd="sng" algn="ctr">
+                      <a:solidFill>
+                        <a:schemeClr val="bg1">
+                          <a:lumMod val="85000"/>
+                        </a:schemeClr>
+                      </a:solidFill>
+                      <a:prstDash val="solid"/>
+                      <a:round/>
+                      <a:headEnd type="none" w="med" len="med"/>
+                      <a:tailEnd type="none" w="med" len="med"/>
+                    </a:lnB>
+                  </a:tcPr>
+                </a:tc>
+                <a:tc>
+                  <a:txBody>
+                    <a:bodyPr/>
+                    <a:lstStyle/>
+                    <a:p>
+                      <a:pPr>
+                        <a:buNone/>
+                      </a:pPr>
+                      <a:r>
+                        <a:rPr lang="fr-FR" sz="700" b="0" dirty="0"/>
+                        <a:t>TN</a:t>
+                      </a:r>
+                    </a:p>
+                  </a:txBody>
+                  <a:tcPr anchor="ctr">
+                    <a:lnL w="9525" cap="flat" cmpd="sng" algn="ctr">
+                      <a:solidFill>
+                        <a:schemeClr val="bg1">
+                          <a:lumMod val="85000"/>
+                        </a:schemeClr>
+                      </a:solidFill>
+                      <a:prstDash val="solid"/>
+                      <a:round/>
+                      <a:headEnd type="none" w="med" len="med"/>
+                      <a:tailEnd type="none" w="med" len="med"/>
+                    </a:lnL>
+                    <a:lnR w="9525" cap="flat" cmpd="sng" algn="ctr">
+                      <a:solidFill>
+                        <a:schemeClr val="bg1">
+                          <a:lumMod val="85000"/>
+                        </a:schemeClr>
+                      </a:solidFill>
+                      <a:prstDash val="solid"/>
+                      <a:round/>
+                      <a:headEnd type="none" w="med" len="med"/>
+                      <a:tailEnd type="none" w="med" len="med"/>
+                    </a:lnR>
+                    <a:lnT w="9525" cap="flat" cmpd="sng" algn="ctr">
+                      <a:solidFill>
+                        <a:schemeClr val="bg1">
+                          <a:lumMod val="85000"/>
+                        </a:schemeClr>
+                      </a:solidFill>
+                      <a:prstDash val="solid"/>
+                      <a:round/>
+                      <a:headEnd type="none" w="med" len="med"/>
+                      <a:tailEnd type="none" w="med" len="med"/>
+                    </a:lnT>
+                    <a:lnB w="9525" cap="flat" cmpd="sng" algn="ctr">
+                      <a:solidFill>
+                        <a:schemeClr val="bg1">
+                          <a:lumMod val="85000"/>
+                        </a:schemeClr>
+                      </a:solidFill>
+                      <a:prstDash val="solid"/>
+                      <a:round/>
+                      <a:headEnd type="none" w="med" len="med"/>
+                      <a:tailEnd type="none" w="med" len="med"/>
+                    </a:lnB>
+                  </a:tcPr>
+                </a:tc>
+                <a:tc>
+                  <a:txBody>
+                    <a:bodyPr/>
+                    <a:lstStyle/>
+                    <a:p>
+                      <a:pPr>
+                        <a:buNone/>
+                      </a:pPr>
+                      <a:r>
+                        <a:rPr lang="fr-FR" sz="700" b="0" dirty="0"/>
+                        <a:t>FP</a:t>
+                      </a:r>
+                    </a:p>
+                  </a:txBody>
+                  <a:tcPr anchor="ctr">
+                    <a:lnL w="9525" cap="flat" cmpd="sng" algn="ctr">
+                      <a:solidFill>
+                        <a:schemeClr val="bg1">
+                          <a:lumMod val="85000"/>
+                        </a:schemeClr>
+                      </a:solidFill>
+                      <a:prstDash val="solid"/>
+                      <a:round/>
+                      <a:headEnd type="none" w="med" len="med"/>
+                      <a:tailEnd type="none" w="med" len="med"/>
+                    </a:lnL>
+                    <a:lnR w="9525" cap="flat" cmpd="sng" algn="ctr">
+                      <a:solidFill>
+                        <a:schemeClr val="bg1">
+                          <a:lumMod val="85000"/>
+                        </a:schemeClr>
+                      </a:solidFill>
+                      <a:prstDash val="solid"/>
+                      <a:round/>
+                      <a:headEnd type="none" w="med" len="med"/>
+                      <a:tailEnd type="none" w="med" len="med"/>
+                    </a:lnR>
+                    <a:lnT w="9525" cap="flat" cmpd="sng" algn="ctr">
+                      <a:solidFill>
+                        <a:schemeClr val="bg1">
+                          <a:lumMod val="85000"/>
+                        </a:schemeClr>
+                      </a:solidFill>
+                      <a:prstDash val="solid"/>
+                      <a:round/>
+                      <a:headEnd type="none" w="med" len="med"/>
+                      <a:tailEnd type="none" w="med" len="med"/>
+                    </a:lnT>
+                    <a:lnB w="9525" cap="flat" cmpd="sng" algn="ctr">
+                      <a:solidFill>
+                        <a:schemeClr val="bg1">
+                          <a:lumMod val="85000"/>
+                        </a:schemeClr>
+                      </a:solidFill>
+                      <a:prstDash val="solid"/>
+                      <a:round/>
+                      <a:headEnd type="none" w="med" len="med"/>
+                      <a:tailEnd type="none" w="med" len="med"/>
+                    </a:lnB>
+                  </a:tcPr>
+                </a:tc>
+                <a:extLst>
+                  <a:ext uri="{0D108BD9-81ED-4DB2-BD59-A6C34878D82A}">
+                    <a16:rowId xmlns:a16="http://schemas.microsoft.com/office/drawing/2014/main" val="1904960246"/>
+                  </a:ext>
+                </a:extLst>
+              </a:tr>
+              <a:tr h="183500">
+                <a:tc>
+                  <a:txBody>
+                    <a:bodyPr/>
+                    <a:lstStyle/>
+                    <a:p>
+                      <a:pPr>
+                        <a:buNone/>
+                      </a:pPr>
+                      <a:r>
+                        <a:rPr lang="fr-FR" sz="700" b="1" dirty="0" err="1"/>
+                        <a:t>True</a:t>
+                      </a:r>
+                      <a:r>
+                        <a:rPr lang="fr-FR" sz="700" b="1" dirty="0"/>
+                        <a:t> 1</a:t>
+                      </a:r>
+                    </a:p>
+                  </a:txBody>
+                  <a:tcPr anchor="ctr">
+                    <a:lnL w="9525" cap="flat" cmpd="sng" algn="ctr">
+                      <a:solidFill>
+                        <a:schemeClr val="bg1">
+                          <a:lumMod val="85000"/>
+                        </a:schemeClr>
+                      </a:solidFill>
+                      <a:prstDash val="solid"/>
+                      <a:round/>
+                      <a:headEnd type="none" w="med" len="med"/>
+                      <a:tailEnd type="none" w="med" len="med"/>
+                    </a:lnL>
+                    <a:lnR w="9525" cap="flat" cmpd="sng" algn="ctr">
+                      <a:solidFill>
+                        <a:schemeClr val="bg1">
+                          <a:lumMod val="85000"/>
+                        </a:schemeClr>
+                      </a:solidFill>
+                      <a:prstDash val="solid"/>
+                      <a:round/>
+                      <a:headEnd type="none" w="med" len="med"/>
+                      <a:tailEnd type="none" w="med" len="med"/>
+                    </a:lnR>
+                    <a:lnT w="9525" cap="flat" cmpd="sng" algn="ctr">
+                      <a:solidFill>
+                        <a:schemeClr val="bg1">
+                          <a:lumMod val="85000"/>
+                        </a:schemeClr>
+                      </a:solidFill>
+                      <a:prstDash val="solid"/>
+                      <a:round/>
+                      <a:headEnd type="none" w="med" len="med"/>
+                      <a:tailEnd type="none" w="med" len="med"/>
+                    </a:lnT>
+                    <a:lnB w="9525" cap="flat" cmpd="sng" algn="ctr">
+                      <a:solidFill>
+                        <a:schemeClr val="bg1">
+                          <a:lumMod val="85000"/>
+                        </a:schemeClr>
+                      </a:solidFill>
+                      <a:prstDash val="solid"/>
+                      <a:round/>
+                      <a:headEnd type="none" w="med" len="med"/>
+                      <a:tailEnd type="none" w="med" len="med"/>
+                    </a:lnB>
+                  </a:tcPr>
+                </a:tc>
+                <a:tc>
+                  <a:txBody>
+                    <a:bodyPr/>
+                    <a:lstStyle/>
+                    <a:p>
+                      <a:pPr>
+                        <a:buNone/>
+                      </a:pPr>
+                      <a:r>
+                        <a:rPr lang="fr-FR" sz="700" b="0" dirty="0"/>
+                        <a:t>FN</a:t>
+                      </a:r>
+                    </a:p>
+                  </a:txBody>
+                  <a:tcPr anchor="ctr">
+                    <a:lnL w="9525" cap="flat" cmpd="sng" algn="ctr">
+                      <a:solidFill>
+                        <a:schemeClr val="bg1">
+                          <a:lumMod val="85000"/>
+                        </a:schemeClr>
+                      </a:solidFill>
+                      <a:prstDash val="solid"/>
+                      <a:round/>
+                      <a:headEnd type="none" w="med" len="med"/>
+                      <a:tailEnd type="none" w="med" len="med"/>
+                    </a:lnL>
+                    <a:lnR w="9525" cap="flat" cmpd="sng" algn="ctr">
+                      <a:solidFill>
+                        <a:schemeClr val="bg1">
+                          <a:lumMod val="85000"/>
+                        </a:schemeClr>
+                      </a:solidFill>
+                      <a:prstDash val="solid"/>
+                      <a:round/>
+                      <a:headEnd type="none" w="med" len="med"/>
+                      <a:tailEnd type="none" w="med" len="med"/>
+                    </a:lnR>
+                    <a:lnT w="9525" cap="flat" cmpd="sng" algn="ctr">
+                      <a:solidFill>
+                        <a:schemeClr val="bg1">
+                          <a:lumMod val="85000"/>
+                        </a:schemeClr>
+                      </a:solidFill>
+                      <a:prstDash val="solid"/>
+                      <a:round/>
+                      <a:headEnd type="none" w="med" len="med"/>
+                      <a:tailEnd type="none" w="med" len="med"/>
+                    </a:lnT>
+                    <a:lnB w="9525" cap="flat" cmpd="sng" algn="ctr">
+                      <a:solidFill>
+                        <a:schemeClr val="bg1">
+                          <a:lumMod val="85000"/>
+                        </a:schemeClr>
+                      </a:solidFill>
+                      <a:prstDash val="solid"/>
+                      <a:round/>
+                      <a:headEnd type="none" w="med" len="med"/>
+                      <a:tailEnd type="none" w="med" len="med"/>
+                    </a:lnB>
+                  </a:tcPr>
+                </a:tc>
+                <a:tc>
+                  <a:txBody>
+                    <a:bodyPr/>
+                    <a:lstStyle/>
+                    <a:p>
+                      <a:pPr>
+                        <a:buNone/>
+                      </a:pPr>
+                      <a:r>
+                        <a:rPr lang="fr-FR" sz="700" b="0" dirty="0"/>
+                        <a:t>TP</a:t>
+                      </a:r>
+                    </a:p>
+                  </a:txBody>
+                  <a:tcPr anchor="ctr">
+                    <a:lnL w="9525" cap="flat" cmpd="sng" algn="ctr">
+                      <a:solidFill>
+                        <a:schemeClr val="bg1">
+                          <a:lumMod val="85000"/>
+                        </a:schemeClr>
+                      </a:solidFill>
+                      <a:prstDash val="solid"/>
+                      <a:round/>
+                      <a:headEnd type="none" w="med" len="med"/>
+                      <a:tailEnd type="none" w="med" len="med"/>
+                    </a:lnL>
+                    <a:lnR w="9525" cap="flat" cmpd="sng" algn="ctr">
+                      <a:solidFill>
+                        <a:schemeClr val="bg1">
+                          <a:lumMod val="85000"/>
+                        </a:schemeClr>
+                      </a:solidFill>
+                      <a:prstDash val="solid"/>
+                      <a:round/>
+                      <a:headEnd type="none" w="med" len="med"/>
+                      <a:tailEnd type="none" w="med" len="med"/>
+                    </a:lnR>
+                    <a:lnT w="9525" cap="flat" cmpd="sng" algn="ctr">
+                      <a:solidFill>
+                        <a:schemeClr val="bg1">
+                          <a:lumMod val="85000"/>
+                        </a:schemeClr>
+                      </a:solidFill>
+                      <a:prstDash val="solid"/>
+                      <a:round/>
+                      <a:headEnd type="none" w="med" len="med"/>
+                      <a:tailEnd type="none" w="med" len="med"/>
+                    </a:lnT>
+                    <a:lnB w="9525" cap="flat" cmpd="sng" algn="ctr">
+                      <a:solidFill>
+                        <a:schemeClr val="bg1">
+                          <a:lumMod val="85000"/>
+                        </a:schemeClr>
+                      </a:solidFill>
+                      <a:prstDash val="solid"/>
+                      <a:round/>
+                      <a:headEnd type="none" w="med" len="med"/>
+                      <a:tailEnd type="none" w="med" len="med"/>
+                    </a:lnB>
+                  </a:tcPr>
+                </a:tc>
+                <a:extLst>
+                  <a:ext uri="{0D108BD9-81ED-4DB2-BD59-A6C34878D82A}">
+                    <a16:rowId xmlns:a16="http://schemas.microsoft.com/office/drawing/2014/main" val="1737595691"/>
+                  </a:ext>
+                </a:extLst>
+              </a:tr>
+            </a:tbl>
+          </a:graphicData>
+        </a:graphic>
+      </p:graphicFrame>
       <p:pic>
         <p:nvPicPr>
-          <p:cNvPr id="7" name="Image 6" descr="Une image contenant texte, capture d’écran, Caractère coloré, diagramme&#10;&#10;Le contenu généré par l’IA peut être incorrect.">
+          <p:cNvPr id="8" name="Image 7" descr="Une image contenant texte, capture d’écran, Caractère coloré, diagramme&#10;&#10;Le contenu généré par l’IA peut être incorrect.">
             <a:extLst>
               <a:ext uri="{FF2B5EF4-FFF2-40B4-BE49-F238E27FC236}">
-                <a16:creationId xmlns:a16="http://schemas.microsoft.com/office/drawing/2014/main" id="{5C5B1327-0FCD-ABCC-91B5-AACECD6F9B13}"/>
+                <a16:creationId xmlns:a16="http://schemas.microsoft.com/office/drawing/2014/main" id="{50E2FA7C-3F5F-A3EB-E52F-32E48B49D13C}"/>
               </a:ext>
             </a:extLst>
           </p:cNvPr>
@@ -21894,8 +23121,8 @@
         </p:blipFill>
         <p:spPr>
           <a:xfrm>
-            <a:off x="1745421" y="1091696"/>
-            <a:ext cx="5131433" cy="2786110"/>
+            <a:off x="1745422" y="1091696"/>
+            <a:ext cx="5122656" cy="2786110"/>
           </a:xfrm>
           <a:prstGeom prst="rect">
             <a:avLst/>
@@ -22548,7 +23775,7 @@
         </p:blipFill>
         <p:spPr>
           <a:xfrm>
-            <a:off x="4714610" y="1368647"/>
+            <a:off x="4714610" y="1354232"/>
             <a:ext cx="4221797" cy="2325945"/>
           </a:xfrm>
           <a:prstGeom prst="rect">
@@ -22561,6 +23788,629 @@
           </a:ln>
         </p:spPr>
       </p:pic>
+      <p:graphicFrame>
+        <p:nvGraphicFramePr>
+          <p:cNvPr id="3" name="Tableau 2">
+            <a:extLst>
+              <a:ext uri="{FF2B5EF4-FFF2-40B4-BE49-F238E27FC236}">
+                <a16:creationId xmlns:a16="http://schemas.microsoft.com/office/drawing/2014/main" id="{41825DFE-1393-23AD-E74E-9758F8CD14CA}"/>
+              </a:ext>
+            </a:extLst>
+          </p:cNvPr>
+          <p:cNvGraphicFramePr>
+            <a:graphicFrameLocks noGrp="1"/>
+          </p:cNvGraphicFramePr>
+          <p:nvPr>
+            <p:extLst>
+              <p:ext uri="{D42A27DB-BD31-4B8C-83A1-F6EECF244321}">
+                <p14:modId xmlns:p14="http://schemas.microsoft.com/office/powerpoint/2010/main" val="3833043083"/>
+              </p:ext>
+            </p:extLst>
+          </p:nvPr>
+        </p:nvGraphicFramePr>
+        <p:xfrm>
+          <a:off x="7561576" y="254276"/>
+          <a:ext cx="1436509" cy="594360"/>
+        </p:xfrm>
+        <a:graphic>
+          <a:graphicData uri="http://schemas.openxmlformats.org/drawingml/2006/table">
+            <a:tbl>
+              <a:tblPr firstRow="1" bandRow="1">
+                <a:tableStyleId>{2D5ABB26-0587-4C30-8999-92F81FD0307C}</a:tableStyleId>
+              </a:tblPr>
+              <a:tblGrid>
+                <a:gridCol w="463357">
+                  <a:extLst>
+                    <a:ext uri="{9D8B030D-6E8A-4147-A177-3AD203B41FA5}">
+                      <a16:colId xmlns:a16="http://schemas.microsoft.com/office/drawing/2014/main" val="3709268859"/>
+                    </a:ext>
+                  </a:extLst>
+                </a:gridCol>
+                <a:gridCol w="494316">
+                  <a:extLst>
+                    <a:ext uri="{9D8B030D-6E8A-4147-A177-3AD203B41FA5}">
+                      <a16:colId xmlns:a16="http://schemas.microsoft.com/office/drawing/2014/main" val="1756377821"/>
+                    </a:ext>
+                  </a:extLst>
+                </a:gridCol>
+                <a:gridCol w="478836">
+                  <a:extLst>
+                    <a:ext uri="{9D8B030D-6E8A-4147-A177-3AD203B41FA5}">
+                      <a16:colId xmlns:a16="http://schemas.microsoft.com/office/drawing/2014/main" val="610665761"/>
+                    </a:ext>
+                  </a:extLst>
+                </a:gridCol>
+              </a:tblGrid>
+              <a:tr h="166099">
+                <a:tc>
+                  <a:txBody>
+                    <a:bodyPr/>
+                    <a:lstStyle/>
+                    <a:p>
+                      <a:endParaRPr lang="fr-FR" sz="700" dirty="0"/>
+                    </a:p>
+                  </a:txBody>
+                  <a:tcPr>
+                    <a:lnL w="9525" cap="flat" cmpd="sng" algn="ctr">
+                      <a:solidFill>
+                        <a:schemeClr val="bg1">
+                          <a:lumMod val="85000"/>
+                        </a:schemeClr>
+                      </a:solidFill>
+                      <a:prstDash val="solid"/>
+                      <a:round/>
+                      <a:headEnd type="none" w="med" len="med"/>
+                      <a:tailEnd type="none" w="med" len="med"/>
+                    </a:lnL>
+                    <a:lnR w="9525" cap="flat" cmpd="sng" algn="ctr">
+                      <a:solidFill>
+                        <a:schemeClr val="bg1">
+                          <a:lumMod val="85000"/>
+                        </a:schemeClr>
+                      </a:solidFill>
+                      <a:prstDash val="solid"/>
+                      <a:round/>
+                      <a:headEnd type="none" w="med" len="med"/>
+                      <a:tailEnd type="none" w="med" len="med"/>
+                    </a:lnR>
+                    <a:lnT w="9525" cap="flat" cmpd="sng" algn="ctr">
+                      <a:solidFill>
+                        <a:schemeClr val="bg1">
+                          <a:lumMod val="85000"/>
+                        </a:schemeClr>
+                      </a:solidFill>
+                      <a:prstDash val="solid"/>
+                      <a:round/>
+                      <a:headEnd type="none" w="med" len="med"/>
+                      <a:tailEnd type="none" w="med" len="med"/>
+                    </a:lnT>
+                    <a:lnB w="9525" cap="flat" cmpd="sng" algn="ctr">
+                      <a:solidFill>
+                        <a:schemeClr val="bg1">
+                          <a:lumMod val="85000"/>
+                        </a:schemeClr>
+                      </a:solidFill>
+                      <a:prstDash val="solid"/>
+                      <a:round/>
+                      <a:headEnd type="none" w="med" len="med"/>
+                      <a:tailEnd type="none" w="med" len="med"/>
+                    </a:lnB>
+                  </a:tcPr>
+                </a:tc>
+                <a:tc>
+                  <a:txBody>
+                    <a:bodyPr/>
+                    <a:lstStyle/>
+                    <a:p>
+                      <a:r>
+                        <a:rPr lang="fr-FR" sz="700" b="1" dirty="0"/>
+                        <a:t>Ham</a:t>
+                      </a:r>
+                    </a:p>
+                  </a:txBody>
+                  <a:tcPr>
+                    <a:lnL w="9525" cap="flat" cmpd="sng" algn="ctr">
+                      <a:solidFill>
+                        <a:schemeClr val="bg1">
+                          <a:lumMod val="85000"/>
+                        </a:schemeClr>
+                      </a:solidFill>
+                      <a:prstDash val="solid"/>
+                      <a:round/>
+                      <a:headEnd type="none" w="med" len="med"/>
+                      <a:tailEnd type="none" w="med" len="med"/>
+                    </a:lnL>
+                    <a:lnR w="9525" cap="flat" cmpd="sng" algn="ctr">
+                      <a:solidFill>
+                        <a:schemeClr val="bg1">
+                          <a:lumMod val="85000"/>
+                        </a:schemeClr>
+                      </a:solidFill>
+                      <a:prstDash val="solid"/>
+                      <a:round/>
+                      <a:headEnd type="none" w="med" len="med"/>
+                      <a:tailEnd type="none" w="med" len="med"/>
+                    </a:lnR>
+                    <a:lnT w="9525" cap="flat" cmpd="sng" algn="ctr">
+                      <a:solidFill>
+                        <a:schemeClr val="bg1">
+                          <a:lumMod val="85000"/>
+                        </a:schemeClr>
+                      </a:solidFill>
+                      <a:prstDash val="solid"/>
+                      <a:round/>
+                      <a:headEnd type="none" w="med" len="med"/>
+                      <a:tailEnd type="none" w="med" len="med"/>
+                    </a:lnT>
+                    <a:lnB w="9525" cap="flat" cmpd="sng" algn="ctr">
+                      <a:solidFill>
+                        <a:schemeClr val="bg1">
+                          <a:lumMod val="85000"/>
+                        </a:schemeClr>
+                      </a:solidFill>
+                      <a:prstDash val="solid"/>
+                      <a:round/>
+                      <a:headEnd type="none" w="med" len="med"/>
+                      <a:tailEnd type="none" w="med" len="med"/>
+                    </a:lnB>
+                  </a:tcPr>
+                </a:tc>
+                <a:tc>
+                  <a:txBody>
+                    <a:bodyPr/>
+                    <a:lstStyle/>
+                    <a:p>
+                      <a:r>
+                        <a:rPr lang="fr-FR" sz="700" b="1" dirty="0"/>
+                        <a:t>Spam</a:t>
+                      </a:r>
+                    </a:p>
+                  </a:txBody>
+                  <a:tcPr>
+                    <a:lnL w="9525" cap="flat" cmpd="sng" algn="ctr">
+                      <a:solidFill>
+                        <a:schemeClr val="bg1">
+                          <a:lumMod val="85000"/>
+                        </a:schemeClr>
+                      </a:solidFill>
+                      <a:prstDash val="solid"/>
+                      <a:round/>
+                      <a:headEnd type="none" w="med" len="med"/>
+                      <a:tailEnd type="none" w="med" len="med"/>
+                    </a:lnL>
+                    <a:lnR w="9525" cap="flat" cmpd="sng" algn="ctr">
+                      <a:solidFill>
+                        <a:schemeClr val="bg1">
+                          <a:lumMod val="85000"/>
+                        </a:schemeClr>
+                      </a:solidFill>
+                      <a:prstDash val="solid"/>
+                      <a:round/>
+                      <a:headEnd type="none" w="med" len="med"/>
+                      <a:tailEnd type="none" w="med" len="med"/>
+                    </a:lnR>
+                    <a:lnT w="9525" cap="flat" cmpd="sng" algn="ctr">
+                      <a:solidFill>
+                        <a:schemeClr val="bg1">
+                          <a:lumMod val="85000"/>
+                        </a:schemeClr>
+                      </a:solidFill>
+                      <a:prstDash val="solid"/>
+                      <a:round/>
+                      <a:headEnd type="none" w="med" len="med"/>
+                      <a:tailEnd type="none" w="med" len="med"/>
+                    </a:lnT>
+                    <a:lnB w="9525" cap="flat" cmpd="sng" algn="ctr">
+                      <a:solidFill>
+                        <a:schemeClr val="bg1">
+                          <a:lumMod val="85000"/>
+                        </a:schemeClr>
+                      </a:solidFill>
+                      <a:prstDash val="solid"/>
+                      <a:round/>
+                      <a:headEnd type="none" w="med" len="med"/>
+                      <a:tailEnd type="none" w="med" len="med"/>
+                    </a:lnB>
+                  </a:tcPr>
+                </a:tc>
+                <a:extLst>
+                  <a:ext uri="{0D108BD9-81ED-4DB2-BD59-A6C34878D82A}">
+                    <a16:rowId xmlns:a16="http://schemas.microsoft.com/office/drawing/2014/main" val="390117572"/>
+                  </a:ext>
+                </a:extLst>
+              </a:tr>
+              <a:tr h="183500">
+                <a:tc>
+                  <a:txBody>
+                    <a:bodyPr/>
+                    <a:lstStyle/>
+                    <a:p>
+                      <a:pPr>
+                        <a:buNone/>
+                      </a:pPr>
+                      <a:r>
+                        <a:rPr lang="fr-FR" sz="700" b="1" dirty="0" err="1"/>
+                        <a:t>True</a:t>
+                      </a:r>
+                      <a:r>
+                        <a:rPr lang="fr-FR" sz="700" b="1" dirty="0"/>
+                        <a:t> 0</a:t>
+                      </a:r>
+                    </a:p>
+                  </a:txBody>
+                  <a:tcPr anchor="ctr">
+                    <a:lnL w="9525" cap="flat" cmpd="sng" algn="ctr">
+                      <a:solidFill>
+                        <a:schemeClr val="bg1">
+                          <a:lumMod val="85000"/>
+                        </a:schemeClr>
+                      </a:solidFill>
+                      <a:prstDash val="solid"/>
+                      <a:round/>
+                      <a:headEnd type="none" w="med" len="med"/>
+                      <a:tailEnd type="none" w="med" len="med"/>
+                    </a:lnL>
+                    <a:lnR w="9525" cap="flat" cmpd="sng" algn="ctr">
+                      <a:solidFill>
+                        <a:schemeClr val="bg1">
+                          <a:lumMod val="85000"/>
+                        </a:schemeClr>
+                      </a:solidFill>
+                      <a:prstDash val="solid"/>
+                      <a:round/>
+                      <a:headEnd type="none" w="med" len="med"/>
+                      <a:tailEnd type="none" w="med" len="med"/>
+                    </a:lnR>
+                    <a:lnT w="9525" cap="flat" cmpd="sng" algn="ctr">
+                      <a:solidFill>
+                        <a:schemeClr val="bg1">
+                          <a:lumMod val="85000"/>
+                        </a:schemeClr>
+                      </a:solidFill>
+                      <a:prstDash val="solid"/>
+                      <a:round/>
+                      <a:headEnd type="none" w="med" len="med"/>
+                      <a:tailEnd type="none" w="med" len="med"/>
+                    </a:lnT>
+                    <a:lnB w="9525" cap="flat" cmpd="sng" algn="ctr">
+                      <a:solidFill>
+                        <a:schemeClr val="bg1">
+                          <a:lumMod val="85000"/>
+                        </a:schemeClr>
+                      </a:solidFill>
+                      <a:prstDash val="solid"/>
+                      <a:round/>
+                      <a:headEnd type="none" w="med" len="med"/>
+                      <a:tailEnd type="none" w="med" len="med"/>
+                    </a:lnB>
+                  </a:tcPr>
+                </a:tc>
+                <a:tc>
+                  <a:txBody>
+                    <a:bodyPr/>
+                    <a:lstStyle/>
+                    <a:p>
+                      <a:pPr>
+                        <a:buNone/>
+                      </a:pPr>
+                      <a:r>
+                        <a:rPr lang="fr-FR" sz="700" b="0" dirty="0"/>
+                        <a:t>TN</a:t>
+                      </a:r>
+                    </a:p>
+                  </a:txBody>
+                  <a:tcPr anchor="ctr">
+                    <a:lnL w="9525" cap="flat" cmpd="sng" algn="ctr">
+                      <a:solidFill>
+                        <a:schemeClr val="bg1">
+                          <a:lumMod val="85000"/>
+                        </a:schemeClr>
+                      </a:solidFill>
+                      <a:prstDash val="solid"/>
+                      <a:round/>
+                      <a:headEnd type="none" w="med" len="med"/>
+                      <a:tailEnd type="none" w="med" len="med"/>
+                    </a:lnL>
+                    <a:lnR w="9525" cap="flat" cmpd="sng" algn="ctr">
+                      <a:solidFill>
+                        <a:schemeClr val="bg1">
+                          <a:lumMod val="85000"/>
+                        </a:schemeClr>
+                      </a:solidFill>
+                      <a:prstDash val="solid"/>
+                      <a:round/>
+                      <a:headEnd type="none" w="med" len="med"/>
+                      <a:tailEnd type="none" w="med" len="med"/>
+                    </a:lnR>
+                    <a:lnT w="9525" cap="flat" cmpd="sng" algn="ctr">
+                      <a:solidFill>
+                        <a:schemeClr val="bg1">
+                          <a:lumMod val="85000"/>
+                        </a:schemeClr>
+                      </a:solidFill>
+                      <a:prstDash val="solid"/>
+                      <a:round/>
+                      <a:headEnd type="none" w="med" len="med"/>
+                      <a:tailEnd type="none" w="med" len="med"/>
+                    </a:lnT>
+                    <a:lnB w="9525" cap="flat" cmpd="sng" algn="ctr">
+                      <a:solidFill>
+                        <a:schemeClr val="bg1">
+                          <a:lumMod val="85000"/>
+                        </a:schemeClr>
+                      </a:solidFill>
+                      <a:prstDash val="solid"/>
+                      <a:round/>
+                      <a:headEnd type="none" w="med" len="med"/>
+                      <a:tailEnd type="none" w="med" len="med"/>
+                    </a:lnB>
+                  </a:tcPr>
+                </a:tc>
+                <a:tc>
+                  <a:txBody>
+                    <a:bodyPr/>
+                    <a:lstStyle/>
+                    <a:p>
+                      <a:pPr>
+                        <a:buNone/>
+                      </a:pPr>
+                      <a:r>
+                        <a:rPr lang="fr-FR" sz="700" b="0" dirty="0"/>
+                        <a:t>FP</a:t>
+                      </a:r>
+                    </a:p>
+                  </a:txBody>
+                  <a:tcPr anchor="ctr">
+                    <a:lnL w="9525" cap="flat" cmpd="sng" algn="ctr">
+                      <a:solidFill>
+                        <a:schemeClr val="bg1">
+                          <a:lumMod val="85000"/>
+                        </a:schemeClr>
+                      </a:solidFill>
+                      <a:prstDash val="solid"/>
+                      <a:round/>
+                      <a:headEnd type="none" w="med" len="med"/>
+                      <a:tailEnd type="none" w="med" len="med"/>
+                    </a:lnL>
+                    <a:lnR w="9525" cap="flat" cmpd="sng" algn="ctr">
+                      <a:solidFill>
+                        <a:schemeClr val="bg1">
+                          <a:lumMod val="85000"/>
+                        </a:schemeClr>
+                      </a:solidFill>
+                      <a:prstDash val="solid"/>
+                      <a:round/>
+                      <a:headEnd type="none" w="med" len="med"/>
+                      <a:tailEnd type="none" w="med" len="med"/>
+                    </a:lnR>
+                    <a:lnT w="9525" cap="flat" cmpd="sng" algn="ctr">
+                      <a:solidFill>
+                        <a:schemeClr val="bg1">
+                          <a:lumMod val="85000"/>
+                        </a:schemeClr>
+                      </a:solidFill>
+                      <a:prstDash val="solid"/>
+                      <a:round/>
+                      <a:headEnd type="none" w="med" len="med"/>
+                      <a:tailEnd type="none" w="med" len="med"/>
+                    </a:lnT>
+                    <a:lnB w="9525" cap="flat" cmpd="sng" algn="ctr">
+                      <a:solidFill>
+                        <a:schemeClr val="bg1">
+                          <a:lumMod val="85000"/>
+                        </a:schemeClr>
+                      </a:solidFill>
+                      <a:prstDash val="solid"/>
+                      <a:round/>
+                      <a:headEnd type="none" w="med" len="med"/>
+                      <a:tailEnd type="none" w="med" len="med"/>
+                    </a:lnB>
+                  </a:tcPr>
+                </a:tc>
+                <a:extLst>
+                  <a:ext uri="{0D108BD9-81ED-4DB2-BD59-A6C34878D82A}">
+                    <a16:rowId xmlns:a16="http://schemas.microsoft.com/office/drawing/2014/main" val="1904960246"/>
+                  </a:ext>
+                </a:extLst>
+              </a:tr>
+              <a:tr h="183500">
+                <a:tc>
+                  <a:txBody>
+                    <a:bodyPr/>
+                    <a:lstStyle/>
+                    <a:p>
+                      <a:pPr>
+                        <a:buNone/>
+                      </a:pPr>
+                      <a:r>
+                        <a:rPr lang="fr-FR" sz="700" b="1" dirty="0" err="1"/>
+                        <a:t>True</a:t>
+                      </a:r>
+                      <a:r>
+                        <a:rPr lang="fr-FR" sz="700" b="1" dirty="0"/>
+                        <a:t> 1</a:t>
+                      </a:r>
+                    </a:p>
+                  </a:txBody>
+                  <a:tcPr anchor="ctr">
+                    <a:lnL w="9525" cap="flat" cmpd="sng" algn="ctr">
+                      <a:solidFill>
+                        <a:schemeClr val="bg1">
+                          <a:lumMod val="85000"/>
+                        </a:schemeClr>
+                      </a:solidFill>
+                      <a:prstDash val="solid"/>
+                      <a:round/>
+                      <a:headEnd type="none" w="med" len="med"/>
+                      <a:tailEnd type="none" w="med" len="med"/>
+                    </a:lnL>
+                    <a:lnR w="9525" cap="flat" cmpd="sng" algn="ctr">
+                      <a:solidFill>
+                        <a:schemeClr val="bg1">
+                          <a:lumMod val="85000"/>
+                        </a:schemeClr>
+                      </a:solidFill>
+                      <a:prstDash val="solid"/>
+                      <a:round/>
+                      <a:headEnd type="none" w="med" len="med"/>
+                      <a:tailEnd type="none" w="med" len="med"/>
+                    </a:lnR>
+                    <a:lnT w="9525" cap="flat" cmpd="sng" algn="ctr">
+                      <a:solidFill>
+                        <a:schemeClr val="bg1">
+                          <a:lumMod val="85000"/>
+                        </a:schemeClr>
+                      </a:solidFill>
+                      <a:prstDash val="solid"/>
+                      <a:round/>
+                      <a:headEnd type="none" w="med" len="med"/>
+                      <a:tailEnd type="none" w="med" len="med"/>
+                    </a:lnT>
+                    <a:lnB w="9525" cap="flat" cmpd="sng" algn="ctr">
+                      <a:solidFill>
+                        <a:schemeClr val="bg1">
+                          <a:lumMod val="85000"/>
+                        </a:schemeClr>
+                      </a:solidFill>
+                      <a:prstDash val="solid"/>
+                      <a:round/>
+                      <a:headEnd type="none" w="med" len="med"/>
+                      <a:tailEnd type="none" w="med" len="med"/>
+                    </a:lnB>
+                  </a:tcPr>
+                </a:tc>
+                <a:tc>
+                  <a:txBody>
+                    <a:bodyPr/>
+                    <a:lstStyle/>
+                    <a:p>
+                      <a:pPr>
+                        <a:buNone/>
+                      </a:pPr>
+                      <a:r>
+                        <a:rPr lang="fr-FR" sz="700" b="0" dirty="0"/>
+                        <a:t>FN</a:t>
+                      </a:r>
+                    </a:p>
+                  </a:txBody>
+                  <a:tcPr anchor="ctr">
+                    <a:lnL w="9525" cap="flat" cmpd="sng" algn="ctr">
+                      <a:solidFill>
+                        <a:schemeClr val="bg1">
+                          <a:lumMod val="85000"/>
+                        </a:schemeClr>
+                      </a:solidFill>
+                      <a:prstDash val="solid"/>
+                      <a:round/>
+                      <a:headEnd type="none" w="med" len="med"/>
+                      <a:tailEnd type="none" w="med" len="med"/>
+                    </a:lnL>
+                    <a:lnR w="9525" cap="flat" cmpd="sng" algn="ctr">
+                      <a:solidFill>
+                        <a:schemeClr val="bg1">
+                          <a:lumMod val="85000"/>
+                        </a:schemeClr>
+                      </a:solidFill>
+                      <a:prstDash val="solid"/>
+                      <a:round/>
+                      <a:headEnd type="none" w="med" len="med"/>
+                      <a:tailEnd type="none" w="med" len="med"/>
+                    </a:lnR>
+                    <a:lnT w="9525" cap="flat" cmpd="sng" algn="ctr">
+                      <a:solidFill>
+                        <a:schemeClr val="bg1">
+                          <a:lumMod val="85000"/>
+                        </a:schemeClr>
+                      </a:solidFill>
+                      <a:prstDash val="solid"/>
+                      <a:round/>
+                      <a:headEnd type="none" w="med" len="med"/>
+                      <a:tailEnd type="none" w="med" len="med"/>
+                    </a:lnT>
+                    <a:lnB w="9525" cap="flat" cmpd="sng" algn="ctr">
+                      <a:solidFill>
+                        <a:schemeClr val="bg1">
+                          <a:lumMod val="85000"/>
+                        </a:schemeClr>
+                      </a:solidFill>
+                      <a:prstDash val="solid"/>
+                      <a:round/>
+                      <a:headEnd type="none" w="med" len="med"/>
+                      <a:tailEnd type="none" w="med" len="med"/>
+                    </a:lnB>
+                  </a:tcPr>
+                </a:tc>
+                <a:tc>
+                  <a:txBody>
+                    <a:bodyPr/>
+                    <a:lstStyle/>
+                    <a:p>
+                      <a:pPr>
+                        <a:buNone/>
+                      </a:pPr>
+                      <a:r>
+                        <a:rPr lang="fr-FR" sz="700" b="0" dirty="0"/>
+                        <a:t>TP</a:t>
+                      </a:r>
+                    </a:p>
+                  </a:txBody>
+                  <a:tcPr anchor="ctr">
+                    <a:lnL w="9525" cap="flat" cmpd="sng" algn="ctr">
+                      <a:solidFill>
+                        <a:schemeClr val="bg1">
+                          <a:lumMod val="85000"/>
+                        </a:schemeClr>
+                      </a:solidFill>
+                      <a:prstDash val="solid"/>
+                      <a:round/>
+                      <a:headEnd type="none" w="med" len="med"/>
+                      <a:tailEnd type="none" w="med" len="med"/>
+                    </a:lnL>
+                    <a:lnR w="9525" cap="flat" cmpd="sng" algn="ctr">
+                      <a:solidFill>
+                        <a:schemeClr val="bg1">
+                          <a:lumMod val="85000"/>
+                        </a:schemeClr>
+                      </a:solidFill>
+                      <a:prstDash val="solid"/>
+                      <a:round/>
+                      <a:headEnd type="none" w="med" len="med"/>
+                      <a:tailEnd type="none" w="med" len="med"/>
+                    </a:lnR>
+                    <a:lnT w="9525" cap="flat" cmpd="sng" algn="ctr">
+                      <a:solidFill>
+                        <a:schemeClr val="bg1">
+                          <a:lumMod val="85000"/>
+                        </a:schemeClr>
+                      </a:solidFill>
+                      <a:prstDash val="solid"/>
+                      <a:round/>
+                      <a:headEnd type="none" w="med" len="med"/>
+                      <a:tailEnd type="none" w="med" len="med"/>
+                    </a:lnT>
+                    <a:lnB w="9525" cap="flat" cmpd="sng" algn="ctr">
+                      <a:solidFill>
+                        <a:schemeClr val="bg1">
+                          <a:lumMod val="85000"/>
+                        </a:schemeClr>
+                      </a:solidFill>
+                      <a:prstDash val="solid"/>
+                      <a:round/>
+                      <a:headEnd type="none" w="med" len="med"/>
+                      <a:tailEnd type="none" w="med" len="med"/>
+                    </a:lnB>
+                  </a:tcPr>
+                </a:tc>
+                <a:extLst>
+                  <a:ext uri="{0D108BD9-81ED-4DB2-BD59-A6C34878D82A}">
+                    <a16:rowId xmlns:a16="http://schemas.microsoft.com/office/drawing/2014/main" val="1737595691"/>
+                  </a:ext>
+                </a:extLst>
+              </a:tr>
+            </a:tbl>
+          </a:graphicData>
+        </a:graphic>
+      </p:graphicFrame>
     </p:spTree>
     <p:extLst>
       <p:ext uri="{BB962C8B-B14F-4D97-AF65-F5344CB8AC3E}">
@@ -23176,6 +25026,629 @@
           </a:ln>
         </p:spPr>
       </p:pic>
+      <p:graphicFrame>
+        <p:nvGraphicFramePr>
+          <p:cNvPr id="3" name="Tableau 2">
+            <a:extLst>
+              <a:ext uri="{FF2B5EF4-FFF2-40B4-BE49-F238E27FC236}">
+                <a16:creationId xmlns:a16="http://schemas.microsoft.com/office/drawing/2014/main" id="{CCCC2AE3-0207-0866-5564-4C4B4629A0DD}"/>
+              </a:ext>
+            </a:extLst>
+          </p:cNvPr>
+          <p:cNvGraphicFramePr>
+            <a:graphicFrameLocks noGrp="1"/>
+          </p:cNvGraphicFramePr>
+          <p:nvPr>
+            <p:extLst>
+              <p:ext uri="{D42A27DB-BD31-4B8C-83A1-F6EECF244321}">
+                <p14:modId xmlns:p14="http://schemas.microsoft.com/office/powerpoint/2010/main" val="1286302489"/>
+              </p:ext>
+            </p:extLst>
+          </p:nvPr>
+        </p:nvGraphicFramePr>
+        <p:xfrm>
+          <a:off x="7561576" y="248022"/>
+          <a:ext cx="1436509" cy="594360"/>
+        </p:xfrm>
+        <a:graphic>
+          <a:graphicData uri="http://schemas.openxmlformats.org/drawingml/2006/table">
+            <a:tbl>
+              <a:tblPr firstRow="1" bandRow="1">
+                <a:tableStyleId>{2D5ABB26-0587-4C30-8999-92F81FD0307C}</a:tableStyleId>
+              </a:tblPr>
+              <a:tblGrid>
+                <a:gridCol w="463357">
+                  <a:extLst>
+                    <a:ext uri="{9D8B030D-6E8A-4147-A177-3AD203B41FA5}">
+                      <a16:colId xmlns:a16="http://schemas.microsoft.com/office/drawing/2014/main" val="3709268859"/>
+                    </a:ext>
+                  </a:extLst>
+                </a:gridCol>
+                <a:gridCol w="494316">
+                  <a:extLst>
+                    <a:ext uri="{9D8B030D-6E8A-4147-A177-3AD203B41FA5}">
+                      <a16:colId xmlns:a16="http://schemas.microsoft.com/office/drawing/2014/main" val="1756377821"/>
+                    </a:ext>
+                  </a:extLst>
+                </a:gridCol>
+                <a:gridCol w="478836">
+                  <a:extLst>
+                    <a:ext uri="{9D8B030D-6E8A-4147-A177-3AD203B41FA5}">
+                      <a16:colId xmlns:a16="http://schemas.microsoft.com/office/drawing/2014/main" val="610665761"/>
+                    </a:ext>
+                  </a:extLst>
+                </a:gridCol>
+              </a:tblGrid>
+              <a:tr h="166099">
+                <a:tc>
+                  <a:txBody>
+                    <a:bodyPr/>
+                    <a:lstStyle/>
+                    <a:p>
+                      <a:endParaRPr lang="fr-FR" sz="700" dirty="0"/>
+                    </a:p>
+                  </a:txBody>
+                  <a:tcPr>
+                    <a:lnL w="9525" cap="flat" cmpd="sng" algn="ctr">
+                      <a:solidFill>
+                        <a:schemeClr val="bg1">
+                          <a:lumMod val="85000"/>
+                        </a:schemeClr>
+                      </a:solidFill>
+                      <a:prstDash val="solid"/>
+                      <a:round/>
+                      <a:headEnd type="none" w="med" len="med"/>
+                      <a:tailEnd type="none" w="med" len="med"/>
+                    </a:lnL>
+                    <a:lnR w="9525" cap="flat" cmpd="sng" algn="ctr">
+                      <a:solidFill>
+                        <a:schemeClr val="bg1">
+                          <a:lumMod val="85000"/>
+                        </a:schemeClr>
+                      </a:solidFill>
+                      <a:prstDash val="solid"/>
+                      <a:round/>
+                      <a:headEnd type="none" w="med" len="med"/>
+                      <a:tailEnd type="none" w="med" len="med"/>
+                    </a:lnR>
+                    <a:lnT w="9525" cap="flat" cmpd="sng" algn="ctr">
+                      <a:solidFill>
+                        <a:schemeClr val="bg1">
+                          <a:lumMod val="85000"/>
+                        </a:schemeClr>
+                      </a:solidFill>
+                      <a:prstDash val="solid"/>
+                      <a:round/>
+                      <a:headEnd type="none" w="med" len="med"/>
+                      <a:tailEnd type="none" w="med" len="med"/>
+                    </a:lnT>
+                    <a:lnB w="9525" cap="flat" cmpd="sng" algn="ctr">
+                      <a:solidFill>
+                        <a:schemeClr val="bg1">
+                          <a:lumMod val="85000"/>
+                        </a:schemeClr>
+                      </a:solidFill>
+                      <a:prstDash val="solid"/>
+                      <a:round/>
+                      <a:headEnd type="none" w="med" len="med"/>
+                      <a:tailEnd type="none" w="med" len="med"/>
+                    </a:lnB>
+                  </a:tcPr>
+                </a:tc>
+                <a:tc>
+                  <a:txBody>
+                    <a:bodyPr/>
+                    <a:lstStyle/>
+                    <a:p>
+                      <a:r>
+                        <a:rPr lang="fr-FR" sz="700" b="1" dirty="0"/>
+                        <a:t>Ham</a:t>
+                      </a:r>
+                    </a:p>
+                  </a:txBody>
+                  <a:tcPr>
+                    <a:lnL w="9525" cap="flat" cmpd="sng" algn="ctr">
+                      <a:solidFill>
+                        <a:schemeClr val="bg1">
+                          <a:lumMod val="85000"/>
+                        </a:schemeClr>
+                      </a:solidFill>
+                      <a:prstDash val="solid"/>
+                      <a:round/>
+                      <a:headEnd type="none" w="med" len="med"/>
+                      <a:tailEnd type="none" w="med" len="med"/>
+                    </a:lnL>
+                    <a:lnR w="9525" cap="flat" cmpd="sng" algn="ctr">
+                      <a:solidFill>
+                        <a:schemeClr val="bg1">
+                          <a:lumMod val="85000"/>
+                        </a:schemeClr>
+                      </a:solidFill>
+                      <a:prstDash val="solid"/>
+                      <a:round/>
+                      <a:headEnd type="none" w="med" len="med"/>
+                      <a:tailEnd type="none" w="med" len="med"/>
+                    </a:lnR>
+                    <a:lnT w="9525" cap="flat" cmpd="sng" algn="ctr">
+                      <a:solidFill>
+                        <a:schemeClr val="bg1">
+                          <a:lumMod val="85000"/>
+                        </a:schemeClr>
+                      </a:solidFill>
+                      <a:prstDash val="solid"/>
+                      <a:round/>
+                      <a:headEnd type="none" w="med" len="med"/>
+                      <a:tailEnd type="none" w="med" len="med"/>
+                    </a:lnT>
+                    <a:lnB w="9525" cap="flat" cmpd="sng" algn="ctr">
+                      <a:solidFill>
+                        <a:schemeClr val="bg1">
+                          <a:lumMod val="85000"/>
+                        </a:schemeClr>
+                      </a:solidFill>
+                      <a:prstDash val="solid"/>
+                      <a:round/>
+                      <a:headEnd type="none" w="med" len="med"/>
+                      <a:tailEnd type="none" w="med" len="med"/>
+                    </a:lnB>
+                  </a:tcPr>
+                </a:tc>
+                <a:tc>
+                  <a:txBody>
+                    <a:bodyPr/>
+                    <a:lstStyle/>
+                    <a:p>
+                      <a:r>
+                        <a:rPr lang="fr-FR" sz="700" b="1" dirty="0"/>
+                        <a:t>Spam</a:t>
+                      </a:r>
+                    </a:p>
+                  </a:txBody>
+                  <a:tcPr>
+                    <a:lnL w="9525" cap="flat" cmpd="sng" algn="ctr">
+                      <a:solidFill>
+                        <a:schemeClr val="bg1">
+                          <a:lumMod val="85000"/>
+                        </a:schemeClr>
+                      </a:solidFill>
+                      <a:prstDash val="solid"/>
+                      <a:round/>
+                      <a:headEnd type="none" w="med" len="med"/>
+                      <a:tailEnd type="none" w="med" len="med"/>
+                    </a:lnL>
+                    <a:lnR w="9525" cap="flat" cmpd="sng" algn="ctr">
+                      <a:solidFill>
+                        <a:schemeClr val="bg1">
+                          <a:lumMod val="85000"/>
+                        </a:schemeClr>
+                      </a:solidFill>
+                      <a:prstDash val="solid"/>
+                      <a:round/>
+                      <a:headEnd type="none" w="med" len="med"/>
+                      <a:tailEnd type="none" w="med" len="med"/>
+                    </a:lnR>
+                    <a:lnT w="9525" cap="flat" cmpd="sng" algn="ctr">
+                      <a:solidFill>
+                        <a:schemeClr val="bg1">
+                          <a:lumMod val="85000"/>
+                        </a:schemeClr>
+                      </a:solidFill>
+                      <a:prstDash val="solid"/>
+                      <a:round/>
+                      <a:headEnd type="none" w="med" len="med"/>
+                      <a:tailEnd type="none" w="med" len="med"/>
+                    </a:lnT>
+                    <a:lnB w="9525" cap="flat" cmpd="sng" algn="ctr">
+                      <a:solidFill>
+                        <a:schemeClr val="bg1">
+                          <a:lumMod val="85000"/>
+                        </a:schemeClr>
+                      </a:solidFill>
+                      <a:prstDash val="solid"/>
+                      <a:round/>
+                      <a:headEnd type="none" w="med" len="med"/>
+                      <a:tailEnd type="none" w="med" len="med"/>
+                    </a:lnB>
+                  </a:tcPr>
+                </a:tc>
+                <a:extLst>
+                  <a:ext uri="{0D108BD9-81ED-4DB2-BD59-A6C34878D82A}">
+                    <a16:rowId xmlns:a16="http://schemas.microsoft.com/office/drawing/2014/main" val="390117572"/>
+                  </a:ext>
+                </a:extLst>
+              </a:tr>
+              <a:tr h="183500">
+                <a:tc>
+                  <a:txBody>
+                    <a:bodyPr/>
+                    <a:lstStyle/>
+                    <a:p>
+                      <a:pPr>
+                        <a:buNone/>
+                      </a:pPr>
+                      <a:r>
+                        <a:rPr lang="fr-FR" sz="700" b="1" dirty="0" err="1"/>
+                        <a:t>True</a:t>
+                      </a:r>
+                      <a:r>
+                        <a:rPr lang="fr-FR" sz="700" b="1" dirty="0"/>
+                        <a:t> 0</a:t>
+                      </a:r>
+                    </a:p>
+                  </a:txBody>
+                  <a:tcPr anchor="ctr">
+                    <a:lnL w="9525" cap="flat" cmpd="sng" algn="ctr">
+                      <a:solidFill>
+                        <a:schemeClr val="bg1">
+                          <a:lumMod val="85000"/>
+                        </a:schemeClr>
+                      </a:solidFill>
+                      <a:prstDash val="solid"/>
+                      <a:round/>
+                      <a:headEnd type="none" w="med" len="med"/>
+                      <a:tailEnd type="none" w="med" len="med"/>
+                    </a:lnL>
+                    <a:lnR w="9525" cap="flat" cmpd="sng" algn="ctr">
+                      <a:solidFill>
+                        <a:schemeClr val="bg1">
+                          <a:lumMod val="85000"/>
+                        </a:schemeClr>
+                      </a:solidFill>
+                      <a:prstDash val="solid"/>
+                      <a:round/>
+                      <a:headEnd type="none" w="med" len="med"/>
+                      <a:tailEnd type="none" w="med" len="med"/>
+                    </a:lnR>
+                    <a:lnT w="9525" cap="flat" cmpd="sng" algn="ctr">
+                      <a:solidFill>
+                        <a:schemeClr val="bg1">
+                          <a:lumMod val="85000"/>
+                        </a:schemeClr>
+                      </a:solidFill>
+                      <a:prstDash val="solid"/>
+                      <a:round/>
+                      <a:headEnd type="none" w="med" len="med"/>
+                      <a:tailEnd type="none" w="med" len="med"/>
+                    </a:lnT>
+                    <a:lnB w="9525" cap="flat" cmpd="sng" algn="ctr">
+                      <a:solidFill>
+                        <a:schemeClr val="bg1">
+                          <a:lumMod val="85000"/>
+                        </a:schemeClr>
+                      </a:solidFill>
+                      <a:prstDash val="solid"/>
+                      <a:round/>
+                      <a:headEnd type="none" w="med" len="med"/>
+                      <a:tailEnd type="none" w="med" len="med"/>
+                    </a:lnB>
+                  </a:tcPr>
+                </a:tc>
+                <a:tc>
+                  <a:txBody>
+                    <a:bodyPr/>
+                    <a:lstStyle/>
+                    <a:p>
+                      <a:pPr>
+                        <a:buNone/>
+                      </a:pPr>
+                      <a:r>
+                        <a:rPr lang="fr-FR" sz="700" b="0" dirty="0"/>
+                        <a:t>TN</a:t>
+                      </a:r>
+                    </a:p>
+                  </a:txBody>
+                  <a:tcPr anchor="ctr">
+                    <a:lnL w="9525" cap="flat" cmpd="sng" algn="ctr">
+                      <a:solidFill>
+                        <a:schemeClr val="bg1">
+                          <a:lumMod val="85000"/>
+                        </a:schemeClr>
+                      </a:solidFill>
+                      <a:prstDash val="solid"/>
+                      <a:round/>
+                      <a:headEnd type="none" w="med" len="med"/>
+                      <a:tailEnd type="none" w="med" len="med"/>
+                    </a:lnL>
+                    <a:lnR w="9525" cap="flat" cmpd="sng" algn="ctr">
+                      <a:solidFill>
+                        <a:schemeClr val="bg1">
+                          <a:lumMod val="85000"/>
+                        </a:schemeClr>
+                      </a:solidFill>
+                      <a:prstDash val="solid"/>
+                      <a:round/>
+                      <a:headEnd type="none" w="med" len="med"/>
+                      <a:tailEnd type="none" w="med" len="med"/>
+                    </a:lnR>
+                    <a:lnT w="9525" cap="flat" cmpd="sng" algn="ctr">
+                      <a:solidFill>
+                        <a:schemeClr val="bg1">
+                          <a:lumMod val="85000"/>
+                        </a:schemeClr>
+                      </a:solidFill>
+                      <a:prstDash val="solid"/>
+                      <a:round/>
+                      <a:headEnd type="none" w="med" len="med"/>
+                      <a:tailEnd type="none" w="med" len="med"/>
+                    </a:lnT>
+                    <a:lnB w="9525" cap="flat" cmpd="sng" algn="ctr">
+                      <a:solidFill>
+                        <a:schemeClr val="bg1">
+                          <a:lumMod val="85000"/>
+                        </a:schemeClr>
+                      </a:solidFill>
+                      <a:prstDash val="solid"/>
+                      <a:round/>
+                      <a:headEnd type="none" w="med" len="med"/>
+                      <a:tailEnd type="none" w="med" len="med"/>
+                    </a:lnB>
+                  </a:tcPr>
+                </a:tc>
+                <a:tc>
+                  <a:txBody>
+                    <a:bodyPr/>
+                    <a:lstStyle/>
+                    <a:p>
+                      <a:pPr>
+                        <a:buNone/>
+                      </a:pPr>
+                      <a:r>
+                        <a:rPr lang="fr-FR" sz="700" b="0" dirty="0"/>
+                        <a:t>FP</a:t>
+                      </a:r>
+                    </a:p>
+                  </a:txBody>
+                  <a:tcPr anchor="ctr">
+                    <a:lnL w="9525" cap="flat" cmpd="sng" algn="ctr">
+                      <a:solidFill>
+                        <a:schemeClr val="bg1">
+                          <a:lumMod val="85000"/>
+                        </a:schemeClr>
+                      </a:solidFill>
+                      <a:prstDash val="solid"/>
+                      <a:round/>
+                      <a:headEnd type="none" w="med" len="med"/>
+                      <a:tailEnd type="none" w="med" len="med"/>
+                    </a:lnL>
+                    <a:lnR w="9525" cap="flat" cmpd="sng" algn="ctr">
+                      <a:solidFill>
+                        <a:schemeClr val="bg1">
+                          <a:lumMod val="85000"/>
+                        </a:schemeClr>
+                      </a:solidFill>
+                      <a:prstDash val="solid"/>
+                      <a:round/>
+                      <a:headEnd type="none" w="med" len="med"/>
+                      <a:tailEnd type="none" w="med" len="med"/>
+                    </a:lnR>
+                    <a:lnT w="9525" cap="flat" cmpd="sng" algn="ctr">
+                      <a:solidFill>
+                        <a:schemeClr val="bg1">
+                          <a:lumMod val="85000"/>
+                        </a:schemeClr>
+                      </a:solidFill>
+                      <a:prstDash val="solid"/>
+                      <a:round/>
+                      <a:headEnd type="none" w="med" len="med"/>
+                      <a:tailEnd type="none" w="med" len="med"/>
+                    </a:lnT>
+                    <a:lnB w="9525" cap="flat" cmpd="sng" algn="ctr">
+                      <a:solidFill>
+                        <a:schemeClr val="bg1">
+                          <a:lumMod val="85000"/>
+                        </a:schemeClr>
+                      </a:solidFill>
+                      <a:prstDash val="solid"/>
+                      <a:round/>
+                      <a:headEnd type="none" w="med" len="med"/>
+                      <a:tailEnd type="none" w="med" len="med"/>
+                    </a:lnB>
+                  </a:tcPr>
+                </a:tc>
+                <a:extLst>
+                  <a:ext uri="{0D108BD9-81ED-4DB2-BD59-A6C34878D82A}">
+                    <a16:rowId xmlns:a16="http://schemas.microsoft.com/office/drawing/2014/main" val="1904960246"/>
+                  </a:ext>
+                </a:extLst>
+              </a:tr>
+              <a:tr h="183500">
+                <a:tc>
+                  <a:txBody>
+                    <a:bodyPr/>
+                    <a:lstStyle/>
+                    <a:p>
+                      <a:pPr>
+                        <a:buNone/>
+                      </a:pPr>
+                      <a:r>
+                        <a:rPr lang="fr-FR" sz="700" b="1" dirty="0" err="1"/>
+                        <a:t>True</a:t>
+                      </a:r>
+                      <a:r>
+                        <a:rPr lang="fr-FR" sz="700" b="1" dirty="0"/>
+                        <a:t> 1</a:t>
+                      </a:r>
+                    </a:p>
+                  </a:txBody>
+                  <a:tcPr anchor="ctr">
+                    <a:lnL w="9525" cap="flat" cmpd="sng" algn="ctr">
+                      <a:solidFill>
+                        <a:schemeClr val="bg1">
+                          <a:lumMod val="85000"/>
+                        </a:schemeClr>
+                      </a:solidFill>
+                      <a:prstDash val="solid"/>
+                      <a:round/>
+                      <a:headEnd type="none" w="med" len="med"/>
+                      <a:tailEnd type="none" w="med" len="med"/>
+                    </a:lnL>
+                    <a:lnR w="9525" cap="flat" cmpd="sng" algn="ctr">
+                      <a:solidFill>
+                        <a:schemeClr val="bg1">
+                          <a:lumMod val="85000"/>
+                        </a:schemeClr>
+                      </a:solidFill>
+                      <a:prstDash val="solid"/>
+                      <a:round/>
+                      <a:headEnd type="none" w="med" len="med"/>
+                      <a:tailEnd type="none" w="med" len="med"/>
+                    </a:lnR>
+                    <a:lnT w="9525" cap="flat" cmpd="sng" algn="ctr">
+                      <a:solidFill>
+                        <a:schemeClr val="bg1">
+                          <a:lumMod val="85000"/>
+                        </a:schemeClr>
+                      </a:solidFill>
+                      <a:prstDash val="solid"/>
+                      <a:round/>
+                      <a:headEnd type="none" w="med" len="med"/>
+                      <a:tailEnd type="none" w="med" len="med"/>
+                    </a:lnT>
+                    <a:lnB w="9525" cap="flat" cmpd="sng" algn="ctr">
+                      <a:solidFill>
+                        <a:schemeClr val="bg1">
+                          <a:lumMod val="85000"/>
+                        </a:schemeClr>
+                      </a:solidFill>
+                      <a:prstDash val="solid"/>
+                      <a:round/>
+                      <a:headEnd type="none" w="med" len="med"/>
+                      <a:tailEnd type="none" w="med" len="med"/>
+                    </a:lnB>
+                  </a:tcPr>
+                </a:tc>
+                <a:tc>
+                  <a:txBody>
+                    <a:bodyPr/>
+                    <a:lstStyle/>
+                    <a:p>
+                      <a:pPr>
+                        <a:buNone/>
+                      </a:pPr>
+                      <a:r>
+                        <a:rPr lang="fr-FR" sz="700" b="0" dirty="0"/>
+                        <a:t>FN</a:t>
+                      </a:r>
+                    </a:p>
+                  </a:txBody>
+                  <a:tcPr anchor="ctr">
+                    <a:lnL w="9525" cap="flat" cmpd="sng" algn="ctr">
+                      <a:solidFill>
+                        <a:schemeClr val="bg1">
+                          <a:lumMod val="85000"/>
+                        </a:schemeClr>
+                      </a:solidFill>
+                      <a:prstDash val="solid"/>
+                      <a:round/>
+                      <a:headEnd type="none" w="med" len="med"/>
+                      <a:tailEnd type="none" w="med" len="med"/>
+                    </a:lnL>
+                    <a:lnR w="9525" cap="flat" cmpd="sng" algn="ctr">
+                      <a:solidFill>
+                        <a:schemeClr val="bg1">
+                          <a:lumMod val="85000"/>
+                        </a:schemeClr>
+                      </a:solidFill>
+                      <a:prstDash val="solid"/>
+                      <a:round/>
+                      <a:headEnd type="none" w="med" len="med"/>
+                      <a:tailEnd type="none" w="med" len="med"/>
+                    </a:lnR>
+                    <a:lnT w="9525" cap="flat" cmpd="sng" algn="ctr">
+                      <a:solidFill>
+                        <a:schemeClr val="bg1">
+                          <a:lumMod val="85000"/>
+                        </a:schemeClr>
+                      </a:solidFill>
+                      <a:prstDash val="solid"/>
+                      <a:round/>
+                      <a:headEnd type="none" w="med" len="med"/>
+                      <a:tailEnd type="none" w="med" len="med"/>
+                    </a:lnT>
+                    <a:lnB w="9525" cap="flat" cmpd="sng" algn="ctr">
+                      <a:solidFill>
+                        <a:schemeClr val="bg1">
+                          <a:lumMod val="85000"/>
+                        </a:schemeClr>
+                      </a:solidFill>
+                      <a:prstDash val="solid"/>
+                      <a:round/>
+                      <a:headEnd type="none" w="med" len="med"/>
+                      <a:tailEnd type="none" w="med" len="med"/>
+                    </a:lnB>
+                  </a:tcPr>
+                </a:tc>
+                <a:tc>
+                  <a:txBody>
+                    <a:bodyPr/>
+                    <a:lstStyle/>
+                    <a:p>
+                      <a:pPr>
+                        <a:buNone/>
+                      </a:pPr>
+                      <a:r>
+                        <a:rPr lang="fr-FR" sz="700" b="0" dirty="0"/>
+                        <a:t>TP</a:t>
+                      </a:r>
+                    </a:p>
+                  </a:txBody>
+                  <a:tcPr anchor="ctr">
+                    <a:lnL w="9525" cap="flat" cmpd="sng" algn="ctr">
+                      <a:solidFill>
+                        <a:schemeClr val="bg1">
+                          <a:lumMod val="85000"/>
+                        </a:schemeClr>
+                      </a:solidFill>
+                      <a:prstDash val="solid"/>
+                      <a:round/>
+                      <a:headEnd type="none" w="med" len="med"/>
+                      <a:tailEnd type="none" w="med" len="med"/>
+                    </a:lnL>
+                    <a:lnR w="9525" cap="flat" cmpd="sng" algn="ctr">
+                      <a:solidFill>
+                        <a:schemeClr val="bg1">
+                          <a:lumMod val="85000"/>
+                        </a:schemeClr>
+                      </a:solidFill>
+                      <a:prstDash val="solid"/>
+                      <a:round/>
+                      <a:headEnd type="none" w="med" len="med"/>
+                      <a:tailEnd type="none" w="med" len="med"/>
+                    </a:lnR>
+                    <a:lnT w="9525" cap="flat" cmpd="sng" algn="ctr">
+                      <a:solidFill>
+                        <a:schemeClr val="bg1">
+                          <a:lumMod val="85000"/>
+                        </a:schemeClr>
+                      </a:solidFill>
+                      <a:prstDash val="solid"/>
+                      <a:round/>
+                      <a:headEnd type="none" w="med" len="med"/>
+                      <a:tailEnd type="none" w="med" len="med"/>
+                    </a:lnT>
+                    <a:lnB w="9525" cap="flat" cmpd="sng" algn="ctr">
+                      <a:solidFill>
+                        <a:schemeClr val="bg1">
+                          <a:lumMod val="85000"/>
+                        </a:schemeClr>
+                      </a:solidFill>
+                      <a:prstDash val="solid"/>
+                      <a:round/>
+                      <a:headEnd type="none" w="med" len="med"/>
+                      <a:tailEnd type="none" w="med" len="med"/>
+                    </a:lnB>
+                  </a:tcPr>
+                </a:tc>
+                <a:extLst>
+                  <a:ext uri="{0D108BD9-81ED-4DB2-BD59-A6C34878D82A}">
+                    <a16:rowId xmlns:a16="http://schemas.microsoft.com/office/drawing/2014/main" val="1737595691"/>
+                  </a:ext>
+                </a:extLst>
+              </a:tr>
+            </a:tbl>
+          </a:graphicData>
+        </a:graphic>
+      </p:graphicFrame>
     </p:spTree>
     <p:extLst>
       <p:ext uri="{BB962C8B-B14F-4D97-AF65-F5344CB8AC3E}">

--- a/présentation/Bloc_04_Projet_ATnT.pptx
+++ b/présentation/Bloc_04_Projet_ATnT.pptx
@@ -278,7 +278,7 @@
 <file path=ppt/revisionInfo.xml><?xml version="1.0" encoding="utf-8"?>
 <p1510:revInfo xmlns:a="http://schemas.openxmlformats.org/drawingml/2006/main" xmlns:r="http://schemas.openxmlformats.org/officeDocument/2006/relationships" xmlns:p1510="http://schemas.microsoft.com/office/powerpoint/2015/10/main">
   <p1510:revLst>
-    <p1510:client id="{0BA7E554-25ED-48BF-A045-72BA8DE0142F}" v="197" dt="2026-02-15T12:02:02.417"/>
+    <p1510:client id="{0BA7E554-25ED-48BF-A045-72BA8DE0142F}" v="214" dt="2026-02-17T07:58:27.176"/>
   </p1510:revLst>
 </p1510:revInfo>
 </file>
@@ -288,7 +288,7 @@
   <pc:docChgLst>
     <pc:chgData name="Jean-Yves Vuillequez" userId="e7fac481abea6bd0" providerId="LiveId" clId="{79E365E8-22BC-4EC2-9606-9A9AC6CD1D22}"/>
     <pc:docChg chg="undo custSel addSld delSld modSld sldOrd addMainMaster delMainMaster">
-      <pc:chgData name="Jean-Yves Vuillequez" userId="e7fac481abea6bd0" providerId="LiveId" clId="{79E365E8-22BC-4EC2-9606-9A9AC6CD1D22}" dt="2026-02-15T12:02:16.834" v="1458" actId="20577"/>
+      <pc:chgData name="Jean-Yves Vuillequez" userId="e7fac481abea6bd0" providerId="LiveId" clId="{79E365E8-22BC-4EC2-9606-9A9AC6CD1D22}" dt="2026-02-17T07:58:27.176" v="1475"/>
       <pc:docMkLst>
         <pc:docMk/>
       </pc:docMkLst>
@@ -362,13 +362,6 @@
           </ac:picMkLst>
         </pc:picChg>
       </pc:sldChg>
-      <pc:sldChg chg="add del">
-        <pc:chgData name="Jean-Yves Vuillequez" userId="e7fac481abea6bd0" providerId="LiveId" clId="{79E365E8-22BC-4EC2-9606-9A9AC6CD1D22}" dt="2026-01-16T10:47:03.962" v="33" actId="47"/>
-        <pc:sldMkLst>
-          <pc:docMk/>
-          <pc:sldMk cId="0" sldId="271"/>
-        </pc:sldMkLst>
-      </pc:sldChg>
       <pc:sldChg chg="modSp add del mod">
         <pc:chgData name="Jean-Yves Vuillequez" userId="e7fac481abea6bd0" providerId="LiveId" clId="{79E365E8-22BC-4EC2-9606-9A9AC6CD1D22}" dt="2026-02-15T11:22:38.208" v="1305" actId="20577"/>
         <pc:sldMkLst>
@@ -392,8 +385,8 @@
           </ac:spMkLst>
         </pc:spChg>
       </pc:sldChg>
-      <pc:sldChg chg="addSp modSp add modNotesTx">
-        <pc:chgData name="Jean-Yves Vuillequez" userId="e7fac481abea6bd0" providerId="LiveId" clId="{79E365E8-22BC-4EC2-9606-9A9AC6CD1D22}" dt="2026-02-15T11:00:40.273" v="1220" actId="20577"/>
+      <pc:sldChg chg="addSp modSp add modAnim modNotesTx">
+        <pc:chgData name="Jean-Yves Vuillequez" userId="e7fac481abea6bd0" providerId="LiveId" clId="{79E365E8-22BC-4EC2-9606-9A9AC6CD1D22}" dt="2026-02-17T07:58:27.176" v="1475"/>
         <pc:sldMkLst>
           <pc:docMk/>
           <pc:sldMk cId="0" sldId="273"/>
@@ -431,7 +424,7 @@
           </ac:spMkLst>
         </pc:spChg>
         <pc:spChg chg="mod">
-          <ac:chgData name="Jean-Yves Vuillequez" userId="e7fac481abea6bd0" providerId="LiveId" clId="{79E365E8-22BC-4EC2-9606-9A9AC6CD1D22}" dt="2026-02-10T07:57:19.431" v="192" actId="20577"/>
+          <ac:chgData name="Jean-Yves Vuillequez" userId="e7fac481abea6bd0" providerId="LiveId" clId="{79E365E8-22BC-4EC2-9606-9A9AC6CD1D22}" dt="2026-02-17T07:50:16.671" v="1459" actId="20577"/>
           <ac:spMkLst>
             <pc:docMk/>
             <pc:sldMk cId="0" sldId="273"/>
@@ -618,22 +611,6 @@
             <ac:graphicFrameMk id="3" creationId="{F4E95566-8BFE-5A11-1F62-D43BF86E879E}"/>
           </ac:graphicFrameMkLst>
         </pc:graphicFrameChg>
-        <pc:picChg chg="add del mod">
-          <ac:chgData name="Jean-Yves Vuillequez" userId="e7fac481abea6bd0" providerId="LiveId" clId="{79E365E8-22BC-4EC2-9606-9A9AC6CD1D22}" dt="2026-02-15T11:58:44.396" v="1427" actId="21"/>
-          <ac:picMkLst>
-            <pc:docMk/>
-            <pc:sldMk cId="1922370420" sldId="278"/>
-            <ac:picMk id="6" creationId="{50E2FA7C-3F5F-A3EB-E52F-32E48B49D13C}"/>
-          </ac:picMkLst>
-        </pc:picChg>
-        <pc:picChg chg="del mod">
-          <ac:chgData name="Jean-Yves Vuillequez" userId="e7fac481abea6bd0" providerId="LiveId" clId="{79E365E8-22BC-4EC2-9606-9A9AC6CD1D22}" dt="2026-02-15T11:58:45.395" v="1428" actId="478"/>
-          <ac:picMkLst>
-            <pc:docMk/>
-            <pc:sldMk cId="1922370420" sldId="278"/>
-            <ac:picMk id="7" creationId="{5C5B1327-0FCD-ABCC-91B5-AACECD6F9B13}"/>
-          </ac:picMkLst>
-        </pc:picChg>
         <pc:picChg chg="add mod">
           <ac:chgData name="Jean-Yves Vuillequez" userId="e7fac481abea6bd0" providerId="LiveId" clId="{79E365E8-22BC-4EC2-9606-9A9AC6CD1D22}" dt="2026-02-15T11:58:52.456" v="1430" actId="108"/>
           <ac:picMkLst>
@@ -682,101 +659,6 @@
           </ac:picMkLst>
         </pc:picChg>
       </pc:sldChg>
-      <pc:sldMasterChg chg="add del addSldLayout delSldLayout">
-        <pc:chgData name="Jean-Yves Vuillequez" userId="e7fac481abea6bd0" providerId="LiveId" clId="{79E365E8-22BC-4EC2-9606-9A9AC6CD1D22}" dt="2026-01-16T10:47:03.962" v="33" actId="47"/>
-        <pc:sldMasterMkLst>
-          <pc:docMk/>
-          <pc:sldMasterMk cId="604091050" sldId="2147483660"/>
-        </pc:sldMasterMkLst>
-        <pc:sldLayoutChg chg="add del">
-          <pc:chgData name="Jean-Yves Vuillequez" userId="e7fac481abea6bd0" providerId="LiveId" clId="{79E365E8-22BC-4EC2-9606-9A9AC6CD1D22}" dt="2026-01-16T10:47:03.962" v="33" actId="47"/>
-          <pc:sldLayoutMkLst>
-            <pc:docMk/>
-            <pc:sldMasterMk cId="604091050" sldId="2147483660"/>
-            <pc:sldLayoutMk cId="1669328441" sldId="2147483661"/>
-          </pc:sldLayoutMkLst>
-        </pc:sldLayoutChg>
-        <pc:sldLayoutChg chg="add del">
-          <pc:chgData name="Jean-Yves Vuillequez" userId="e7fac481abea6bd0" providerId="LiveId" clId="{79E365E8-22BC-4EC2-9606-9A9AC6CD1D22}" dt="2026-01-16T10:47:03.962" v="33" actId="47"/>
-          <pc:sldLayoutMkLst>
-            <pc:docMk/>
-            <pc:sldMasterMk cId="604091050" sldId="2147483660"/>
-            <pc:sldLayoutMk cId="1628572972" sldId="2147483662"/>
-          </pc:sldLayoutMkLst>
-        </pc:sldLayoutChg>
-        <pc:sldLayoutChg chg="add del">
-          <pc:chgData name="Jean-Yves Vuillequez" userId="e7fac481abea6bd0" providerId="LiveId" clId="{79E365E8-22BC-4EC2-9606-9A9AC6CD1D22}" dt="2026-01-16T10:47:03.962" v="33" actId="47"/>
-          <pc:sldLayoutMkLst>
-            <pc:docMk/>
-            <pc:sldMasterMk cId="604091050" sldId="2147483660"/>
-            <pc:sldLayoutMk cId="2738534442" sldId="2147483663"/>
-          </pc:sldLayoutMkLst>
-        </pc:sldLayoutChg>
-        <pc:sldLayoutChg chg="add del">
-          <pc:chgData name="Jean-Yves Vuillequez" userId="e7fac481abea6bd0" providerId="LiveId" clId="{79E365E8-22BC-4EC2-9606-9A9AC6CD1D22}" dt="2026-01-16T10:47:03.962" v="33" actId="47"/>
-          <pc:sldLayoutMkLst>
-            <pc:docMk/>
-            <pc:sldMasterMk cId="604091050" sldId="2147483660"/>
-            <pc:sldLayoutMk cId="2962870219" sldId="2147483664"/>
-          </pc:sldLayoutMkLst>
-        </pc:sldLayoutChg>
-        <pc:sldLayoutChg chg="add del">
-          <pc:chgData name="Jean-Yves Vuillequez" userId="e7fac481abea6bd0" providerId="LiveId" clId="{79E365E8-22BC-4EC2-9606-9A9AC6CD1D22}" dt="2026-01-16T10:47:03.962" v="33" actId="47"/>
-          <pc:sldLayoutMkLst>
-            <pc:docMk/>
-            <pc:sldMasterMk cId="604091050" sldId="2147483660"/>
-            <pc:sldLayoutMk cId="3254902670" sldId="2147483665"/>
-          </pc:sldLayoutMkLst>
-        </pc:sldLayoutChg>
-        <pc:sldLayoutChg chg="add del">
-          <pc:chgData name="Jean-Yves Vuillequez" userId="e7fac481abea6bd0" providerId="LiveId" clId="{79E365E8-22BC-4EC2-9606-9A9AC6CD1D22}" dt="2026-01-16T10:47:03.962" v="33" actId="47"/>
-          <pc:sldLayoutMkLst>
-            <pc:docMk/>
-            <pc:sldMasterMk cId="604091050" sldId="2147483660"/>
-            <pc:sldLayoutMk cId="2825252853" sldId="2147483666"/>
-          </pc:sldLayoutMkLst>
-        </pc:sldLayoutChg>
-        <pc:sldLayoutChg chg="add del">
-          <pc:chgData name="Jean-Yves Vuillequez" userId="e7fac481abea6bd0" providerId="LiveId" clId="{79E365E8-22BC-4EC2-9606-9A9AC6CD1D22}" dt="2026-01-16T10:47:03.962" v="33" actId="47"/>
-          <pc:sldLayoutMkLst>
-            <pc:docMk/>
-            <pc:sldMasterMk cId="604091050" sldId="2147483660"/>
-            <pc:sldLayoutMk cId="3934262042" sldId="2147483667"/>
-          </pc:sldLayoutMkLst>
-        </pc:sldLayoutChg>
-        <pc:sldLayoutChg chg="add del">
-          <pc:chgData name="Jean-Yves Vuillequez" userId="e7fac481abea6bd0" providerId="LiveId" clId="{79E365E8-22BC-4EC2-9606-9A9AC6CD1D22}" dt="2026-01-16T10:47:03.962" v="33" actId="47"/>
-          <pc:sldLayoutMkLst>
-            <pc:docMk/>
-            <pc:sldMasterMk cId="604091050" sldId="2147483660"/>
-            <pc:sldLayoutMk cId="1499876969" sldId="2147483668"/>
-          </pc:sldLayoutMkLst>
-        </pc:sldLayoutChg>
-        <pc:sldLayoutChg chg="add del">
-          <pc:chgData name="Jean-Yves Vuillequez" userId="e7fac481abea6bd0" providerId="LiveId" clId="{79E365E8-22BC-4EC2-9606-9A9AC6CD1D22}" dt="2026-01-16T10:47:03.962" v="33" actId="47"/>
-          <pc:sldLayoutMkLst>
-            <pc:docMk/>
-            <pc:sldMasterMk cId="604091050" sldId="2147483660"/>
-            <pc:sldLayoutMk cId="3012943028" sldId="2147483669"/>
-          </pc:sldLayoutMkLst>
-        </pc:sldLayoutChg>
-        <pc:sldLayoutChg chg="add del">
-          <pc:chgData name="Jean-Yves Vuillequez" userId="e7fac481abea6bd0" providerId="LiveId" clId="{79E365E8-22BC-4EC2-9606-9A9AC6CD1D22}" dt="2026-01-16T10:47:03.962" v="33" actId="47"/>
-          <pc:sldLayoutMkLst>
-            <pc:docMk/>
-            <pc:sldMasterMk cId="604091050" sldId="2147483660"/>
-            <pc:sldLayoutMk cId="4176234486" sldId="2147483670"/>
-          </pc:sldLayoutMkLst>
-        </pc:sldLayoutChg>
-        <pc:sldLayoutChg chg="add del">
-          <pc:chgData name="Jean-Yves Vuillequez" userId="e7fac481abea6bd0" providerId="LiveId" clId="{79E365E8-22BC-4EC2-9606-9A9AC6CD1D22}" dt="2026-01-16T10:47:03.962" v="33" actId="47"/>
-          <pc:sldLayoutMkLst>
-            <pc:docMk/>
-            <pc:sldMasterMk cId="604091050" sldId="2147483660"/>
-            <pc:sldLayoutMk cId="3598435996" sldId="2147483671"/>
-          </pc:sldLayoutMkLst>
-        </pc:sldLayoutChg>
-      </pc:sldMasterChg>
     </pc:docChg>
   </pc:docChgLst>
 </pc:chgInfo>
@@ -17973,7 +17855,7 @@
                 <a:ea typeface="MS PGothic" pitchFamily="34" charset="-128"/>
                 <a:cs typeface="Arial" panose="020B0604020202020204" pitchFamily="34" charset="0"/>
               </a:rPr>
-              <a:t> ML interprétable)</a:t>
+              <a:t> ML)</a:t>
             </a:r>
           </a:p>
           <a:p>
@@ -18856,7 +18738,7 @@
                                           </p:stCondLst>
                                         </p:cTn>
                                         <p:tgtEl>
-                                          <p:spTgt spid="15"/>
+                                          <p:spTgt spid="4"/>
                                         </p:tgtEl>
                                         <p:attrNameLst>
                                           <p:attrName>style.visibility</p:attrName>
@@ -18883,7 +18765,7 @@
                                           </p:stCondLst>
                                         </p:cTn>
                                         <p:tgtEl>
-                                          <p:spTgt spid="4"/>
+                                          <p:spTgt spid="15"/>
                                         </p:tgtEl>
                                         <p:attrNameLst>
                                           <p:attrName>style.visibility</p:attrName>
@@ -18928,7 +18810,7 @@
                                           </p:stCondLst>
                                         </p:cTn>
                                         <p:tgtEl>
-                                          <p:spTgt spid="16"/>
+                                          <p:spTgt spid="5"/>
                                         </p:tgtEl>
                                         <p:attrNameLst>
                                           <p:attrName>style.visibility</p:attrName>
@@ -18942,7 +18824,7 @@
                                 </p:cTn>
                               </p:par>
                               <p:par>
-                                <p:cTn id="19" presetID="1" presetClass="entr" presetSubtype="0" fill="hold" grpId="0" nodeType="withEffect">
+                                <p:cTn id="19" presetID="1" presetClass="entr" presetSubtype="0" fill="hold" nodeType="withEffect">
                                   <p:stCondLst>
                                     <p:cond delay="0"/>
                                   </p:stCondLst>
@@ -18955,7 +18837,34 @@
                                           </p:stCondLst>
                                         </p:cTn>
                                         <p:tgtEl>
-                                          <p:spTgt spid="5"/>
+                                          <p:spTgt spid="13"/>
+                                        </p:tgtEl>
+                                        <p:attrNameLst>
+                                          <p:attrName>style.visibility</p:attrName>
+                                        </p:attrNameLst>
+                                      </p:cBhvr>
+                                      <p:to>
+                                        <p:strVal val="visible"/>
+                                      </p:to>
+                                    </p:set>
+                                  </p:childTnLst>
+                                </p:cTn>
+                              </p:par>
+                              <p:par>
+                                <p:cTn id="21" presetID="1" presetClass="entr" presetSubtype="0" fill="hold" grpId="0" nodeType="withEffect">
+                                  <p:stCondLst>
+                                    <p:cond delay="0"/>
+                                  </p:stCondLst>
+                                  <p:childTnLst>
+                                    <p:set>
+                                      <p:cBhvr>
+                                        <p:cTn id="22" dur="1" fill="hold">
+                                          <p:stCondLst>
+                                            <p:cond delay="0"/>
+                                          </p:stCondLst>
+                                        </p:cTn>
+                                        <p:tgtEl>
+                                          <p:spTgt spid="16"/>
                                         </p:tgtEl>
                                         <p:attrNameLst>
                                           <p:attrName>style.visibility</p:attrName>
@@ -18975,26 +18884,26 @@
                     </p:cTn>
                   </p:par>
                   <p:par>
-                    <p:cTn id="21" fill="hold">
+                    <p:cTn id="23" fill="hold">
                       <p:stCondLst>
                         <p:cond delay="indefinite"/>
                       </p:stCondLst>
                       <p:childTnLst>
                         <p:par>
-                          <p:cTn id="22" fill="hold">
+                          <p:cTn id="24" fill="hold">
                             <p:stCondLst>
                               <p:cond delay="0"/>
                             </p:stCondLst>
                             <p:childTnLst>
                               <p:par>
-                                <p:cTn id="23" presetID="1" presetClass="entr" presetSubtype="0" fill="hold" grpId="0" nodeType="clickEffect">
+                                <p:cTn id="25" presetID="1" presetClass="entr" presetSubtype="0" fill="hold" grpId="0" nodeType="clickEffect">
                                   <p:stCondLst>
                                     <p:cond delay="0"/>
                                   </p:stCondLst>
                                   <p:childTnLst>
                                     <p:set>
                                       <p:cBhvr>
-                                        <p:cTn id="24" dur="1" fill="hold">
+                                        <p:cTn id="26" dur="1" fill="hold">
                                           <p:stCondLst>
                                             <p:cond delay="0"/>
                                           </p:stCondLst>
@@ -19014,14 +18923,14 @@
                                 </p:cTn>
                               </p:par>
                               <p:par>
-                                <p:cTn id="25" presetID="1" presetClass="entr" presetSubtype="0" fill="hold" grpId="0" nodeType="withEffect">
+                                <p:cTn id="27" presetID="1" presetClass="entr" presetSubtype="0" fill="hold" grpId="0" nodeType="withEffect">
                                   <p:stCondLst>
                                     <p:cond delay="0"/>
                                   </p:stCondLst>
                                   <p:childTnLst>
                                     <p:set>
                                       <p:cBhvr>
-                                        <p:cTn id="26" dur="1" fill="hold">
+                                        <p:cTn id="28" dur="1" fill="hold">
                                           <p:stCondLst>
                                             <p:cond delay="0"/>
                                           </p:stCondLst>
@@ -19047,71 +18956,26 @@
                     </p:cTn>
                   </p:par>
                   <p:par>
-                    <p:cTn id="27" fill="hold">
+                    <p:cTn id="29" fill="hold">
                       <p:stCondLst>
                         <p:cond delay="indefinite"/>
                       </p:stCondLst>
                       <p:childTnLst>
                         <p:par>
-                          <p:cTn id="28" fill="hold">
+                          <p:cTn id="30" fill="hold">
                             <p:stCondLst>
                               <p:cond delay="0"/>
                             </p:stCondLst>
                             <p:childTnLst>
                               <p:par>
-                                <p:cTn id="29" presetID="1" presetClass="entr" presetSubtype="0" fill="hold" nodeType="clickEffect">
+                                <p:cTn id="31" presetID="1" presetClass="entr" presetSubtype="0" fill="hold" grpId="0" nodeType="clickEffect">
                                   <p:stCondLst>
                                     <p:cond delay="0"/>
                                   </p:stCondLst>
                                   <p:childTnLst>
                                     <p:set>
                                       <p:cBhvr>
-                                        <p:cTn id="30" dur="1" fill="hold">
-                                          <p:stCondLst>
-                                            <p:cond delay="0"/>
-                                          </p:stCondLst>
-                                        </p:cTn>
-                                        <p:tgtEl>
-                                          <p:spTgt spid="13"/>
-                                        </p:tgtEl>
-                                        <p:attrNameLst>
-                                          <p:attrName>style.visibility</p:attrName>
-                                        </p:attrNameLst>
-                                      </p:cBhvr>
-                                      <p:to>
-                                        <p:strVal val="visible"/>
-                                      </p:to>
-                                    </p:set>
-                                  </p:childTnLst>
-                                </p:cTn>
-                              </p:par>
-                            </p:childTnLst>
-                          </p:cTn>
-                        </p:par>
-                      </p:childTnLst>
-                    </p:cTn>
-                  </p:par>
-                  <p:par>
-                    <p:cTn id="31" fill="hold">
-                      <p:stCondLst>
-                        <p:cond delay="indefinite"/>
-                      </p:stCondLst>
-                      <p:childTnLst>
-                        <p:par>
-                          <p:cTn id="32" fill="hold">
-                            <p:stCondLst>
-                              <p:cond delay="0"/>
-                            </p:stCondLst>
-                            <p:childTnLst>
-                              <p:par>
-                                <p:cTn id="33" presetID="1" presetClass="entr" presetSubtype="0" fill="hold" grpId="0" nodeType="clickEffect">
-                                  <p:stCondLst>
-                                    <p:cond delay="0"/>
-                                  </p:stCondLst>
-                                  <p:childTnLst>
-                                    <p:set>
-                                      <p:cBhvr>
-                                        <p:cTn id="34" dur="1" fill="hold">
+                                        <p:cTn id="32" dur="1" fill="hold">
                                           <p:stCondLst>
                                             <p:cond delay="0"/>
                                           </p:stCondLst>
@@ -19131,14 +18995,14 @@
                                 </p:cTn>
                               </p:par>
                               <p:par>
-                                <p:cTn id="35" presetID="1" presetClass="entr" presetSubtype="0" fill="hold" grpId="0" nodeType="withEffect">
+                                <p:cTn id="33" presetID="1" presetClass="entr" presetSubtype="0" fill="hold" grpId="0" nodeType="withEffect">
                                   <p:stCondLst>
                                     <p:cond delay="0"/>
                                   </p:stCondLst>
                                   <p:childTnLst>
                                     <p:set>
                                       <p:cBhvr>
-                                        <p:cTn id="36" dur="1" fill="hold">
+                                        <p:cTn id="34" dur="1" fill="hold">
                                           <p:stCondLst>
                                             <p:cond delay="0"/>
                                           </p:stCondLst>

--- a/présentation/Bloc_04_Projet_ATnT.pptx
+++ b/présentation/Bloc_04_Projet_ATnT.pptx
@@ -278,7 +278,7 @@
 <file path=ppt/revisionInfo.xml><?xml version="1.0" encoding="utf-8"?>
 <p1510:revInfo xmlns:a="http://schemas.openxmlformats.org/drawingml/2006/main" xmlns:r="http://schemas.openxmlformats.org/officeDocument/2006/relationships" xmlns:p1510="http://schemas.microsoft.com/office/powerpoint/2015/10/main">
   <p1510:revLst>
-    <p1510:client id="{0BA7E554-25ED-48BF-A045-72BA8DE0142F}" v="214" dt="2026-02-17T07:58:27.176"/>
+    <p1510:client id="{0BA7E554-25ED-48BF-A045-72BA8DE0142F}" v="223" dt="2026-02-17T13:57:18.170"/>
   </p1510:revLst>
 </p1510:revInfo>
 </file>
@@ -288,7 +288,7 @@
   <pc:docChgLst>
     <pc:chgData name="Jean-Yves Vuillequez" userId="e7fac481abea6bd0" providerId="LiveId" clId="{79E365E8-22BC-4EC2-9606-9A9AC6CD1D22}"/>
     <pc:docChg chg="undo custSel addSld delSld modSld sldOrd addMainMaster delMainMaster">
-      <pc:chgData name="Jean-Yves Vuillequez" userId="e7fac481abea6bd0" providerId="LiveId" clId="{79E365E8-22BC-4EC2-9606-9A9AC6CD1D22}" dt="2026-02-17T07:58:27.176" v="1475"/>
+      <pc:chgData name="Jean-Yves Vuillequez" userId="e7fac481abea6bd0" providerId="LiveId" clId="{79E365E8-22BC-4EC2-9606-9A9AC6CD1D22}" dt="2026-02-17T14:05:01.528" v="1543" actId="20577"/>
       <pc:docMkLst>
         <pc:docMk/>
       </pc:docMkLst>
@@ -480,7 +480,7 @@
         </pc:spChg>
       </pc:sldChg>
       <pc:sldChg chg="addSp delSp modSp add mod modNotesTx">
-        <pc:chgData name="Jean-Yves Vuillequez" userId="e7fac481abea6bd0" providerId="LiveId" clId="{79E365E8-22BC-4EC2-9606-9A9AC6CD1D22}" dt="2026-02-15T11:59:34.367" v="1432" actId="207"/>
+        <pc:chgData name="Jean-Yves Vuillequez" userId="e7fac481abea6bd0" providerId="LiveId" clId="{79E365E8-22BC-4EC2-9606-9A9AC6CD1D22}" dt="2026-02-17T13:23:41.026" v="1490" actId="20577"/>
         <pc:sldMkLst>
           <pc:docMk/>
           <pc:sldMk cId="2166643445" sldId="276"/>
@@ -581,8 +581,8 @@
           </ac:picMkLst>
         </pc:picChg>
       </pc:sldChg>
-      <pc:sldChg chg="addSp delSp modSp add mod ord setBg">
-        <pc:chgData name="Jean-Yves Vuillequez" userId="e7fac481abea6bd0" providerId="LiveId" clId="{79E365E8-22BC-4EC2-9606-9A9AC6CD1D22}" dt="2026-02-15T12:02:16.834" v="1458" actId="20577"/>
+      <pc:sldChg chg="addSp delSp modSp add mod ord setBg modNotesTx">
+        <pc:chgData name="Jean-Yves Vuillequez" userId="e7fac481abea6bd0" providerId="LiveId" clId="{79E365E8-22BC-4EC2-9606-9A9AC6CD1D22}" dt="2026-02-17T14:05:01.528" v="1543" actId="20577"/>
         <pc:sldMkLst>
           <pc:docMk/>
           <pc:sldMk cId="1922370420" sldId="278"/>
@@ -620,8 +620,8 @@
           </ac:picMkLst>
         </pc:picChg>
       </pc:sldChg>
-      <pc:sldChg chg="addSp delSp modSp add mod setBg">
-        <pc:chgData name="Jean-Yves Vuillequez" userId="e7fac481abea6bd0" providerId="LiveId" clId="{79E365E8-22BC-4EC2-9606-9A9AC6CD1D22}" dt="2026-02-15T11:52:21.599" v="1418"/>
+      <pc:sldChg chg="addSp delSp modSp add mod setBg modNotesTx">
+        <pc:chgData name="Jean-Yves Vuillequez" userId="e7fac481abea6bd0" providerId="LiveId" clId="{79E365E8-22BC-4EC2-9606-9A9AC6CD1D22}" dt="2026-02-17T13:33:58.162" v="1533" actId="20577"/>
         <pc:sldMkLst>
           <pc:docMk/>
           <pc:sldMk cId="2338964080" sldId="279"/>
@@ -2149,6 +2149,15 @@
             </a:r>
           </a:p>
           <a:p>
+            <a:pPr marL="158750" indent="0">
+              <a:buNone/>
+            </a:pPr>
+            <a:r>
+              <a:rPr lang="fr-FR" dirty="0"/>
+              <a:t>Le CNN repère des expressions clés dans le texte et s’en sert pour décider si c’est du spam.</a:t>
+            </a:r>
+          </a:p>
+          <a:p>
             <a:pPr marL="0" lvl="0" indent="0" algn="l" rtl="0">
               <a:spcBef>
                 <a:spcPts val="0"/>
@@ -2193,6 +2202,21 @@
             <a:r>
               <a:rPr lang="fr-FR" dirty="0"/>
               <a:t>, en gardant une mémoire de ce qui précède (contexte sémantique)</a:t>
+            </a:r>
+          </a:p>
+          <a:p>
+            <a:pPr marL="0" lvl="0" indent="0" algn="l" rtl="0">
+              <a:spcBef>
+                <a:spcPts val="0"/>
+              </a:spcBef>
+              <a:spcAft>
+                <a:spcPts val="0"/>
+              </a:spcAft>
+              <a:buNone/>
+            </a:pPr>
+            <a:r>
+              <a:rPr lang="fr-FR" dirty="0"/>
+              <a:t>Le RNN lit le message dans l’ordre et retient le contexte pour décider si c’est du spam.</a:t>
             </a:r>
           </a:p>
           <a:p>
@@ -2258,6 +2282,27 @@
             <a:r>
               <a:rPr lang="fr-FR" dirty="0"/>
               <a:t>Il gère les subtilités (ex : “not free” vs “free”)</a:t>
+            </a:r>
+          </a:p>
+          <a:p>
+            <a:pPr marL="158750" indent="0">
+              <a:buFont typeface="Arial" panose="020B0604020202020204" pitchFamily="34" charset="0"/>
+              <a:buNone/>
+            </a:pPr>
+            <a:endParaRPr lang="fr-FR" dirty="0"/>
+          </a:p>
+          <a:p>
+            <a:pPr marL="158750" indent="0">
+              <a:buFont typeface="Arial" panose="020B0604020202020204" pitchFamily="34" charset="0"/>
+              <a:buNone/>
+            </a:pPr>
+            <a:r>
+              <a:rPr lang="fr-FR" dirty="0" err="1"/>
+              <a:t>DistilBERT</a:t>
+            </a:r>
+            <a:r>
+              <a:rPr lang="fr-FR" dirty="0"/>
+              <a:t> comprend le sens complet du message grâce au contexte global, ce qui améliore fortement la détection.</a:t>
             </a:r>
           </a:p>
           <a:p>
@@ -2439,7 +2484,151 @@
               </a:spcAft>
               <a:buNone/>
             </a:pPr>
-            <a:endParaRPr dirty="0"/>
+            <a:r>
+              <a:rPr lang="fr-FR" dirty="0"/>
+              <a:t>Que privilégier ?</a:t>
+            </a:r>
+          </a:p>
+          <a:p>
+            <a:r>
+              <a:rPr lang="fr-FR" dirty="0"/>
+              <a:t>FN = </a:t>
+            </a:r>
+            <a:r>
+              <a:rPr lang="fr-FR" i="1" dirty="0"/>
+              <a:t>Spam classé comme </a:t>
+            </a:r>
+            <a:r>
+              <a:rPr lang="fr-FR" i="1" dirty="0" err="1"/>
+              <a:t>ham</a:t>
+            </a:r>
+            <a:endParaRPr lang="fr-FR" dirty="0"/>
+          </a:p>
+          <a:p>
+            <a:r>
+              <a:rPr lang="fr-FR" dirty="0"/>
+              <a:t>Donc un message dangereux passe à travers le filtre.</a:t>
+            </a:r>
+          </a:p>
+          <a:p>
+            <a:endParaRPr lang="fr-FR" dirty="0"/>
+          </a:p>
+          <a:p>
+            <a:r>
+              <a:rPr lang="fr-FR" dirty="0"/>
+              <a:t>FP = </a:t>
+            </a:r>
+            <a:r>
+              <a:rPr lang="fr-FR" i="1" dirty="0"/>
+              <a:t>Ham classé comme spam</a:t>
+            </a:r>
+            <a:endParaRPr lang="fr-FR" dirty="0"/>
+          </a:p>
+          <a:p>
+            <a:r>
+              <a:rPr lang="fr-FR" dirty="0"/>
+              <a:t>Donc un message légitime est bloqué.</a:t>
+            </a:r>
+          </a:p>
+          <a:p>
+            <a:pPr marL="0" lvl="0" indent="0" algn="l" rtl="0">
+              <a:spcBef>
+                <a:spcPts val="0"/>
+              </a:spcBef>
+              <a:spcAft>
+                <a:spcPts val="0"/>
+              </a:spcAft>
+              <a:buNone/>
+            </a:pPr>
+            <a:endParaRPr lang="fr-FR" dirty="0"/>
+          </a:p>
+          <a:p>
+            <a:pPr marL="0" lvl="0" indent="0" algn="l" rtl="0">
+              <a:spcBef>
+                <a:spcPts val="0"/>
+              </a:spcBef>
+              <a:spcAft>
+                <a:spcPts val="0"/>
+              </a:spcAft>
+              <a:buNone/>
+            </a:pPr>
+            <a:endParaRPr lang="fr-FR" dirty="0"/>
+          </a:p>
+          <a:p>
+            <a:pPr marL="158750" indent="0">
+              <a:buNone/>
+            </a:pPr>
+            <a:r>
+              <a:rPr lang="fr-FR" dirty="0"/>
+              <a:t>mots très discriminants : </a:t>
+            </a:r>
+            <a:r>
+              <a:rPr lang="fr-FR" i="1" dirty="0"/>
+              <a:t>free, </a:t>
+            </a:r>
+            <a:r>
+              <a:rPr lang="fr-FR" i="1" dirty="0" err="1"/>
+              <a:t>win</a:t>
+            </a:r>
+            <a:r>
+              <a:rPr lang="fr-FR" i="1" dirty="0"/>
+              <a:t>, cash, urgent, call </a:t>
+            </a:r>
+            <a:r>
+              <a:rPr lang="fr-FR" i="1" dirty="0" err="1"/>
+              <a:t>now</a:t>
+            </a:r>
+            <a:endParaRPr lang="fr-FR" dirty="0"/>
+          </a:p>
+          <a:p>
+            <a:pPr marL="158750" indent="0">
+              <a:buNone/>
+            </a:pPr>
+            <a:r>
+              <a:rPr lang="fr-FR" dirty="0"/>
+              <a:t>expressions répétitives</a:t>
+            </a:r>
+          </a:p>
+          <a:p>
+            <a:pPr marL="158750" indent="0">
+              <a:buNone/>
+            </a:pPr>
+            <a:r>
+              <a:rPr lang="fr-FR" dirty="0"/>
+              <a:t>peu de subtilité syntaxique</a:t>
+            </a:r>
+          </a:p>
+          <a:p>
+            <a:pPr marL="158750" indent="0">
+              <a:buNone/>
+            </a:pPr>
+            <a:r>
+              <a:rPr lang="fr-FR"/>
+              <a:t>TF-IDF </a:t>
+            </a:r>
+            <a:r>
+              <a:rPr lang="fr-FR" dirty="0"/>
+              <a:t>capture exactement </a:t>
+            </a:r>
+            <a:r>
+              <a:rPr lang="fr-FR"/>
+              <a:t>ça :	</a:t>
+            </a:r>
+            <a:br>
+              <a:rPr lang="fr-FR" dirty="0"/>
+            </a:br>
+            <a:r>
+              <a:rPr lang="fr-FR" dirty="0"/>
+              <a:t>un mot rare mais spécifique au spam reçoit un </a:t>
+            </a:r>
+            <a:r>
+              <a:rPr lang="fr-FR" b="1" dirty="0"/>
+              <a:t>poids élevé</a:t>
+            </a:r>
+            <a:r>
+              <a:rPr lang="fr-FR" dirty="0"/>
+              <a:t>.</a:t>
+            </a:r>
           </a:p>
         </p:txBody>
       </p:sp>
@@ -2556,6 +2745,62 @@
             <a:noAutofit/>
           </a:bodyPr>
           <a:lstStyle/>
+          <a:p>
+            <a:pPr marL="0" lvl="0" indent="0" algn="l" rtl="0">
+              <a:spcBef>
+                <a:spcPts val="0"/>
+              </a:spcBef>
+              <a:spcAft>
+                <a:spcPts val="0"/>
+              </a:spcAft>
+              <a:buNone/>
+            </a:pPr>
+            <a:r>
+              <a:rPr lang="fr-FR" dirty="0"/>
+              <a:t>Que privilégier ?</a:t>
+            </a:r>
+          </a:p>
+          <a:p>
+            <a:r>
+              <a:rPr lang="fr-FR" dirty="0"/>
+              <a:t>FN = </a:t>
+            </a:r>
+            <a:r>
+              <a:rPr lang="fr-FR" i="1" dirty="0"/>
+              <a:t>Spam classé comme </a:t>
+            </a:r>
+            <a:r>
+              <a:rPr lang="fr-FR" i="1" dirty="0" err="1"/>
+              <a:t>ham</a:t>
+            </a:r>
+            <a:endParaRPr lang="fr-FR" dirty="0"/>
+          </a:p>
+          <a:p>
+            <a:r>
+              <a:rPr lang="fr-FR" dirty="0"/>
+              <a:t>Donc un message dangereux passe à travers le filtre.</a:t>
+            </a:r>
+          </a:p>
+          <a:p>
+            <a:endParaRPr lang="fr-FR" dirty="0"/>
+          </a:p>
+          <a:p>
+            <a:r>
+              <a:rPr lang="fr-FR" dirty="0"/>
+              <a:t>FP = </a:t>
+            </a:r>
+            <a:r>
+              <a:rPr lang="fr-FR" i="1" dirty="0"/>
+              <a:t>Ham classé comme spam</a:t>
+            </a:r>
+            <a:endParaRPr lang="fr-FR" dirty="0"/>
+          </a:p>
+          <a:p>
+            <a:r>
+              <a:rPr lang="fr-FR" dirty="0"/>
+              <a:t>Donc un message légitime est bloqué.</a:t>
+            </a:r>
+          </a:p>
           <a:p>
             <a:pPr marL="0" lvl="0" indent="0" algn="l" rtl="0">
               <a:spcBef>
@@ -2693,7 +2938,109 @@
               </a:spcAft>
               <a:buNone/>
             </a:pPr>
-            <a:endParaRPr dirty="0"/>
+            <a:r>
+              <a:rPr lang="fr-FR" dirty="0"/>
+              <a:t>Que privilégier ?</a:t>
+            </a:r>
+          </a:p>
+          <a:p>
+            <a:r>
+              <a:rPr lang="fr-FR" dirty="0"/>
+              <a:t>FN = </a:t>
+            </a:r>
+            <a:r>
+              <a:rPr lang="fr-FR" i="1" dirty="0"/>
+              <a:t>Spam classé comme </a:t>
+            </a:r>
+            <a:r>
+              <a:rPr lang="fr-FR" i="1" dirty="0" err="1"/>
+              <a:t>ham</a:t>
+            </a:r>
+            <a:endParaRPr lang="fr-FR" dirty="0"/>
+          </a:p>
+          <a:p>
+            <a:r>
+              <a:rPr lang="fr-FR" dirty="0"/>
+              <a:t>Donc un message dangereux passe à travers le filtre.</a:t>
+            </a:r>
+          </a:p>
+          <a:p>
+            <a:endParaRPr lang="fr-FR" dirty="0"/>
+          </a:p>
+          <a:p>
+            <a:r>
+              <a:rPr lang="fr-FR" dirty="0"/>
+              <a:t>FP = </a:t>
+            </a:r>
+            <a:r>
+              <a:rPr lang="fr-FR" i="1" dirty="0"/>
+              <a:t>Ham classé comme spam</a:t>
+            </a:r>
+            <a:endParaRPr lang="fr-FR" dirty="0"/>
+          </a:p>
+          <a:p>
+            <a:r>
+              <a:rPr lang="fr-FR" dirty="0"/>
+              <a:t>Donc un message légitime est bloqué.</a:t>
+            </a:r>
+          </a:p>
+          <a:p>
+            <a:pPr marL="0" lvl="0" indent="0" algn="l" rtl="0">
+              <a:spcBef>
+                <a:spcPts val="0"/>
+              </a:spcBef>
+              <a:spcAft>
+                <a:spcPts val="0"/>
+              </a:spcAft>
+              <a:buNone/>
+            </a:pPr>
+            <a:endParaRPr lang="fr-FR" dirty="0"/>
+          </a:p>
+          <a:p>
+            <a:pPr marL="0" lvl="0" indent="0" algn="l" rtl="0">
+              <a:spcBef>
+                <a:spcPts val="0"/>
+              </a:spcBef>
+              <a:spcAft>
+                <a:spcPts val="0"/>
+              </a:spcAft>
+              <a:buNone/>
+            </a:pPr>
+            <a:r>
+              <a:rPr lang="fr-FR" dirty="0"/>
+              <a:t>Si on privilégie la sécurité, on réduit les faux négatifs.</a:t>
+            </a:r>
+            <a:br>
+              <a:rPr lang="fr-FR" dirty="0"/>
+            </a:br>
+            <a:r>
+              <a:rPr lang="fr-FR" dirty="0"/>
+              <a:t>Si on privilégie l’expérience utilisateur, on réduit les faux positifs.</a:t>
+            </a:r>
+          </a:p>
+          <a:p>
+            <a:pPr marL="0" lvl="0" indent="0" algn="l" rtl="0">
+              <a:spcBef>
+                <a:spcPts val="0"/>
+              </a:spcBef>
+              <a:spcAft>
+                <a:spcPts val="0"/>
+              </a:spcAft>
+              <a:buNone/>
+            </a:pPr>
+            <a:endParaRPr lang="fr-FR" dirty="0"/>
+          </a:p>
+          <a:p>
+            <a:pPr marL="0" lvl="0" indent="0" algn="l" rtl="0">
+              <a:spcBef>
+                <a:spcPts val="0"/>
+              </a:spcBef>
+              <a:spcAft>
+                <a:spcPts val="0"/>
+              </a:spcAft>
+              <a:buNone/>
+            </a:pPr>
+            <a:endParaRPr lang="fr-FR" dirty="0"/>
           </a:p>
         </p:txBody>
       </p:sp>
